--- a/share/提摩太后书/释经讲道01-天国志愿军/属灵生命成长的秘诀-2ti2-1-14.pptx
+++ b/share/提摩太后书/释经讲道01-天国志愿军/属灵生命成长的秘诀-2ti2-1-14.pptx
@@ -5,23 +5,22 @@
     <p:sldMasterId id="2147483648" r:id="rId1"/>
   </p:sldMasterIdLst>
   <p:notesMasterIdLst>
-    <p:notesMasterId r:id="rId16"/>
+    <p:notesMasterId r:id="rId15"/>
   </p:notesMasterIdLst>
   <p:sldIdLst>
     <p:sldId id="256" r:id="rId2"/>
     <p:sldId id="259" r:id="rId3"/>
     <p:sldId id="291" r:id="rId4"/>
-    <p:sldId id="335" r:id="rId5"/>
-    <p:sldId id="292" r:id="rId6"/>
-    <p:sldId id="336" r:id="rId7"/>
-    <p:sldId id="337" r:id="rId8"/>
-    <p:sldId id="338" r:id="rId9"/>
-    <p:sldId id="339" r:id="rId10"/>
-    <p:sldId id="340" r:id="rId11"/>
-    <p:sldId id="341" r:id="rId12"/>
-    <p:sldId id="342" r:id="rId13"/>
-    <p:sldId id="303" r:id="rId14"/>
-    <p:sldId id="286" r:id="rId15"/>
+    <p:sldId id="292" r:id="rId5"/>
+    <p:sldId id="336" r:id="rId6"/>
+    <p:sldId id="337" r:id="rId7"/>
+    <p:sldId id="338" r:id="rId8"/>
+    <p:sldId id="339" r:id="rId9"/>
+    <p:sldId id="340" r:id="rId10"/>
+    <p:sldId id="341" r:id="rId11"/>
+    <p:sldId id="342" r:id="rId12"/>
+    <p:sldId id="303" r:id="rId13"/>
+    <p:sldId id="286" r:id="rId14"/>
   </p:sldIdLst>
   <p:sldSz cx="9144000" cy="6858000" type="screen4x3"/>
   <p:notesSz cx="6858000" cy="9144000"/>
@@ -203,14 +202,14 @@
           <a:effectLst/>
           <a:extLst>
             <a:ext uri="{909E8E84-426E-40DD-AFC4-6F175D3DCCD1}">
-              <a14:hiddenFill xmlns="" xmlns:a14="http://schemas.microsoft.com/office/drawing/2010/main">
+              <a14:hiddenFill xmlns:a14="http://schemas.microsoft.com/office/drawing/2010/main" xmlns="">
                 <a:solidFill>
                   <a:schemeClr val="accent1"/>
                 </a:solidFill>
               </a14:hiddenFill>
             </a:ext>
             <a:ext uri="{91240B29-F687-4F45-9708-019B960494DF}">
-              <a14:hiddenLine xmlns="" xmlns:a14="http://schemas.microsoft.com/office/drawing/2010/main" w="9525">
+              <a14:hiddenLine xmlns:a14="http://schemas.microsoft.com/office/drawing/2010/main" xmlns="" w="9525">
                 <a:solidFill>
                   <a:schemeClr val="tx1"/>
                 </a:solidFill>
@@ -220,7 +219,7 @@
               </a14:hiddenLine>
             </a:ext>
             <a:ext uri="{AF507438-7753-43E0-B8FC-AC1667EBCBE1}">
-              <a14:hiddenEffects xmlns="" xmlns:a14="http://schemas.microsoft.com/office/drawing/2010/main">
+              <a14:hiddenEffects xmlns:a14="http://schemas.microsoft.com/office/drawing/2010/main" xmlns="">
                 <a:effectLst>
                   <a:outerShdw dist="35921" dir="2700000" algn="ctr" rotWithShape="0">
                     <a:schemeClr val="bg2"/>
@@ -271,14 +270,14 @@
           <a:effectLst/>
           <a:extLst>
             <a:ext uri="{909E8E84-426E-40DD-AFC4-6F175D3DCCD1}">
-              <a14:hiddenFill xmlns="" xmlns:a14="http://schemas.microsoft.com/office/drawing/2010/main">
+              <a14:hiddenFill xmlns:a14="http://schemas.microsoft.com/office/drawing/2010/main" xmlns="">
                 <a:solidFill>
                   <a:schemeClr val="accent1"/>
                 </a:solidFill>
               </a14:hiddenFill>
             </a:ext>
             <a:ext uri="{91240B29-F687-4F45-9708-019B960494DF}">
-              <a14:hiddenLine xmlns="" xmlns:a14="http://schemas.microsoft.com/office/drawing/2010/main" w="9525">
+              <a14:hiddenLine xmlns:a14="http://schemas.microsoft.com/office/drawing/2010/main" xmlns="" w="9525">
                 <a:solidFill>
                   <a:schemeClr val="tx1"/>
                 </a:solidFill>
@@ -288,7 +287,7 @@
               </a14:hiddenLine>
             </a:ext>
             <a:ext uri="{AF507438-7753-43E0-B8FC-AC1667EBCBE1}">
-              <a14:hiddenEffects xmlns="" xmlns:a14="http://schemas.microsoft.com/office/drawing/2010/main">
+              <a14:hiddenEffects xmlns:a14="http://schemas.microsoft.com/office/drawing/2010/main" xmlns="">
                 <a:effectLst>
                   <a:outerShdw dist="35921" dir="2700000" algn="ctr" rotWithShape="0">
                     <a:schemeClr val="bg2"/>
@@ -344,7 +343,7 @@
           <a:effectLst/>
           <a:extLst>
             <a:ext uri="{AF507438-7753-43E0-B8FC-AC1667EBCBE1}">
-              <a14:hiddenEffects xmlns="" xmlns:a14="http://schemas.microsoft.com/office/drawing/2010/main">
+              <a14:hiddenEffects xmlns:a14="http://schemas.microsoft.com/office/drawing/2010/main" xmlns="">
                 <a:effectLst>
                   <a:outerShdw dist="35921" dir="2700000" algn="ctr" rotWithShape="0">
                     <a:srgbClr val="808080"/>
@@ -353,7 +352,7 @@
               </a14:hiddenEffects>
             </a:ext>
             <a:ext uri="{53640926-AAD7-44D8-BBD7-CCE9431645EC}">
-              <a14:shadowObscured xmlns="" xmlns:a14="http://schemas.microsoft.com/office/drawing/2010/main" val="1"/>
+              <a14:shadowObscured xmlns:a14="http://schemas.microsoft.com/office/drawing/2010/main" xmlns="" val="1"/>
             </a:ext>
           </a:extLst>
         </p:spPr>
@@ -383,14 +382,14 @@
           <a:effectLst/>
           <a:extLst>
             <a:ext uri="{909E8E84-426E-40DD-AFC4-6F175D3DCCD1}">
-              <a14:hiddenFill xmlns="" xmlns:a14="http://schemas.microsoft.com/office/drawing/2010/main">
+              <a14:hiddenFill xmlns:a14="http://schemas.microsoft.com/office/drawing/2010/main" xmlns="">
                 <a:solidFill>
                   <a:schemeClr val="accent1"/>
                 </a:solidFill>
               </a14:hiddenFill>
             </a:ext>
             <a:ext uri="{91240B29-F687-4F45-9708-019B960494DF}">
-              <a14:hiddenLine xmlns="" xmlns:a14="http://schemas.microsoft.com/office/drawing/2010/main" w="9525">
+              <a14:hiddenLine xmlns:a14="http://schemas.microsoft.com/office/drawing/2010/main" xmlns="" w="9525">
                 <a:solidFill>
                   <a:schemeClr val="tx1"/>
                 </a:solidFill>
@@ -400,7 +399,7 @@
               </a14:hiddenLine>
             </a:ext>
             <a:ext uri="{AF507438-7753-43E0-B8FC-AC1667EBCBE1}">
-              <a14:hiddenEffects xmlns="" xmlns:a14="http://schemas.microsoft.com/office/drawing/2010/main">
+              <a14:hiddenEffects xmlns:a14="http://schemas.microsoft.com/office/drawing/2010/main" xmlns="">
                 <a:effectLst>
                   <a:outerShdw dist="35921" dir="2700000" algn="ctr" rotWithShape="0">
                     <a:schemeClr val="bg2"/>
@@ -479,14 +478,14 @@
           <a:effectLst/>
           <a:extLst>
             <a:ext uri="{909E8E84-426E-40DD-AFC4-6F175D3DCCD1}">
-              <a14:hiddenFill xmlns="" xmlns:a14="http://schemas.microsoft.com/office/drawing/2010/main">
+              <a14:hiddenFill xmlns:a14="http://schemas.microsoft.com/office/drawing/2010/main" xmlns="">
                 <a:solidFill>
                   <a:schemeClr val="accent1"/>
                 </a:solidFill>
               </a14:hiddenFill>
             </a:ext>
             <a:ext uri="{91240B29-F687-4F45-9708-019B960494DF}">
-              <a14:hiddenLine xmlns="" xmlns:a14="http://schemas.microsoft.com/office/drawing/2010/main" w="9525">
+              <a14:hiddenLine xmlns:a14="http://schemas.microsoft.com/office/drawing/2010/main" xmlns="" w="9525">
                 <a:solidFill>
                   <a:schemeClr val="tx1"/>
                 </a:solidFill>
@@ -496,7 +495,7 @@
               </a14:hiddenLine>
             </a:ext>
             <a:ext uri="{AF507438-7753-43E0-B8FC-AC1667EBCBE1}">
-              <a14:hiddenEffects xmlns="" xmlns:a14="http://schemas.microsoft.com/office/drawing/2010/main">
+              <a14:hiddenEffects xmlns:a14="http://schemas.microsoft.com/office/drawing/2010/main" xmlns="">
                 <a:effectLst>
                   <a:outerShdw dist="35921" dir="2700000" algn="ctr" rotWithShape="0">
                     <a:schemeClr val="bg2"/>
@@ -547,14 +546,14 @@
           <a:effectLst/>
           <a:extLst>
             <a:ext uri="{909E8E84-426E-40DD-AFC4-6F175D3DCCD1}">
-              <a14:hiddenFill xmlns="" xmlns:a14="http://schemas.microsoft.com/office/drawing/2010/main">
+              <a14:hiddenFill xmlns:a14="http://schemas.microsoft.com/office/drawing/2010/main" xmlns="">
                 <a:solidFill>
                   <a:schemeClr val="accent1"/>
                 </a:solidFill>
               </a14:hiddenFill>
             </a:ext>
             <a:ext uri="{91240B29-F687-4F45-9708-019B960494DF}">
-              <a14:hiddenLine xmlns="" xmlns:a14="http://schemas.microsoft.com/office/drawing/2010/main" w="9525">
+              <a14:hiddenLine xmlns:a14="http://schemas.microsoft.com/office/drawing/2010/main" xmlns="" w="9525">
                 <a:solidFill>
                   <a:schemeClr val="tx1"/>
                 </a:solidFill>
@@ -564,7 +563,7 @@
               </a14:hiddenLine>
             </a:ext>
             <a:ext uri="{AF507438-7753-43E0-B8FC-AC1667EBCBE1}">
-              <a14:hiddenEffects xmlns="" xmlns:a14="http://schemas.microsoft.com/office/drawing/2010/main">
+              <a14:hiddenEffects xmlns:a14="http://schemas.microsoft.com/office/drawing/2010/main" xmlns="">
                 <a:effectLst>
                   <a:outerShdw dist="35921" dir="2700000" algn="ctr" rotWithShape="0">
                     <a:schemeClr val="bg2"/>
@@ -598,7 +597,7 @@
     </p:spTree>
     <p:extLst>
       <p:ext uri="{BB962C8B-B14F-4D97-AF65-F5344CB8AC3E}">
-        <p14:creationId xmlns="" xmlns:p14="http://schemas.microsoft.com/office/powerpoint/2010/main" val="45029081"/>
+        <p14:creationId xmlns:p14="http://schemas.microsoft.com/office/powerpoint/2010/main" xmlns="" val="45029081"/>
       </p:ext>
     </p:extLst>
   </p:cSld>
@@ -772,26 +771,6 @@
           <a:bodyPr/>
           <a:lstStyle/>
           <a:p>
-            <a:r>
-              <a:rPr lang="en-US" altLang="zh-CN" dirty="0" smtClean="0"/>
-              <a:t>2016-10-13 </a:t>
-            </a:r>
-            <a:r>
-              <a:rPr lang="zh-CN" altLang="en-US" dirty="0" smtClean="0"/>
-              <a:t>周四</a:t>
-            </a:r>
-            <a:r>
-              <a:rPr lang="en-US" altLang="zh-CN" dirty="0" smtClean="0"/>
-              <a:t>GLS</a:t>
-            </a:r>
-            <a:r>
-              <a:rPr lang="zh-CN" altLang="en-US" dirty="0" smtClean="0"/>
-              <a:t>团契分享</a:t>
-            </a:r>
-            <a:r>
-              <a:rPr lang="zh-CN" altLang="en-US" baseline="0" dirty="0" smtClean="0"/>
-              <a:t> </a:t>
-            </a:r>
             <a:endParaRPr lang="zh-CN" altLang="en-US" dirty="0"/>
           </a:p>
         </p:txBody>
@@ -823,7 +802,7 @@
     </p:spTree>
     <p:extLst>
       <p:ext uri="{BB962C8B-B14F-4D97-AF65-F5344CB8AC3E}">
-        <p14:creationId xmlns="" xmlns:p14="http://schemas.microsoft.com/office/powerpoint/2010/main" val="3162953695"/>
+        <p14:creationId xmlns:p14="http://schemas.microsoft.com/office/powerpoint/2010/main" xmlns="" val="3162953695"/>
       </p:ext>
     </p:extLst>
   </p:cSld>
@@ -908,7 +887,7 @@
     </p:spTree>
     <p:extLst>
       <p:ext uri="{BB962C8B-B14F-4D97-AF65-F5344CB8AC3E}">
-        <p14:creationId xmlns="" xmlns:p14="http://schemas.microsoft.com/office/powerpoint/2010/main" val="4074272823"/>
+        <p14:creationId xmlns:p14="http://schemas.microsoft.com/office/powerpoint/2010/main" xmlns="" val="4074272823"/>
       </p:ext>
     </p:extLst>
   </p:cSld>
@@ -993,7 +972,7 @@
     </p:spTree>
     <p:extLst>
       <p:ext uri="{BB962C8B-B14F-4D97-AF65-F5344CB8AC3E}">
-        <p14:creationId xmlns="" xmlns:p14="http://schemas.microsoft.com/office/powerpoint/2010/main" val="4074272823"/>
+        <p14:creationId xmlns:p14="http://schemas.microsoft.com/office/powerpoint/2010/main" xmlns="" val="4074272823"/>
       </p:ext>
     </p:extLst>
   </p:cSld>
@@ -1078,92 +1057,7 @@
     </p:spTree>
     <p:extLst>
       <p:ext uri="{BB962C8B-B14F-4D97-AF65-F5344CB8AC3E}">
-        <p14:creationId xmlns="" xmlns:p14="http://schemas.microsoft.com/office/powerpoint/2010/main" val="4074272823"/>
-      </p:ext>
-    </p:extLst>
-  </p:cSld>
-  <p:clrMapOvr>
-    <a:masterClrMapping/>
-  </p:clrMapOvr>
-</p:notes>
-</file>
-
-<file path=ppt/notesSlides/notesSlide13.xml><?xml version="1.0" encoding="utf-8"?>
-<p:notes xmlns:a="http://schemas.openxmlformats.org/drawingml/2006/main" xmlns:r="http://schemas.openxmlformats.org/officeDocument/2006/relationships" xmlns:p="http://schemas.openxmlformats.org/presentationml/2006/main">
-  <p:cSld>
-    <p:spTree>
-      <p:nvGrpSpPr>
-        <p:cNvPr id="1" name=""/>
-        <p:cNvGrpSpPr/>
-        <p:nvPr/>
-      </p:nvGrpSpPr>
-      <p:grpSpPr>
-        <a:xfrm>
-          <a:off x="0" y="0"/>
-          <a:ext cx="0" cy="0"/>
-          <a:chOff x="0" y="0"/>
-          <a:chExt cx="0" cy="0"/>
-        </a:xfrm>
-      </p:grpSpPr>
-      <p:sp>
-        <p:nvSpPr>
-          <p:cNvPr id="2" name="幻灯片图像占位符 1"/>
-          <p:cNvSpPr>
-            <a:spLocks noGrp="1" noRot="1" noChangeAspect="1"/>
-          </p:cNvSpPr>
-          <p:nvPr>
-            <p:ph type="sldImg"/>
-          </p:nvPr>
-        </p:nvSpPr>
-        <p:spPr/>
-      </p:sp>
-      <p:sp>
-        <p:nvSpPr>
-          <p:cNvPr id="3" name="备注占位符 2"/>
-          <p:cNvSpPr>
-            <a:spLocks noGrp="1"/>
-          </p:cNvSpPr>
-          <p:nvPr>
-            <p:ph type="body" idx="1"/>
-          </p:nvPr>
-        </p:nvSpPr>
-        <p:spPr/>
-        <p:txBody>
-          <a:bodyPr/>
-          <a:lstStyle/>
-          <a:p>
-            <a:endParaRPr lang="zh-CN" altLang="en-US" dirty="0"/>
-          </a:p>
-        </p:txBody>
-      </p:sp>
-      <p:sp>
-        <p:nvSpPr>
-          <p:cNvPr id="4" name="灯片编号占位符 3"/>
-          <p:cNvSpPr>
-            <a:spLocks noGrp="1"/>
-          </p:cNvSpPr>
-          <p:nvPr>
-            <p:ph type="sldNum" sz="quarter" idx="10"/>
-          </p:nvPr>
-        </p:nvSpPr>
-        <p:spPr/>
-        <p:txBody>
-          <a:bodyPr/>
-          <a:lstStyle/>
-          <a:p>
-            <a:fld id="{4F212CDC-BBBD-47F2-BD0A-0380DC626990}" type="slidenum">
-              <a:rPr lang="en-US" altLang="zh-CN" smtClean="0"/>
-              <a:pPr/>
-              <a:t>13</a:t>
-            </a:fld>
-            <a:endParaRPr lang="en-US" altLang="zh-CN"/>
-          </a:p>
-        </p:txBody>
-      </p:sp>
-    </p:spTree>
-    <p:extLst>
-      <p:ext uri="{BB962C8B-B14F-4D97-AF65-F5344CB8AC3E}">
-        <p14:creationId xmlns="" xmlns:p14="http://schemas.microsoft.com/office/powerpoint/2010/main" val="4074272823"/>
+        <p14:creationId xmlns:p14="http://schemas.microsoft.com/office/powerpoint/2010/main" xmlns="" val="4074272823"/>
       </p:ext>
     </p:extLst>
   </p:cSld>
@@ -1258,7 +1152,7 @@
     </p:spTree>
     <p:extLst>
       <p:ext uri="{BB962C8B-B14F-4D97-AF65-F5344CB8AC3E}">
-        <p14:creationId xmlns="" xmlns:p14="http://schemas.microsoft.com/office/powerpoint/2010/main" val="4074272823"/>
+        <p14:creationId xmlns:p14="http://schemas.microsoft.com/office/powerpoint/2010/main" xmlns="" val="4074272823"/>
       </p:ext>
     </p:extLst>
   </p:cSld>
@@ -1361,7 +1255,7 @@
     </p:spTree>
     <p:extLst>
       <p:ext uri="{BB962C8B-B14F-4D97-AF65-F5344CB8AC3E}">
-        <p14:creationId xmlns="" xmlns:p14="http://schemas.microsoft.com/office/powerpoint/2010/main" val="4074272823"/>
+        <p14:creationId xmlns:p14="http://schemas.microsoft.com/office/powerpoint/2010/main" xmlns="" val="4074272823"/>
       </p:ext>
     </p:extLst>
   </p:cSld>
@@ -1415,16 +1309,6 @@
           <a:bodyPr/>
           <a:lstStyle/>
           <a:p>
-            <a:r>
-              <a:rPr lang="zh-CN" altLang="en-US" dirty="0" smtClean="0"/>
-              <a:t>引言</a:t>
-            </a:r>
-          </a:p>
-          <a:p>
-            <a:r>
-              <a:rPr lang="zh-CN" altLang="en-US" dirty="0" smtClean="0"/>
-              <a:t>　　</a:t>
-            </a:r>
             <a:endParaRPr lang="zh-CN" altLang="en-US" dirty="0"/>
           </a:p>
         </p:txBody>
@@ -1456,7 +1340,7 @@
     </p:spTree>
     <p:extLst>
       <p:ext uri="{BB962C8B-B14F-4D97-AF65-F5344CB8AC3E}">
-        <p14:creationId xmlns="" xmlns:p14="http://schemas.microsoft.com/office/powerpoint/2010/main" val="4074272823"/>
+        <p14:creationId xmlns:p14="http://schemas.microsoft.com/office/powerpoint/2010/main" xmlns="" val="4074272823"/>
       </p:ext>
     </p:extLst>
   </p:cSld>
@@ -1541,7 +1425,7 @@
     </p:spTree>
     <p:extLst>
       <p:ext uri="{BB962C8B-B14F-4D97-AF65-F5344CB8AC3E}">
-        <p14:creationId xmlns="" xmlns:p14="http://schemas.microsoft.com/office/powerpoint/2010/main" val="4074272823"/>
+        <p14:creationId xmlns:p14="http://schemas.microsoft.com/office/powerpoint/2010/main" xmlns="" val="4074272823"/>
       </p:ext>
     </p:extLst>
   </p:cSld>
@@ -1626,7 +1510,7 @@
     </p:spTree>
     <p:extLst>
       <p:ext uri="{BB962C8B-B14F-4D97-AF65-F5344CB8AC3E}">
-        <p14:creationId xmlns="" xmlns:p14="http://schemas.microsoft.com/office/powerpoint/2010/main" val="4074272823"/>
+        <p14:creationId xmlns:p14="http://schemas.microsoft.com/office/powerpoint/2010/main" xmlns="" val="4074272823"/>
       </p:ext>
     </p:extLst>
   </p:cSld>
@@ -1711,7 +1595,7 @@
     </p:spTree>
     <p:extLst>
       <p:ext uri="{BB962C8B-B14F-4D97-AF65-F5344CB8AC3E}">
-        <p14:creationId xmlns="" xmlns:p14="http://schemas.microsoft.com/office/powerpoint/2010/main" val="4074272823"/>
+        <p14:creationId xmlns:p14="http://schemas.microsoft.com/office/powerpoint/2010/main" xmlns="" val="4074272823"/>
       </p:ext>
     </p:extLst>
   </p:cSld>
@@ -1796,7 +1680,7 @@
     </p:spTree>
     <p:extLst>
       <p:ext uri="{BB962C8B-B14F-4D97-AF65-F5344CB8AC3E}">
-        <p14:creationId xmlns="" xmlns:p14="http://schemas.microsoft.com/office/powerpoint/2010/main" val="4074272823"/>
+        <p14:creationId xmlns:p14="http://schemas.microsoft.com/office/powerpoint/2010/main" xmlns="" val="4074272823"/>
       </p:ext>
     </p:extLst>
   </p:cSld>
@@ -1881,7 +1765,7 @@
     </p:spTree>
     <p:extLst>
       <p:ext uri="{BB962C8B-B14F-4D97-AF65-F5344CB8AC3E}">
-        <p14:creationId xmlns="" xmlns:p14="http://schemas.microsoft.com/office/powerpoint/2010/main" val="4074272823"/>
+        <p14:creationId xmlns:p14="http://schemas.microsoft.com/office/powerpoint/2010/main" xmlns="" val="4074272823"/>
       </p:ext>
     </p:extLst>
   </p:cSld>
@@ -1935,7 +1819,7 @@
           <a:effectLst/>
           <a:extLst>
             <a:ext uri="{91240B29-F687-4F45-9708-019B960494DF}">
-              <a14:hiddenLine xmlns="" xmlns:a14="http://schemas.microsoft.com/office/drawing/2010/main" w="9525">
+              <a14:hiddenLine xmlns:a14="http://schemas.microsoft.com/office/drawing/2010/main" xmlns="" w="9525">
                 <a:solidFill>
                   <a:schemeClr val="tx1"/>
                 </a:solidFill>
@@ -1945,7 +1829,7 @@
               </a14:hiddenLine>
             </a:ext>
             <a:ext uri="{AF507438-7753-43E0-B8FC-AC1667EBCBE1}">
-              <a14:hiddenEffects xmlns="" xmlns:a14="http://schemas.microsoft.com/office/drawing/2010/main">
+              <a14:hiddenEffects xmlns:a14="http://schemas.microsoft.com/office/drawing/2010/main" xmlns="">
                 <a:effectLst>
                   <a:outerShdw dist="35921" dir="2700000" algn="ctr" rotWithShape="0">
                     <a:schemeClr val="bg2"/>
@@ -1992,7 +1876,7 @@
           <a:effectLst/>
           <a:extLst>
             <a:ext uri="{91240B29-F687-4F45-9708-019B960494DF}">
-              <a14:hiddenLine xmlns="" xmlns:a14="http://schemas.microsoft.com/office/drawing/2010/main" w="9525">
+              <a14:hiddenLine xmlns:a14="http://schemas.microsoft.com/office/drawing/2010/main" xmlns="" w="9525">
                 <a:solidFill>
                   <a:schemeClr val="tx1"/>
                 </a:solidFill>
@@ -2002,7 +1886,7 @@
               </a14:hiddenLine>
             </a:ext>
             <a:ext uri="{AF507438-7753-43E0-B8FC-AC1667EBCBE1}">
-              <a14:hiddenEffects xmlns="" xmlns:a14="http://schemas.microsoft.com/office/drawing/2010/main">
+              <a14:hiddenEffects xmlns:a14="http://schemas.microsoft.com/office/drawing/2010/main" xmlns="">
                 <a:effectLst>
                   <a:outerShdw dist="35921" dir="2700000" algn="ctr" rotWithShape="0">
                     <a:schemeClr val="bg2"/>
@@ -2049,7 +1933,7 @@
           <a:effectLst/>
           <a:extLst>
             <a:ext uri="{91240B29-F687-4F45-9708-019B960494DF}">
-              <a14:hiddenLine xmlns="" xmlns:a14="http://schemas.microsoft.com/office/drawing/2010/main" w="9525">
+              <a14:hiddenLine xmlns:a14="http://schemas.microsoft.com/office/drawing/2010/main" xmlns="" w="9525">
                 <a:solidFill>
                   <a:schemeClr val="tx1"/>
                 </a:solidFill>
@@ -2059,7 +1943,7 @@
               </a14:hiddenLine>
             </a:ext>
             <a:ext uri="{AF507438-7753-43E0-B8FC-AC1667EBCBE1}">
-              <a14:hiddenEffects xmlns="" xmlns:a14="http://schemas.microsoft.com/office/drawing/2010/main">
+              <a14:hiddenEffects xmlns:a14="http://schemas.microsoft.com/office/drawing/2010/main" xmlns="">
                 <a:effectLst>
                   <a:outerShdw dist="35921" dir="2700000" algn="ctr" rotWithShape="0">
                     <a:schemeClr val="bg2"/>
@@ -2102,7 +1986,7 @@
           <a:effectLst/>
           <a:extLst>
             <a:ext uri="{91240B29-F687-4F45-9708-019B960494DF}">
-              <a14:hiddenLine xmlns="" xmlns:a14="http://schemas.microsoft.com/office/drawing/2010/main" w="9525">
+              <a14:hiddenLine xmlns:a14="http://schemas.microsoft.com/office/drawing/2010/main" xmlns="" w="9525">
                 <a:solidFill>
                   <a:schemeClr val="tx1"/>
                 </a:solidFill>
@@ -2112,7 +1996,7 @@
               </a14:hiddenLine>
             </a:ext>
             <a:ext uri="{AF507438-7753-43E0-B8FC-AC1667EBCBE1}">
-              <a14:hiddenEffects xmlns="" xmlns:a14="http://schemas.microsoft.com/office/drawing/2010/main">
+              <a14:hiddenEffects xmlns:a14="http://schemas.microsoft.com/office/drawing/2010/main" xmlns="">
                 <a:effectLst>
                   <a:outerShdw dist="35921" dir="2700000" algn="ctr" rotWithShape="0">
                     <a:schemeClr val="bg2"/>
@@ -2155,7 +2039,7 @@
           <a:effectLst/>
           <a:extLst>
             <a:ext uri="{91240B29-F687-4F45-9708-019B960494DF}">
-              <a14:hiddenLine xmlns="" xmlns:a14="http://schemas.microsoft.com/office/drawing/2010/main" w="9525">
+              <a14:hiddenLine xmlns:a14="http://schemas.microsoft.com/office/drawing/2010/main" xmlns="" w="9525">
                 <a:solidFill>
                   <a:schemeClr val="tx1"/>
                 </a:solidFill>
@@ -2165,7 +2049,7 @@
               </a14:hiddenLine>
             </a:ext>
             <a:ext uri="{AF507438-7753-43E0-B8FC-AC1667EBCBE1}">
-              <a14:hiddenEffects xmlns="" xmlns:a14="http://schemas.microsoft.com/office/drawing/2010/main">
+              <a14:hiddenEffects xmlns:a14="http://schemas.microsoft.com/office/drawing/2010/main" xmlns="">
                 <a:effectLst>
                   <a:outerShdw dist="35921" dir="2700000" algn="ctr" rotWithShape="0">
                     <a:schemeClr val="bg2"/>
@@ -2208,7 +2092,7 @@
           <a:effectLst/>
           <a:extLst>
             <a:ext uri="{91240B29-F687-4F45-9708-019B960494DF}">
-              <a14:hiddenLine xmlns="" xmlns:a14="http://schemas.microsoft.com/office/drawing/2010/main" w="9525">
+              <a14:hiddenLine xmlns:a14="http://schemas.microsoft.com/office/drawing/2010/main" xmlns="" w="9525">
                 <a:solidFill>
                   <a:schemeClr val="tx1"/>
                 </a:solidFill>
@@ -2218,7 +2102,7 @@
               </a14:hiddenLine>
             </a:ext>
             <a:ext uri="{AF507438-7753-43E0-B8FC-AC1667EBCBE1}">
-              <a14:hiddenEffects xmlns="" xmlns:a14="http://schemas.microsoft.com/office/drawing/2010/main">
+              <a14:hiddenEffects xmlns:a14="http://schemas.microsoft.com/office/drawing/2010/main" xmlns="">
                 <a:effectLst>
                   <a:outerShdw dist="35921" dir="2700000" algn="ctr" rotWithShape="0">
                     <a:schemeClr val="bg2"/>
@@ -2354,7 +2238,7 @@
             <a:effectLst/>
             <a:extLst>
               <a:ext uri="{91240B29-F687-4F45-9708-019B960494DF}">
-                <a14:hiddenLine xmlns="" xmlns:a14="http://schemas.microsoft.com/office/drawing/2010/main" w="9525">
+                <a14:hiddenLine xmlns:a14="http://schemas.microsoft.com/office/drawing/2010/main" xmlns="" w="9525">
                   <a:solidFill>
                     <a:schemeClr val="tx1"/>
                   </a:solidFill>
@@ -2364,7 +2248,7 @@
                 </a14:hiddenLine>
               </a:ext>
               <a:ext uri="{AF507438-7753-43E0-B8FC-AC1667EBCBE1}">
-                <a14:hiddenEffects xmlns="" xmlns:a14="http://schemas.microsoft.com/office/drawing/2010/main">
+                <a14:hiddenEffects xmlns:a14="http://schemas.microsoft.com/office/drawing/2010/main" xmlns="">
                   <a:effectLst>
                     <a:outerShdw dist="35921" dir="2700000" algn="ctr" rotWithShape="0">
                       <a:schemeClr val="bg2"/>
@@ -2484,7 +2368,7 @@
             <a:effectLst/>
             <a:extLst>
               <a:ext uri="{91240B29-F687-4F45-9708-019B960494DF}">
-                <a14:hiddenLine xmlns="" xmlns:a14="http://schemas.microsoft.com/office/drawing/2010/main" w="9525">
+                <a14:hiddenLine xmlns:a14="http://schemas.microsoft.com/office/drawing/2010/main" xmlns="" w="9525">
                   <a:solidFill>
                     <a:schemeClr val="tx1"/>
                   </a:solidFill>
@@ -2494,7 +2378,7 @@
                 </a14:hiddenLine>
               </a:ext>
               <a:ext uri="{AF507438-7753-43E0-B8FC-AC1667EBCBE1}">
-                <a14:hiddenEffects xmlns="" xmlns:a14="http://schemas.microsoft.com/office/drawing/2010/main">
+                <a14:hiddenEffects xmlns:a14="http://schemas.microsoft.com/office/drawing/2010/main" xmlns="">
                   <a:effectLst>
                     <a:outerShdw dist="35921" dir="2700000" algn="ctr" rotWithShape="0">
                       <a:schemeClr val="bg2"/>
@@ -2606,7 +2490,7 @@
             <a:effectLst/>
             <a:extLst>
               <a:ext uri="{91240B29-F687-4F45-9708-019B960494DF}">
-                <a14:hiddenLine xmlns="" xmlns:a14="http://schemas.microsoft.com/office/drawing/2010/main" w="9525">
+                <a14:hiddenLine xmlns:a14="http://schemas.microsoft.com/office/drawing/2010/main" xmlns="" w="9525">
                   <a:solidFill>
                     <a:schemeClr val="tx1"/>
                   </a:solidFill>
@@ -2616,7 +2500,7 @@
                 </a14:hiddenLine>
               </a:ext>
               <a:ext uri="{AF507438-7753-43E0-B8FC-AC1667EBCBE1}">
-                <a14:hiddenEffects xmlns="" xmlns:a14="http://schemas.microsoft.com/office/drawing/2010/main">
+                <a14:hiddenEffects xmlns:a14="http://schemas.microsoft.com/office/drawing/2010/main" xmlns="">
                   <a:effectLst>
                     <a:outerShdw dist="35921" dir="2700000" algn="ctr" rotWithShape="0">
                       <a:schemeClr val="bg2"/>
@@ -9470,7 +9354,7 @@
           <a:effectLst/>
           <a:extLst>
             <a:ext uri="{91240B29-F687-4F45-9708-019B960494DF}">
-              <a14:hiddenLine xmlns="" xmlns:a14="http://schemas.microsoft.com/office/drawing/2010/main" w="9525">
+              <a14:hiddenLine xmlns:a14="http://schemas.microsoft.com/office/drawing/2010/main" xmlns="" w="9525">
                 <a:solidFill>
                   <a:schemeClr val="tx1"/>
                 </a:solidFill>
@@ -9480,7 +9364,7 @@
               </a14:hiddenLine>
             </a:ext>
             <a:ext uri="{AF507438-7753-43E0-B8FC-AC1667EBCBE1}">
-              <a14:hiddenEffects xmlns="" xmlns:a14="http://schemas.microsoft.com/office/drawing/2010/main">
+              <a14:hiddenEffects xmlns:a14="http://schemas.microsoft.com/office/drawing/2010/main" xmlns="">
                 <a:effectLst>
                   <a:outerShdw dist="35921" dir="2700000" algn="ctr" rotWithShape="0">
                     <a:schemeClr val="bg2"/>
@@ -9523,7 +9407,7 @@
           <a:effectLst/>
           <a:extLst>
             <a:ext uri="{91240B29-F687-4F45-9708-019B960494DF}">
-              <a14:hiddenLine xmlns="" xmlns:a14="http://schemas.microsoft.com/office/drawing/2010/main" w="9525">
+              <a14:hiddenLine xmlns:a14="http://schemas.microsoft.com/office/drawing/2010/main" xmlns="" w="9525">
                 <a:solidFill>
                   <a:schemeClr val="tx1"/>
                 </a:solidFill>
@@ -9533,7 +9417,7 @@
               </a14:hiddenLine>
             </a:ext>
             <a:ext uri="{AF507438-7753-43E0-B8FC-AC1667EBCBE1}">
-              <a14:hiddenEffects xmlns="" xmlns:a14="http://schemas.microsoft.com/office/drawing/2010/main">
+              <a14:hiddenEffects xmlns:a14="http://schemas.microsoft.com/office/drawing/2010/main" xmlns="">
                 <a:effectLst>
                   <a:outerShdw dist="35921" dir="2700000" algn="ctr" rotWithShape="0">
                     <a:schemeClr val="bg2"/>
@@ -9669,7 +9553,7 @@
             <a:effectLst/>
             <a:extLst>
               <a:ext uri="{91240B29-F687-4F45-9708-019B960494DF}">
-                <a14:hiddenLine xmlns="" xmlns:a14="http://schemas.microsoft.com/office/drawing/2010/main" w="9525">
+                <a14:hiddenLine xmlns:a14="http://schemas.microsoft.com/office/drawing/2010/main" xmlns="" w="9525">
                   <a:solidFill>
                     <a:schemeClr val="tx1"/>
                   </a:solidFill>
@@ -9679,7 +9563,7 @@
                 </a14:hiddenLine>
               </a:ext>
               <a:ext uri="{AF507438-7753-43E0-B8FC-AC1667EBCBE1}">
-                <a14:hiddenEffects xmlns="" xmlns:a14="http://schemas.microsoft.com/office/drawing/2010/main">
+                <a14:hiddenEffects xmlns:a14="http://schemas.microsoft.com/office/drawing/2010/main" xmlns="">
                   <a:effectLst>
                     <a:outerShdw dist="35921" dir="2700000" algn="ctr" rotWithShape="0">
                       <a:schemeClr val="bg2"/>
@@ -9789,7 +9673,7 @@
             <a:effectLst/>
             <a:extLst>
               <a:ext uri="{91240B29-F687-4F45-9708-019B960494DF}">
-                <a14:hiddenLine xmlns="" xmlns:a14="http://schemas.microsoft.com/office/drawing/2010/main" w="9525">
+                <a14:hiddenLine xmlns:a14="http://schemas.microsoft.com/office/drawing/2010/main" xmlns="" w="9525">
                   <a:solidFill>
                     <a:schemeClr val="tx1"/>
                   </a:solidFill>
@@ -9799,7 +9683,7 @@
                 </a14:hiddenLine>
               </a:ext>
               <a:ext uri="{AF507438-7753-43E0-B8FC-AC1667EBCBE1}">
-                <a14:hiddenEffects xmlns="" xmlns:a14="http://schemas.microsoft.com/office/drawing/2010/main">
+                <a14:hiddenEffects xmlns:a14="http://schemas.microsoft.com/office/drawing/2010/main" xmlns="">
                   <a:effectLst>
                     <a:outerShdw dist="35921" dir="2700000" algn="ctr" rotWithShape="0">
                       <a:schemeClr val="bg2"/>
@@ -9911,7 +9795,7 @@
             <a:effectLst/>
             <a:extLst>
               <a:ext uri="{91240B29-F687-4F45-9708-019B960494DF}">
-                <a14:hiddenLine xmlns="" xmlns:a14="http://schemas.microsoft.com/office/drawing/2010/main" w="9525">
+                <a14:hiddenLine xmlns:a14="http://schemas.microsoft.com/office/drawing/2010/main" xmlns="" w="9525">
                   <a:solidFill>
                     <a:schemeClr val="tx1"/>
                   </a:solidFill>
@@ -9921,7 +9805,7 @@
                 </a14:hiddenLine>
               </a:ext>
               <a:ext uri="{AF507438-7753-43E0-B8FC-AC1667EBCBE1}">
-                <a14:hiddenEffects xmlns="" xmlns:a14="http://schemas.microsoft.com/office/drawing/2010/main">
+                <a14:hiddenEffects xmlns:a14="http://schemas.microsoft.com/office/drawing/2010/main" xmlns="">
                   <a:effectLst>
                     <a:outerShdw dist="35921" dir="2700000" algn="ctr" rotWithShape="0">
                       <a:schemeClr val="bg2"/>
@@ -9965,7 +9849,7 @@
           <a:effectLst/>
           <a:extLst>
             <a:ext uri="{91240B29-F687-4F45-9708-019B960494DF}">
-              <a14:hiddenLine xmlns="" xmlns:a14="http://schemas.microsoft.com/office/drawing/2010/main" w="9525">
+              <a14:hiddenLine xmlns:a14="http://schemas.microsoft.com/office/drawing/2010/main" xmlns="" w="9525">
                 <a:solidFill>
                   <a:schemeClr val="tx1"/>
                 </a:solidFill>
@@ -9975,7 +9859,7 @@
               </a14:hiddenLine>
             </a:ext>
             <a:ext uri="{AF507438-7753-43E0-B8FC-AC1667EBCBE1}">
-              <a14:hiddenEffects xmlns="" xmlns:a14="http://schemas.microsoft.com/office/drawing/2010/main">
+              <a14:hiddenEffects xmlns:a14="http://schemas.microsoft.com/office/drawing/2010/main" xmlns="">
                 <a:effectLst>
                   <a:outerShdw dist="35921" dir="2700000" algn="ctr" rotWithShape="0">
                     <a:schemeClr val="bg2"/>
@@ -10022,7 +9906,7 @@
           <a:effectLst/>
           <a:extLst>
             <a:ext uri="{91240B29-F687-4F45-9708-019B960494DF}">
-              <a14:hiddenLine xmlns="" xmlns:a14="http://schemas.microsoft.com/office/drawing/2010/main" w="9525">
+              <a14:hiddenLine xmlns:a14="http://schemas.microsoft.com/office/drawing/2010/main" xmlns="" w="9525">
                 <a:solidFill>
                   <a:schemeClr val="tx1"/>
                 </a:solidFill>
@@ -10032,7 +9916,7 @@
               </a14:hiddenLine>
             </a:ext>
             <a:ext uri="{AF507438-7753-43E0-B8FC-AC1667EBCBE1}">
-              <a14:hiddenEffects xmlns="" xmlns:a14="http://schemas.microsoft.com/office/drawing/2010/main">
+              <a14:hiddenEffects xmlns:a14="http://schemas.microsoft.com/office/drawing/2010/main" xmlns="">
                 <a:effectLst>
                   <a:outerShdw dist="35921" dir="2700000" algn="ctr" rotWithShape="0">
                     <a:schemeClr val="bg2"/>
@@ -10079,7 +9963,7 @@
           <a:effectLst/>
           <a:extLst>
             <a:ext uri="{91240B29-F687-4F45-9708-019B960494DF}">
-              <a14:hiddenLine xmlns="" xmlns:a14="http://schemas.microsoft.com/office/drawing/2010/main" w="9525">
+              <a14:hiddenLine xmlns:a14="http://schemas.microsoft.com/office/drawing/2010/main" xmlns="" w="9525">
                 <a:solidFill>
                   <a:schemeClr val="tx1"/>
                 </a:solidFill>
@@ -10089,7 +9973,7 @@
               </a14:hiddenLine>
             </a:ext>
             <a:ext uri="{AF507438-7753-43E0-B8FC-AC1667EBCBE1}">
-              <a14:hiddenEffects xmlns="" xmlns:a14="http://schemas.microsoft.com/office/drawing/2010/main">
+              <a14:hiddenEffects xmlns:a14="http://schemas.microsoft.com/office/drawing/2010/main" xmlns="">
                 <a:effectLst>
                   <a:outerShdw dist="35921" dir="2700000" algn="ctr" rotWithShape="0">
                     <a:schemeClr val="bg2"/>
@@ -10132,7 +10016,7 @@
           <a:effectLst/>
           <a:extLst>
             <a:ext uri="{91240B29-F687-4F45-9708-019B960494DF}">
-              <a14:hiddenLine xmlns="" xmlns:a14="http://schemas.microsoft.com/office/drawing/2010/main" w="9525">
+              <a14:hiddenLine xmlns:a14="http://schemas.microsoft.com/office/drawing/2010/main" xmlns="" w="9525">
                 <a:solidFill>
                   <a:schemeClr val="tx1"/>
                 </a:solidFill>
@@ -10142,7 +10026,7 @@
               </a14:hiddenLine>
             </a:ext>
             <a:ext uri="{AF507438-7753-43E0-B8FC-AC1667EBCBE1}">
-              <a14:hiddenEffects xmlns="" xmlns:a14="http://schemas.microsoft.com/office/drawing/2010/main">
+              <a14:hiddenEffects xmlns:a14="http://schemas.microsoft.com/office/drawing/2010/main" xmlns="">
                 <a:effectLst>
                   <a:outerShdw dist="35921" dir="2700000" algn="ctr" rotWithShape="0">
                     <a:schemeClr val="bg2"/>
@@ -10189,7 +10073,7 @@
           <a:effectLst/>
           <a:extLst>
             <a:ext uri="{91240B29-F687-4F45-9708-019B960494DF}">
-              <a14:hiddenLine xmlns="" xmlns:a14="http://schemas.microsoft.com/office/drawing/2010/main" w="9525">
+              <a14:hiddenLine xmlns:a14="http://schemas.microsoft.com/office/drawing/2010/main" xmlns="" w="9525">
                 <a:solidFill>
                   <a:schemeClr val="tx1"/>
                 </a:solidFill>
@@ -10199,7 +10083,7 @@
               </a14:hiddenLine>
             </a:ext>
             <a:ext uri="{AF507438-7753-43E0-B8FC-AC1667EBCBE1}">
-              <a14:hiddenEffects xmlns="" xmlns:a14="http://schemas.microsoft.com/office/drawing/2010/main">
+              <a14:hiddenEffects xmlns:a14="http://schemas.microsoft.com/office/drawing/2010/main" xmlns="">
                 <a:effectLst>
                   <a:outerShdw dist="35921" dir="2700000" algn="ctr" rotWithShape="0">
                     <a:schemeClr val="bg2"/>
@@ -10373,7 +10257,7 @@
           <a:effectLst/>
           <a:extLst>
             <a:ext uri="{91240B29-F687-4F45-9708-019B960494DF}">
-              <a14:hiddenLine xmlns="" xmlns:a14="http://schemas.microsoft.com/office/drawing/2010/main" w="9525">
+              <a14:hiddenLine xmlns:a14="http://schemas.microsoft.com/office/drawing/2010/main" xmlns="" w="9525">
                 <a:solidFill>
                   <a:schemeClr val="tx1"/>
                 </a:solidFill>
@@ -10383,7 +10267,7 @@
               </a14:hiddenLine>
             </a:ext>
             <a:ext uri="{AF507438-7753-43E0-B8FC-AC1667EBCBE1}">
-              <a14:hiddenEffects xmlns="" xmlns:a14="http://schemas.microsoft.com/office/drawing/2010/main">
+              <a14:hiddenEffects xmlns:a14="http://schemas.microsoft.com/office/drawing/2010/main" xmlns="">
                 <a:effectLst>
                   <a:outerShdw dist="35921" dir="2700000" algn="ctr" rotWithShape="0">
                     <a:schemeClr val="bg2"/>
@@ -10428,7 +10312,7 @@
           <a:effectLst/>
           <a:extLst>
             <a:ext uri="{91240B29-F687-4F45-9708-019B960494DF}">
-              <a14:hiddenLine xmlns="" xmlns:a14="http://schemas.microsoft.com/office/drawing/2010/main" w="9525">
+              <a14:hiddenLine xmlns:a14="http://schemas.microsoft.com/office/drawing/2010/main" xmlns="" w="9525">
                 <a:solidFill>
                   <a:schemeClr val="tx1"/>
                 </a:solidFill>
@@ -10438,7 +10322,7 @@
               </a14:hiddenLine>
             </a:ext>
             <a:ext uri="{AF507438-7753-43E0-B8FC-AC1667EBCBE1}">
-              <a14:hiddenEffects xmlns="" xmlns:a14="http://schemas.microsoft.com/office/drawing/2010/main">
+              <a14:hiddenEffects xmlns:a14="http://schemas.microsoft.com/office/drawing/2010/main" xmlns="">
                 <a:effectLst>
                   <a:outerShdw dist="35921" dir="2700000" algn="ctr" rotWithShape="0">
                     <a:schemeClr val="bg2"/>
@@ -10481,7 +10365,7 @@
           <a:effectLst/>
           <a:extLst>
             <a:ext uri="{91240B29-F687-4F45-9708-019B960494DF}">
-              <a14:hiddenLine xmlns="" xmlns:a14="http://schemas.microsoft.com/office/drawing/2010/main" w="9525">
+              <a14:hiddenLine xmlns:a14="http://schemas.microsoft.com/office/drawing/2010/main" xmlns="" w="9525">
                 <a:solidFill>
                   <a:schemeClr val="tx1"/>
                 </a:solidFill>
@@ -10491,7 +10375,7 @@
               </a14:hiddenLine>
             </a:ext>
             <a:ext uri="{AF507438-7753-43E0-B8FC-AC1667EBCBE1}">
-              <a14:hiddenEffects xmlns="" xmlns:a14="http://schemas.microsoft.com/office/drawing/2010/main">
+              <a14:hiddenEffects xmlns:a14="http://schemas.microsoft.com/office/drawing/2010/main" xmlns="">
                 <a:effectLst>
                   <a:outerShdw dist="35921" dir="2700000" algn="ctr" rotWithShape="0">
                     <a:schemeClr val="bg2"/>
@@ -10521,7 +10405,7 @@
           <a:blip r:embed="rId7" cstate="print">
             <a:extLst>
               <a:ext uri="{28A0092B-C50C-407E-A947-70E740481C1C}">
-                <a14:useLocalDpi xmlns="" xmlns:a14="http://schemas.microsoft.com/office/drawing/2010/main" val="0"/>
+                <a14:useLocalDpi xmlns:a14="http://schemas.microsoft.com/office/drawing/2010/main" xmlns="" val="0"/>
               </a:ext>
             </a:extLst>
           </a:blip>
@@ -10541,7 +10425,7 @@
           <a:noFill/>
           <a:extLst>
             <a:ext uri="{909E8E84-426E-40DD-AFC4-6F175D3DCCD1}">
-              <a14:hiddenFill xmlns="" xmlns:a14="http://schemas.microsoft.com/office/drawing/2010/main">
+              <a14:hiddenFill xmlns:a14="http://schemas.microsoft.com/office/drawing/2010/main" xmlns="">
                 <a:solidFill>
                   <a:srgbClr val="FFFFFF"/>
                 </a:solidFill>
@@ -10616,7 +10500,7 @@
           <a:effectLst/>
           <a:extLst>
             <a:ext uri="{91240B29-F687-4F45-9708-019B960494DF}">
-              <a14:hiddenLine xmlns="" xmlns:a14="http://schemas.microsoft.com/office/drawing/2010/main" w="9525">
+              <a14:hiddenLine xmlns:a14="http://schemas.microsoft.com/office/drawing/2010/main" xmlns="" w="9525">
                 <a:solidFill>
                   <a:schemeClr val="tx1"/>
                 </a:solidFill>
@@ -10626,7 +10510,7 @@
               </a14:hiddenLine>
             </a:ext>
             <a:ext uri="{AF507438-7753-43E0-B8FC-AC1667EBCBE1}">
-              <a14:hiddenEffects xmlns="" xmlns:a14="http://schemas.microsoft.com/office/drawing/2010/main">
+              <a14:hiddenEffects xmlns:a14="http://schemas.microsoft.com/office/drawing/2010/main" xmlns="">
                 <a:effectLst>
                   <a:outerShdw dist="35921" dir="2700000" algn="ctr" rotWithShape="0">
                     <a:schemeClr val="bg2"/>
@@ -10650,7 +10534,7 @@
     <a:masterClrMapping/>
   </p:clrMapOvr>
   <mc:AlternateContent xmlns:mc="http://schemas.openxmlformats.org/markup-compatibility/2006">
-    <mc:Choice xmlns="" xmlns:p14="http://schemas.microsoft.com/office/powerpoint/2010/main" Requires="p14">
+    <mc:Choice xmlns:p14="http://schemas.microsoft.com/office/powerpoint/2010/main" xmlns="" Requires="p14">
       <p:transition p14:dur="10"/>
     </mc:Choice>
     <mc:Fallback>
@@ -11501,7 +11385,7 @@
     </p:spTree>
     <p:extLst>
       <p:ext uri="{BB962C8B-B14F-4D97-AF65-F5344CB8AC3E}">
-        <p14:creationId xmlns="" xmlns:p14="http://schemas.microsoft.com/office/powerpoint/2010/main" val="3837632591"/>
+        <p14:creationId xmlns:p14="http://schemas.microsoft.com/office/powerpoint/2010/main" xmlns="" val="3837632591"/>
       </p:ext>
     </p:extLst>
   </p:cSld>
@@ -11509,7 +11393,7 @@
     <a:masterClrMapping/>
   </p:clrMapOvr>
   <mc:AlternateContent xmlns:mc="http://schemas.openxmlformats.org/markup-compatibility/2006">
-    <mc:Choice xmlns="" xmlns:p14="http://schemas.microsoft.com/office/powerpoint/2010/main" Requires="p14">
+    <mc:Choice xmlns:p14="http://schemas.microsoft.com/office/powerpoint/2010/main" xmlns="" Requires="p14">
       <p:transition p14:dur="10"/>
     </mc:Choice>
     <mc:Fallback>
@@ -11705,7 +11589,7 @@
     </p:spTree>
     <p:extLst>
       <p:ext uri="{BB962C8B-B14F-4D97-AF65-F5344CB8AC3E}">
-        <p14:creationId xmlns="" xmlns:p14="http://schemas.microsoft.com/office/powerpoint/2010/main" val="2834318928"/>
+        <p14:creationId xmlns:p14="http://schemas.microsoft.com/office/powerpoint/2010/main" xmlns="" val="2834318928"/>
       </p:ext>
     </p:extLst>
   </p:cSld>
@@ -11713,7 +11597,7 @@
     <a:masterClrMapping/>
   </p:clrMapOvr>
   <mc:AlternateContent xmlns:mc="http://schemas.openxmlformats.org/markup-compatibility/2006">
-    <mc:Choice xmlns="" xmlns:p14="http://schemas.microsoft.com/office/powerpoint/2010/main" Requires="p14">
+    <mc:Choice xmlns:p14="http://schemas.microsoft.com/office/powerpoint/2010/main" xmlns="" Requires="p14">
       <p:transition p14:dur="10"/>
     </mc:Choice>
     <mc:Fallback>
@@ -11996,7 +11880,7 @@
     </p:spTree>
     <p:extLst>
       <p:ext uri="{BB962C8B-B14F-4D97-AF65-F5344CB8AC3E}">
-        <p14:creationId xmlns="" xmlns:p14="http://schemas.microsoft.com/office/powerpoint/2010/main" val="4048891960"/>
+        <p14:creationId xmlns:p14="http://schemas.microsoft.com/office/powerpoint/2010/main" xmlns="" val="4048891960"/>
       </p:ext>
     </p:extLst>
   </p:cSld>
@@ -12004,7 +11888,7 @@
     <a:masterClrMapping/>
   </p:clrMapOvr>
   <mc:AlternateContent xmlns:mc="http://schemas.openxmlformats.org/markup-compatibility/2006">
-    <mc:Choice xmlns="" xmlns:p14="http://schemas.microsoft.com/office/powerpoint/2010/main" Requires="p14">
+    <mc:Choice xmlns:p14="http://schemas.microsoft.com/office/powerpoint/2010/main" xmlns="" Requires="p14">
       <p:transition p14:dur="10"/>
     </mc:Choice>
     <mc:Fallback>
@@ -12186,7 +12070,7 @@
     </p:spTree>
     <p:extLst>
       <p:ext uri="{BB962C8B-B14F-4D97-AF65-F5344CB8AC3E}">
-        <p14:creationId xmlns="" xmlns:p14="http://schemas.microsoft.com/office/powerpoint/2010/main" val="356270086"/>
+        <p14:creationId xmlns:p14="http://schemas.microsoft.com/office/powerpoint/2010/main" xmlns="" val="356270086"/>
       </p:ext>
     </p:extLst>
   </p:cSld>
@@ -12194,7 +12078,7 @@
     <a:masterClrMapping/>
   </p:clrMapOvr>
   <mc:AlternateContent xmlns:mc="http://schemas.openxmlformats.org/markup-compatibility/2006">
-    <mc:Choice xmlns="" xmlns:p14="http://schemas.microsoft.com/office/powerpoint/2010/main" Requires="p14">
+    <mc:Choice xmlns:p14="http://schemas.microsoft.com/office/powerpoint/2010/main" xmlns="" Requires="p14">
       <p:transition p14:dur="10"/>
     </mc:Choice>
     <mc:Fallback>
@@ -12369,7 +12253,7 @@
     </p:spTree>
     <p:extLst>
       <p:ext uri="{BB962C8B-B14F-4D97-AF65-F5344CB8AC3E}">
-        <p14:creationId xmlns="" xmlns:p14="http://schemas.microsoft.com/office/powerpoint/2010/main" val="1537390044"/>
+        <p14:creationId xmlns:p14="http://schemas.microsoft.com/office/powerpoint/2010/main" xmlns="" val="1537390044"/>
       </p:ext>
     </p:extLst>
   </p:cSld>
@@ -12377,7 +12261,7 @@
     <a:masterClrMapping/>
   </p:clrMapOvr>
   <mc:AlternateContent xmlns:mc="http://schemas.openxmlformats.org/markup-compatibility/2006">
-    <mc:Choice xmlns="" xmlns:p14="http://schemas.microsoft.com/office/powerpoint/2010/main" Requires="p14">
+    <mc:Choice xmlns:p14="http://schemas.microsoft.com/office/powerpoint/2010/main" xmlns="" Requires="p14">
       <p:transition p14:dur="10"/>
     </mc:Choice>
     <mc:Fallback>
@@ -12560,7 +12444,7 @@
     </p:spTree>
     <p:extLst>
       <p:ext uri="{BB962C8B-B14F-4D97-AF65-F5344CB8AC3E}">
-        <p14:creationId xmlns="" xmlns:p14="http://schemas.microsoft.com/office/powerpoint/2010/main" val="2350597799"/>
+        <p14:creationId xmlns:p14="http://schemas.microsoft.com/office/powerpoint/2010/main" xmlns="" val="2350597799"/>
       </p:ext>
     </p:extLst>
   </p:cSld>
@@ -12568,7 +12452,7 @@
     <a:masterClrMapping/>
   </p:clrMapOvr>
   <mc:AlternateContent xmlns:mc="http://schemas.openxmlformats.org/markup-compatibility/2006">
-    <mc:Choice xmlns="" xmlns:p14="http://schemas.microsoft.com/office/powerpoint/2010/main" Requires="p14">
+    <mc:Choice xmlns:p14="http://schemas.microsoft.com/office/powerpoint/2010/main" xmlns="" Requires="p14">
       <p:transition p14:dur="10"/>
     </mc:Choice>
     <mc:Fallback>
@@ -12747,7 +12631,7 @@
     </p:spTree>
     <p:extLst>
       <p:ext uri="{BB962C8B-B14F-4D97-AF65-F5344CB8AC3E}">
-        <p14:creationId xmlns="" xmlns:p14="http://schemas.microsoft.com/office/powerpoint/2010/main" val="1553643063"/>
+        <p14:creationId xmlns:p14="http://schemas.microsoft.com/office/powerpoint/2010/main" xmlns="" val="1553643063"/>
       </p:ext>
     </p:extLst>
   </p:cSld>
@@ -12755,7 +12639,7 @@
     <a:masterClrMapping/>
   </p:clrMapOvr>
   <mc:AlternateContent xmlns:mc="http://schemas.openxmlformats.org/markup-compatibility/2006">
-    <mc:Choice xmlns="" xmlns:p14="http://schemas.microsoft.com/office/powerpoint/2010/main" Requires="p14">
+    <mc:Choice xmlns:p14="http://schemas.microsoft.com/office/powerpoint/2010/main" xmlns="" Requires="p14">
       <p:transition p14:dur="10"/>
     </mc:Choice>
     <mc:Fallback>
@@ -12956,7 +12840,7 @@
     </p:spTree>
     <p:extLst>
       <p:ext uri="{BB962C8B-B14F-4D97-AF65-F5344CB8AC3E}">
-        <p14:creationId xmlns="" xmlns:p14="http://schemas.microsoft.com/office/powerpoint/2010/main" val="3931288045"/>
+        <p14:creationId xmlns:p14="http://schemas.microsoft.com/office/powerpoint/2010/main" xmlns="" val="3931288045"/>
       </p:ext>
     </p:extLst>
   </p:cSld>
@@ -12964,7 +12848,7 @@
     <a:masterClrMapping/>
   </p:clrMapOvr>
   <mc:AlternateContent xmlns:mc="http://schemas.openxmlformats.org/markup-compatibility/2006">
-    <mc:Choice xmlns="" xmlns:p14="http://schemas.microsoft.com/office/powerpoint/2010/main" Requires="p14">
+    <mc:Choice xmlns:p14="http://schemas.microsoft.com/office/powerpoint/2010/main" xmlns="" Requires="p14">
       <p:transition p14:dur="10"/>
     </mc:Choice>
     <mc:Fallback>
@@ -13261,7 +13145,7 @@
     </p:spTree>
     <p:extLst>
       <p:ext uri="{BB962C8B-B14F-4D97-AF65-F5344CB8AC3E}">
-        <p14:creationId xmlns="" xmlns:p14="http://schemas.microsoft.com/office/powerpoint/2010/main" val="1436502707"/>
+        <p14:creationId xmlns:p14="http://schemas.microsoft.com/office/powerpoint/2010/main" xmlns="" val="1436502707"/>
       </p:ext>
     </p:extLst>
   </p:cSld>
@@ -13269,7 +13153,7 @@
     <a:masterClrMapping/>
   </p:clrMapOvr>
   <mc:AlternateContent xmlns:mc="http://schemas.openxmlformats.org/markup-compatibility/2006">
-    <mc:Choice xmlns="" xmlns:p14="http://schemas.microsoft.com/office/powerpoint/2010/main" Requires="p14">
+    <mc:Choice xmlns:p14="http://schemas.microsoft.com/office/powerpoint/2010/main" xmlns="" Requires="p14">
       <p:transition p14:dur="10"/>
     </mc:Choice>
     <mc:Fallback>
@@ -13705,7 +13589,7 @@
     </p:spTree>
     <p:extLst>
       <p:ext uri="{BB962C8B-B14F-4D97-AF65-F5344CB8AC3E}">
-        <p14:creationId xmlns="" xmlns:p14="http://schemas.microsoft.com/office/powerpoint/2010/main" val="4218482637"/>
+        <p14:creationId xmlns:p14="http://schemas.microsoft.com/office/powerpoint/2010/main" xmlns="" val="4218482637"/>
       </p:ext>
     </p:extLst>
   </p:cSld>
@@ -13713,7 +13597,7 @@
     <a:masterClrMapping/>
   </p:clrMapOvr>
   <mc:AlternateContent xmlns:mc="http://schemas.openxmlformats.org/markup-compatibility/2006">
-    <mc:Choice xmlns="" xmlns:p14="http://schemas.microsoft.com/office/powerpoint/2010/main" Requires="p14">
+    <mc:Choice xmlns:p14="http://schemas.microsoft.com/office/powerpoint/2010/main" xmlns="" Requires="p14">
       <p:transition p14:dur="10"/>
     </mc:Choice>
     <mc:Fallback>
@@ -13840,7 +13724,7 @@
     </p:spTree>
     <p:extLst>
       <p:ext uri="{BB962C8B-B14F-4D97-AF65-F5344CB8AC3E}">
-        <p14:creationId xmlns="" xmlns:p14="http://schemas.microsoft.com/office/powerpoint/2010/main" val="3367094085"/>
+        <p14:creationId xmlns:p14="http://schemas.microsoft.com/office/powerpoint/2010/main" xmlns="" val="3367094085"/>
       </p:ext>
     </p:extLst>
   </p:cSld>
@@ -13848,7 +13732,7 @@
     <a:masterClrMapping/>
   </p:clrMapOvr>
   <mc:AlternateContent xmlns:mc="http://schemas.openxmlformats.org/markup-compatibility/2006">
-    <mc:Choice xmlns="" xmlns:p14="http://schemas.microsoft.com/office/powerpoint/2010/main" Requires="p14">
+    <mc:Choice xmlns:p14="http://schemas.microsoft.com/office/powerpoint/2010/main" xmlns="" Requires="p14">
       <p:transition p14:dur="10"/>
     </mc:Choice>
     <mc:Fallback>
@@ -13952,7 +13836,7 @@
     </p:spTree>
     <p:extLst>
       <p:ext uri="{BB962C8B-B14F-4D97-AF65-F5344CB8AC3E}">
-        <p14:creationId xmlns="" xmlns:p14="http://schemas.microsoft.com/office/powerpoint/2010/main" val="1902852705"/>
+        <p14:creationId xmlns:p14="http://schemas.microsoft.com/office/powerpoint/2010/main" xmlns="" val="1902852705"/>
       </p:ext>
     </p:extLst>
   </p:cSld>
@@ -13960,7 +13844,7 @@
     <a:masterClrMapping/>
   </p:clrMapOvr>
   <mc:AlternateContent xmlns:mc="http://schemas.openxmlformats.org/markup-compatibility/2006">
-    <mc:Choice xmlns="" xmlns:p14="http://schemas.microsoft.com/office/powerpoint/2010/main" Requires="p14">
+    <mc:Choice xmlns:p14="http://schemas.microsoft.com/office/powerpoint/2010/main" xmlns="" Requires="p14">
       <p:transition p14:dur="10"/>
     </mc:Choice>
     <mc:Fallback>
@@ -14246,7 +14130,7 @@
     </p:spTree>
     <p:extLst>
       <p:ext uri="{BB962C8B-B14F-4D97-AF65-F5344CB8AC3E}">
-        <p14:creationId xmlns="" xmlns:p14="http://schemas.microsoft.com/office/powerpoint/2010/main" val="3975071873"/>
+        <p14:creationId xmlns:p14="http://schemas.microsoft.com/office/powerpoint/2010/main" xmlns="" val="3975071873"/>
       </p:ext>
     </p:extLst>
   </p:cSld>
@@ -14254,7 +14138,7 @@
     <a:masterClrMapping/>
   </p:clrMapOvr>
   <mc:AlternateContent xmlns:mc="http://schemas.openxmlformats.org/markup-compatibility/2006">
-    <mc:Choice xmlns="" xmlns:p14="http://schemas.microsoft.com/office/powerpoint/2010/main" Requires="p14">
+    <mc:Choice xmlns:p14="http://schemas.microsoft.com/office/powerpoint/2010/main" xmlns="" Requires="p14">
       <p:transition p14:dur="10"/>
     </mc:Choice>
     <mc:Fallback>
@@ -14520,7 +14404,7 @@
     </p:spTree>
     <p:extLst>
       <p:ext uri="{BB962C8B-B14F-4D97-AF65-F5344CB8AC3E}">
-        <p14:creationId xmlns="" xmlns:p14="http://schemas.microsoft.com/office/powerpoint/2010/main" val="3345478573"/>
+        <p14:creationId xmlns:p14="http://schemas.microsoft.com/office/powerpoint/2010/main" xmlns="" val="3345478573"/>
       </p:ext>
     </p:extLst>
   </p:cSld>
@@ -14528,7 +14412,7 @@
     <a:masterClrMapping/>
   </p:clrMapOvr>
   <mc:AlternateContent xmlns:mc="http://schemas.openxmlformats.org/markup-compatibility/2006">
-    <mc:Choice xmlns="" xmlns:p14="http://schemas.microsoft.com/office/powerpoint/2010/main" Requires="p14">
+    <mc:Choice xmlns:p14="http://schemas.microsoft.com/office/powerpoint/2010/main" xmlns="" Requires="p14">
       <p:transition p14:dur="10"/>
     </mc:Choice>
     <mc:Fallback>
@@ -21395,7 +21279,7 @@
           <a:effectLst/>
           <a:extLst>
             <a:ext uri="{91240B29-F687-4F45-9708-019B960494DF}">
-              <a14:hiddenLine xmlns="" xmlns:a14="http://schemas.microsoft.com/office/drawing/2010/main" w="9525">
+              <a14:hiddenLine xmlns:a14="http://schemas.microsoft.com/office/drawing/2010/main" xmlns="" w="9525">
                 <a:solidFill>
                   <a:schemeClr val="tx1"/>
                 </a:solidFill>
@@ -21405,7 +21289,7 @@
               </a14:hiddenLine>
             </a:ext>
             <a:ext uri="{AF507438-7753-43E0-B8FC-AC1667EBCBE1}">
-              <a14:hiddenEffects xmlns="" xmlns:a14="http://schemas.microsoft.com/office/drawing/2010/main">
+              <a14:hiddenEffects xmlns:a14="http://schemas.microsoft.com/office/drawing/2010/main" xmlns="">
                 <a:effectLst>
                   <a:outerShdw dist="35921" dir="2700000" algn="ctr" rotWithShape="0">
                     <a:schemeClr val="bg2"/>
@@ -21515,7 +21399,7 @@
           <a:effectLst/>
           <a:extLst>
             <a:ext uri="{91240B29-F687-4F45-9708-019B960494DF}">
-              <a14:hiddenLine xmlns="" xmlns:a14="http://schemas.microsoft.com/office/drawing/2010/main" w="9525">
+              <a14:hiddenLine xmlns:a14="http://schemas.microsoft.com/office/drawing/2010/main" xmlns="" w="9525">
                 <a:solidFill>
                   <a:schemeClr val="tx1"/>
                 </a:solidFill>
@@ -21525,7 +21409,7 @@
               </a14:hiddenLine>
             </a:ext>
             <a:ext uri="{AF507438-7753-43E0-B8FC-AC1667EBCBE1}">
-              <a14:hiddenEffects xmlns="" xmlns:a14="http://schemas.microsoft.com/office/drawing/2010/main">
+              <a14:hiddenEffects xmlns:a14="http://schemas.microsoft.com/office/drawing/2010/main" xmlns="">
                 <a:effectLst>
                   <a:outerShdw dist="35921" dir="2700000" algn="ctr" rotWithShape="0">
                     <a:schemeClr val="bg2"/>
@@ -21634,7 +21518,7 @@
           <a:effectLst/>
           <a:extLst>
             <a:ext uri="{91240B29-F687-4F45-9708-019B960494DF}">
-              <a14:hiddenLine xmlns="" xmlns:a14="http://schemas.microsoft.com/office/drawing/2010/main" w="9525">
+              <a14:hiddenLine xmlns:a14="http://schemas.microsoft.com/office/drawing/2010/main" xmlns="" w="9525">
                 <a:solidFill>
                   <a:schemeClr val="tx1"/>
                 </a:solidFill>
@@ -21644,7 +21528,7 @@
               </a14:hiddenLine>
             </a:ext>
             <a:ext uri="{AF507438-7753-43E0-B8FC-AC1667EBCBE1}">
-              <a14:hiddenEffects xmlns="" xmlns:a14="http://schemas.microsoft.com/office/drawing/2010/main">
+              <a14:hiddenEffects xmlns:a14="http://schemas.microsoft.com/office/drawing/2010/main" xmlns="">
                 <a:effectLst>
                   <a:outerShdw dist="35921" dir="2700000" algn="ctr" rotWithShape="0">
                     <a:schemeClr val="bg2"/>
@@ -21754,7 +21638,7 @@
           <a:effectLst/>
           <a:extLst>
             <a:ext uri="{91240B29-F687-4F45-9708-019B960494DF}">
-              <a14:hiddenLine xmlns="" xmlns:a14="http://schemas.microsoft.com/office/drawing/2010/main" w="9525">
+              <a14:hiddenLine xmlns:a14="http://schemas.microsoft.com/office/drawing/2010/main" xmlns="" w="9525">
                 <a:solidFill>
                   <a:schemeClr val="tx1"/>
                 </a:solidFill>
@@ -21764,7 +21648,7 @@
               </a14:hiddenLine>
             </a:ext>
             <a:ext uri="{AF507438-7753-43E0-B8FC-AC1667EBCBE1}">
-              <a14:hiddenEffects xmlns="" xmlns:a14="http://schemas.microsoft.com/office/drawing/2010/main">
+              <a14:hiddenEffects xmlns:a14="http://schemas.microsoft.com/office/drawing/2010/main" xmlns="">
                 <a:effectLst>
                   <a:outerShdw dist="35921" dir="2700000" algn="ctr" rotWithShape="0">
                     <a:schemeClr val="bg2"/>
@@ -21886,7 +21770,7 @@
           <a:effectLst/>
           <a:extLst>
             <a:ext uri="{91240B29-F687-4F45-9708-019B960494DF}">
-              <a14:hiddenLine xmlns="" xmlns:a14="http://schemas.microsoft.com/office/drawing/2010/main" w="9525">
+              <a14:hiddenLine xmlns:a14="http://schemas.microsoft.com/office/drawing/2010/main" xmlns="" w="9525">
                 <a:solidFill>
                   <a:schemeClr val="tx1"/>
                 </a:solidFill>
@@ -21896,7 +21780,7 @@
               </a14:hiddenLine>
             </a:ext>
             <a:ext uri="{AF507438-7753-43E0-B8FC-AC1667EBCBE1}">
-              <a14:hiddenEffects xmlns="" xmlns:a14="http://schemas.microsoft.com/office/drawing/2010/main">
+              <a14:hiddenEffects xmlns:a14="http://schemas.microsoft.com/office/drawing/2010/main" xmlns="">
                 <a:effectLst>
                   <a:outerShdw dist="35921" dir="2700000" algn="ctr" rotWithShape="0">
                     <a:schemeClr val="bg2"/>
@@ -21939,7 +21823,7 @@
           <a:effectLst/>
           <a:extLst>
             <a:ext uri="{91240B29-F687-4F45-9708-019B960494DF}">
-              <a14:hiddenLine xmlns="" xmlns:a14="http://schemas.microsoft.com/office/drawing/2010/main" w="9525">
+              <a14:hiddenLine xmlns:a14="http://schemas.microsoft.com/office/drawing/2010/main" xmlns="" w="9525">
                 <a:solidFill>
                   <a:schemeClr val="tx1"/>
                 </a:solidFill>
@@ -21949,7 +21833,7 @@
               </a14:hiddenLine>
             </a:ext>
             <a:ext uri="{AF507438-7753-43E0-B8FC-AC1667EBCBE1}">
-              <a14:hiddenEffects xmlns="" xmlns:a14="http://schemas.microsoft.com/office/drawing/2010/main">
+              <a14:hiddenEffects xmlns:a14="http://schemas.microsoft.com/office/drawing/2010/main" xmlns="">
                 <a:effectLst>
                   <a:outerShdw dist="35921" dir="2700000" algn="ctr" rotWithShape="0">
                     <a:schemeClr val="bg2"/>
@@ -22045,7 +21929,7 @@
           <a:effectLst/>
           <a:extLst>
             <a:ext uri="{91240B29-F687-4F45-9708-019B960494DF}">
-              <a14:hiddenLine xmlns="" xmlns:a14="http://schemas.microsoft.com/office/drawing/2010/main" w="9525">
+              <a14:hiddenLine xmlns:a14="http://schemas.microsoft.com/office/drawing/2010/main" xmlns="" w="9525">
                 <a:solidFill>
                   <a:schemeClr val="tx1"/>
                 </a:solidFill>
@@ -22055,7 +21939,7 @@
               </a14:hiddenLine>
             </a:ext>
             <a:ext uri="{AF507438-7753-43E0-B8FC-AC1667EBCBE1}">
-              <a14:hiddenEffects xmlns="" xmlns:a14="http://schemas.microsoft.com/office/drawing/2010/main">
+              <a14:hiddenEffects xmlns:a14="http://schemas.microsoft.com/office/drawing/2010/main" xmlns="">
                 <a:effectLst>
                   <a:outerShdw dist="35921" dir="2700000" algn="ctr" rotWithShape="0">
                     <a:schemeClr val="bg2"/>
@@ -22098,14 +21982,14 @@
           <a:effectLst/>
           <a:extLst>
             <a:ext uri="{909E8E84-426E-40DD-AFC4-6F175D3DCCD1}">
-              <a14:hiddenFill xmlns="" xmlns:a14="http://schemas.microsoft.com/office/drawing/2010/main">
+              <a14:hiddenFill xmlns:a14="http://schemas.microsoft.com/office/drawing/2010/main" xmlns="">
                 <a:solidFill>
                   <a:schemeClr val="accent1"/>
                 </a:solidFill>
               </a14:hiddenFill>
             </a:ext>
             <a:ext uri="{91240B29-F687-4F45-9708-019B960494DF}">
-              <a14:hiddenLine xmlns="" xmlns:a14="http://schemas.microsoft.com/office/drawing/2010/main" w="9525">
+              <a14:hiddenLine xmlns:a14="http://schemas.microsoft.com/office/drawing/2010/main" xmlns="" w="9525">
                 <a:solidFill>
                   <a:schemeClr val="tx1"/>
                 </a:solidFill>
@@ -22115,7 +21999,7 @@
               </a14:hiddenLine>
             </a:ext>
             <a:ext uri="{AF507438-7753-43E0-B8FC-AC1667EBCBE1}">
-              <a14:hiddenEffects xmlns="" xmlns:a14="http://schemas.microsoft.com/office/drawing/2010/main">
+              <a14:hiddenEffects xmlns:a14="http://schemas.microsoft.com/office/drawing/2010/main" xmlns="">
                 <a:effectLst>
                   <a:outerShdw dist="35921" dir="2700000" algn="ctr" rotWithShape="0">
                     <a:schemeClr val="bg2"/>
@@ -22167,14 +22051,14 @@
           <a:effectLst/>
           <a:extLst>
             <a:ext uri="{909E8E84-426E-40DD-AFC4-6F175D3DCCD1}">
-              <a14:hiddenFill xmlns="" xmlns:a14="http://schemas.microsoft.com/office/drawing/2010/main">
+              <a14:hiddenFill xmlns:a14="http://schemas.microsoft.com/office/drawing/2010/main" xmlns="">
                 <a:solidFill>
                   <a:schemeClr val="accent1"/>
                 </a:solidFill>
               </a14:hiddenFill>
             </a:ext>
             <a:ext uri="{91240B29-F687-4F45-9708-019B960494DF}">
-              <a14:hiddenLine xmlns="" xmlns:a14="http://schemas.microsoft.com/office/drawing/2010/main" w="9525">
+              <a14:hiddenLine xmlns:a14="http://schemas.microsoft.com/office/drawing/2010/main" xmlns="" w="9525">
                 <a:solidFill>
                   <a:schemeClr val="tx1"/>
                 </a:solidFill>
@@ -22184,7 +22068,7 @@
               </a14:hiddenLine>
             </a:ext>
             <a:ext uri="{AF507438-7753-43E0-B8FC-AC1667EBCBE1}">
-              <a14:hiddenEffects xmlns="" xmlns:a14="http://schemas.microsoft.com/office/drawing/2010/main">
+              <a14:hiddenEffects xmlns:a14="http://schemas.microsoft.com/office/drawing/2010/main" xmlns="">
                 <a:effectLst>
                   <a:outerShdw dist="35921" dir="2700000" algn="ctr" rotWithShape="0">
                     <a:schemeClr val="bg2"/>
@@ -22264,14 +22148,14 @@
           <a:effectLst/>
           <a:extLst>
             <a:ext uri="{909E8E84-426E-40DD-AFC4-6F175D3DCCD1}">
-              <a14:hiddenFill xmlns="" xmlns:a14="http://schemas.microsoft.com/office/drawing/2010/main">
+              <a14:hiddenFill xmlns:a14="http://schemas.microsoft.com/office/drawing/2010/main" xmlns="">
                 <a:solidFill>
                   <a:schemeClr val="accent1"/>
                 </a:solidFill>
               </a14:hiddenFill>
             </a:ext>
             <a:ext uri="{91240B29-F687-4F45-9708-019B960494DF}">
-              <a14:hiddenLine xmlns="" xmlns:a14="http://schemas.microsoft.com/office/drawing/2010/main" w="9525">
+              <a14:hiddenLine xmlns:a14="http://schemas.microsoft.com/office/drawing/2010/main" xmlns="" w="9525">
                 <a:solidFill>
                   <a:schemeClr val="tx1"/>
                 </a:solidFill>
@@ -22281,7 +22165,7 @@
               </a14:hiddenLine>
             </a:ext>
             <a:ext uri="{AF507438-7753-43E0-B8FC-AC1667EBCBE1}">
-              <a14:hiddenEffects xmlns="" xmlns:a14="http://schemas.microsoft.com/office/drawing/2010/main">
+              <a14:hiddenEffects xmlns:a14="http://schemas.microsoft.com/office/drawing/2010/main" xmlns="">
                 <a:effectLst>
                   <a:outerShdw dist="35921" dir="2700000" algn="ctr" rotWithShape="0">
                     <a:schemeClr val="bg2"/>
@@ -22337,14 +22221,14 @@
           <a:effectLst/>
           <a:extLst>
             <a:ext uri="{909E8E84-426E-40DD-AFC4-6F175D3DCCD1}">
-              <a14:hiddenFill xmlns="" xmlns:a14="http://schemas.microsoft.com/office/drawing/2010/main">
+              <a14:hiddenFill xmlns:a14="http://schemas.microsoft.com/office/drawing/2010/main" xmlns="">
                 <a:solidFill>
                   <a:schemeClr val="accent1"/>
                 </a:solidFill>
               </a14:hiddenFill>
             </a:ext>
             <a:ext uri="{91240B29-F687-4F45-9708-019B960494DF}">
-              <a14:hiddenLine xmlns="" xmlns:a14="http://schemas.microsoft.com/office/drawing/2010/main" w="9525">
+              <a14:hiddenLine xmlns:a14="http://schemas.microsoft.com/office/drawing/2010/main" xmlns="" w="9525">
                 <a:solidFill>
                   <a:schemeClr val="tx1"/>
                 </a:solidFill>
@@ -22354,7 +22238,7 @@
               </a14:hiddenLine>
             </a:ext>
             <a:ext uri="{AF507438-7753-43E0-B8FC-AC1667EBCBE1}">
-              <a14:hiddenEffects xmlns="" xmlns:a14="http://schemas.microsoft.com/office/drawing/2010/main">
+              <a14:hiddenEffects xmlns:a14="http://schemas.microsoft.com/office/drawing/2010/main" xmlns="">
                 <a:effectLst>
                   <a:outerShdw dist="35921" dir="2700000" algn="ctr" rotWithShape="0">
                     <a:schemeClr val="bg2"/>
@@ -22410,14 +22294,14 @@
           <a:effectLst/>
           <a:extLst>
             <a:ext uri="{909E8E84-426E-40DD-AFC4-6F175D3DCCD1}">
-              <a14:hiddenFill xmlns="" xmlns:a14="http://schemas.microsoft.com/office/drawing/2010/main">
+              <a14:hiddenFill xmlns:a14="http://schemas.microsoft.com/office/drawing/2010/main" xmlns="">
                 <a:solidFill>
                   <a:schemeClr val="accent1"/>
                 </a:solidFill>
               </a14:hiddenFill>
             </a:ext>
             <a:ext uri="{91240B29-F687-4F45-9708-019B960494DF}">
-              <a14:hiddenLine xmlns="" xmlns:a14="http://schemas.microsoft.com/office/drawing/2010/main" w="9525">
+              <a14:hiddenLine xmlns:a14="http://schemas.microsoft.com/office/drawing/2010/main" xmlns="" w="9525">
                 <a:solidFill>
                   <a:schemeClr val="tx1"/>
                 </a:solidFill>
@@ -22427,7 +22311,7 @@
               </a14:hiddenLine>
             </a:ext>
             <a:ext uri="{AF507438-7753-43E0-B8FC-AC1667EBCBE1}">
-              <a14:hiddenEffects xmlns="" xmlns:a14="http://schemas.microsoft.com/office/drawing/2010/main">
+              <a14:hiddenEffects xmlns:a14="http://schemas.microsoft.com/office/drawing/2010/main" xmlns="">
                 <a:effectLst>
                   <a:outerShdw dist="35921" dir="2700000" algn="ctr" rotWithShape="0">
                     <a:schemeClr val="bg2"/>
@@ -22497,7 +22381,7 @@
           <a:effectLst/>
           <a:extLst>
             <a:ext uri="{AF507438-7753-43E0-B8FC-AC1667EBCBE1}">
-              <a14:hiddenEffects xmlns="" xmlns:a14="http://schemas.microsoft.com/office/drawing/2010/main">
+              <a14:hiddenEffects xmlns:a14="http://schemas.microsoft.com/office/drawing/2010/main" xmlns="">
                 <a:effectLst>
                   <a:outerShdw dist="35921" dir="2700000" algn="ctr" rotWithShape="0">
                     <a:schemeClr val="bg2"/>
@@ -22549,7 +22433,7 @@
           <a:effectLst/>
           <a:extLst>
             <a:ext uri="{AF507438-7753-43E0-B8FC-AC1667EBCBE1}">
-              <a14:hiddenEffects xmlns="" xmlns:a14="http://schemas.microsoft.com/office/drawing/2010/main">
+              <a14:hiddenEffects xmlns:a14="http://schemas.microsoft.com/office/drawing/2010/main" xmlns="">
                 <a:effectLst>
                   <a:outerShdw dist="35921" dir="2700000" algn="ctr" rotWithShape="0">
                     <a:schemeClr val="bg2"/>
@@ -22588,7 +22472,7 @@
     <p:sldLayoutId id="2147483663" r:id="rId15"/>
   </p:sldLayoutIdLst>
   <mc:AlternateContent xmlns:mc="http://schemas.openxmlformats.org/markup-compatibility/2006">
-    <mc:Choice xmlns="" xmlns:p14="http://schemas.microsoft.com/office/powerpoint/2010/main" Requires="p14">
+    <mc:Choice xmlns:p14="http://schemas.microsoft.com/office/powerpoint/2010/main" xmlns="" Requires="p14">
       <p:transition p14:dur="10"/>
     </mc:Choice>
     <mc:Fallback>
@@ -24303,16 +24187,7 @@
                 </a:solidFill>
                 <a:ea typeface="宋体" charset="-122"/>
               </a:rPr>
-              <a:t>的</a:t>
-            </a:r>
-            <a:r>
-              <a:rPr lang="zh-CN" altLang="en-US" sz="5400" dirty="0" smtClean="0">
-                <a:solidFill>
-                  <a:srgbClr val="0070C0"/>
-                </a:solidFill>
-                <a:ea typeface="宋体" charset="-122"/>
-              </a:rPr>
-              <a:t>秘诀</a:t>
+              <a:t>的秘诀</a:t>
             </a:r>
             <a:r>
               <a:rPr lang="en-US" altLang="zh-CN" sz="5400" dirty="0" smtClean="0">
@@ -24355,7 +24230,7 @@
     <a:masterClrMapping/>
   </p:clrMapOvr>
   <mc:AlternateContent xmlns:mc="http://schemas.openxmlformats.org/markup-compatibility/2006">
-    <mc:Choice xmlns="" xmlns:p14="http://schemas.microsoft.com/office/powerpoint/2010/main" Requires="p14">
+    <mc:Choice xmlns:p14="http://schemas.microsoft.com/office/powerpoint/2010/main" xmlns="" Requires="p14">
       <p:transition p14:dur="10"/>
     </mc:Choice>
     <mc:Fallback>
@@ -24416,26 +24291,34 @@
               <a:t>3.</a:t>
             </a:r>
             <a:r>
-              <a:rPr lang="zh-CN" altLang="en-US" sz="3600" dirty="0" smtClean="0"/>
-              <a:t>谨记福音内容与提醒福音果效</a:t>
-            </a:r>
-            <a:r>
-              <a:rPr lang="zh-CN" altLang="en-US" sz="2000" dirty="0" smtClean="0">
+              <a:rPr lang="zh-CN" altLang="en-US" sz="3600" dirty="0" smtClean="0">
+                <a:ea typeface="宋体" charset="-122"/>
+              </a:rPr>
+              <a:t>福音带给我们成长的盼望</a:t>
+            </a:r>
+            <a:r>
+              <a:rPr lang="zh-CN" altLang="en-US" sz="3200" dirty="0" smtClean="0">
                 <a:ea typeface="宋体" charset="-122"/>
               </a:rPr>
               <a:t>（</a:t>
             </a:r>
             <a:r>
-              <a:rPr lang="en-US" altLang="zh-CN" sz="2000" dirty="0" smtClean="0">
+              <a:rPr lang="en-US" altLang="zh-CN" sz="3200" dirty="0" smtClean="0">
                 <a:ea typeface="宋体" charset="-122"/>
               </a:rPr>
               <a:t>v8-14</a:t>
             </a:r>
             <a:r>
-              <a:rPr lang="zh-CN" altLang="en-US" sz="2000" dirty="0" smtClean="0">
+              <a:rPr lang="zh-CN" altLang="en-US" sz="3200" dirty="0" smtClean="0">
                 <a:ea typeface="宋体" charset="-122"/>
               </a:rPr>
-              <a:t>） </a:t>
+              <a:t>）</a:t>
+            </a:r>
+            <a:r>
+              <a:rPr lang="zh-CN" altLang="en-US" sz="3600" dirty="0" smtClean="0">
+                <a:ea typeface="宋体" charset="-122"/>
+              </a:rPr>
+              <a:t> </a:t>
             </a:r>
             <a:endParaRPr lang="en-US" altLang="zh-CN" sz="3600" dirty="0">
               <a:ea typeface="宋体" charset="-122"/>
@@ -24472,7 +24355,7 @@
                   <a:srgbClr val="FF0000"/>
                 </a:solidFill>
               </a:rPr>
-              <a:t>8  </a:t>
+              <a:t>9  </a:t>
             </a:r>
             <a:r>
               <a:rPr lang="zh-CN" altLang="en-US" sz="2800" dirty="0" smtClean="0">
@@ -24480,11 +24363,11 @@
                   <a:srgbClr val="FF0000"/>
                 </a:solidFill>
               </a:rPr>
-              <a:t>你要</a:t>
+              <a:t>我为这福音受苦难，甚至被捆绑，像犯人一样；然而，神的道却</a:t>
             </a:r>
             <a:r>
               <a:rPr lang="zh-CN" altLang="en-US" sz="2800" dirty="0" smtClean="0"/>
-              <a:t>记念</a:t>
+              <a:t>不被捆绑</a:t>
             </a:r>
             <a:r>
               <a:rPr lang="zh-CN" altLang="en-US" sz="2800" dirty="0" smtClean="0">
@@ -24492,81 +24375,28 @@
                   <a:srgbClr val="FF0000"/>
                 </a:solidFill>
               </a:rPr>
-              <a:t>耶稣基督乃是大卫的后裔。他从死里复活，正合乎我所传的福音。</a:t>
-            </a:r>
-            <a:endParaRPr lang="en-US" altLang="zh-CN" dirty="0" smtClean="0">
+              <a:t>。</a:t>
+            </a:r>
+            <a:endParaRPr lang="en-US" altLang="zh-CN" sz="2800" dirty="0" smtClean="0">
               <a:solidFill>
                 <a:srgbClr val="FF0000"/>
               </a:solidFill>
             </a:endParaRPr>
           </a:p>
           <a:p>
-            <a:r>
-              <a:rPr lang="en-US" altLang="zh-CN" dirty="0" smtClean="0"/>
-              <a:t>3.1.  </a:t>
-            </a:r>
-            <a:r>
-              <a:rPr lang="zh-CN" altLang="en-US" dirty="0" smtClean="0"/>
-              <a:t>福音的内容 （</a:t>
-            </a:r>
-            <a:r>
-              <a:rPr lang="en-US" altLang="zh-CN" dirty="0" smtClean="0"/>
-              <a:t>v8</a:t>
-            </a:r>
-            <a:r>
-              <a:rPr lang="zh-CN" altLang="en-US" dirty="0" smtClean="0"/>
-              <a:t>） </a:t>
-            </a:r>
-            <a:endParaRPr lang="en-US" altLang="zh-CN" dirty="0" smtClean="0"/>
-          </a:p>
-          <a:p>
-            <a:pPr lvl="1"/>
-            <a:r>
-              <a:rPr lang="en-US" altLang="zh-CN" dirty="0" smtClean="0"/>
-              <a:t>a</a:t>
-            </a:r>
-            <a:r>
-              <a:rPr lang="zh-CN" altLang="en-US" dirty="0" smtClean="0"/>
-              <a:t>）神的救恩已实现</a:t>
-            </a:r>
-            <a:endParaRPr lang="en-US" altLang="zh-CN" sz="2000" dirty="0" smtClean="0"/>
-          </a:p>
-          <a:p>
-            <a:pPr lvl="2"/>
-            <a:r>
-              <a:rPr lang="zh-CN" altLang="en-US" dirty="0" smtClean="0"/>
-              <a:t>神的儿子耶稣基督成为救赎，通过受死与复活实现了救赎。</a:t>
-            </a:r>
-            <a:endParaRPr lang="en-US" altLang="zh-CN" dirty="0" smtClean="0"/>
-          </a:p>
-          <a:p>
-            <a:pPr lvl="2"/>
-            <a:r>
-              <a:rPr lang="en-US" altLang="zh-CN" dirty="0" smtClean="0">
+            <a:pPr marL="514350" indent="-514350">
+              <a:buNone/>
+            </a:pPr>
+            <a:r>
+              <a:rPr lang="en-US" altLang="zh-CN" sz="2000" dirty="0" smtClean="0">
                 <a:solidFill>
                   <a:srgbClr val="FF0000"/>
                 </a:solidFill>
               </a:rPr>
-              <a:t>[</a:t>
-            </a:r>
-            <a:r>
-              <a:rPr lang="zh-CN" altLang="en-US" dirty="0" smtClean="0">
-                <a:solidFill>
-                  <a:srgbClr val="FF0000"/>
-                </a:solidFill>
-              </a:rPr>
-              <a:t>太</a:t>
-            </a:r>
-            <a:r>
-              <a:rPr lang="en-US" altLang="zh-CN" dirty="0" smtClean="0">
-                <a:solidFill>
-                  <a:srgbClr val="FF0000"/>
-                </a:solidFill>
-              </a:rPr>
-              <a:t>1:21] </a:t>
-            </a:r>
-            <a:r>
-              <a:rPr lang="zh-CN" altLang="en-US" dirty="0" smtClean="0">
+              <a:t>10</a:t>
+            </a:r>
+            <a:r>
+              <a:rPr lang="en-US" altLang="zh-CN" sz="2800" dirty="0" smtClean="0">
                 <a:solidFill>
                   <a:srgbClr val="FF0000"/>
                 </a:solidFill>
@@ -24574,44 +24404,231 @@
               <a:t> </a:t>
             </a:r>
             <a:r>
-              <a:rPr lang="en-US" altLang="zh-CN" dirty="0" smtClean="0">
+              <a:rPr lang="zh-CN" altLang="en-US" sz="2800" dirty="0" smtClean="0">
+                <a:solidFill>
+                  <a:srgbClr val="FF0000"/>
+                </a:solidFill>
+              </a:rPr>
+              <a:t>我所以我为选民凡事忍耐，叫他们也可以得着那在基督耶稣里的救恩和永远的荣耀。</a:t>
+            </a:r>
+            <a:endParaRPr lang="en-US" altLang="zh-CN" sz="2800" dirty="0" smtClean="0">
+              <a:solidFill>
+                <a:srgbClr val="FF0000"/>
+              </a:solidFill>
+            </a:endParaRPr>
+          </a:p>
+          <a:p>
+            <a:pPr marL="514350" indent="-514350">
+              <a:buNone/>
+            </a:pPr>
+            <a:r>
+              <a:rPr lang="en-US" altLang="zh-CN" sz="2000" dirty="0" smtClean="0">
+                <a:solidFill>
+                  <a:srgbClr val="FF0000"/>
+                </a:solidFill>
+              </a:rPr>
+              <a:t>11</a:t>
+            </a:r>
+            <a:r>
+              <a:rPr lang="en-US" altLang="zh-CN" sz="2800" dirty="0" smtClean="0">
+                <a:solidFill>
+                  <a:srgbClr val="FF0000"/>
+                </a:solidFill>
+              </a:rPr>
+              <a:t> </a:t>
+            </a:r>
+            <a:r>
+              <a:rPr lang="zh-CN" altLang="en-US" sz="2800" dirty="0" smtClean="0">
+                <a:solidFill>
+                  <a:srgbClr val="FF0000"/>
+                </a:solidFill>
+              </a:rPr>
+              <a:t>有可信的话说：“我们</a:t>
+            </a:r>
+            <a:r>
+              <a:rPr lang="zh-CN" altLang="en-US" sz="2800" dirty="0" smtClean="0"/>
+              <a:t>若</a:t>
+            </a:r>
+            <a:r>
+              <a:rPr lang="zh-CN" altLang="en-US" sz="2800" dirty="0" smtClean="0">
+                <a:solidFill>
+                  <a:srgbClr val="FF0000"/>
+                </a:solidFill>
+              </a:rPr>
+              <a:t>与基督</a:t>
+            </a:r>
+            <a:r>
+              <a:rPr lang="zh-CN" altLang="en-US" sz="2800" dirty="0" smtClean="0"/>
+              <a:t>同死</a:t>
+            </a:r>
+            <a:r>
+              <a:rPr lang="zh-CN" altLang="en-US" sz="2800" dirty="0" smtClean="0">
+                <a:solidFill>
+                  <a:srgbClr val="FF0000"/>
+                </a:solidFill>
+              </a:rPr>
+              <a:t>，也必与他同活；</a:t>
+            </a:r>
+            <a:endParaRPr lang="en-US" altLang="zh-CN" sz="2800" dirty="0" smtClean="0">
+              <a:solidFill>
+                <a:srgbClr val="FF0000"/>
+              </a:solidFill>
+            </a:endParaRPr>
+          </a:p>
+          <a:p>
+            <a:pPr marL="514350" indent="-514350">
+              <a:buNone/>
+            </a:pPr>
+            <a:r>
+              <a:rPr lang="en-US" altLang="zh-CN" sz="2000" dirty="0" smtClean="0">
+                <a:solidFill>
+                  <a:srgbClr val="FF0000"/>
+                </a:solidFill>
+              </a:rPr>
+              <a:t>12</a:t>
+            </a:r>
+            <a:r>
+              <a:rPr lang="en-US" altLang="zh-CN" sz="2800" dirty="0" smtClean="0">
+                <a:solidFill>
+                  <a:srgbClr val="FF0000"/>
+                </a:solidFill>
+              </a:rPr>
+              <a:t> </a:t>
+            </a:r>
+            <a:r>
+              <a:rPr lang="zh-CN" altLang="en-US" sz="2800" dirty="0" smtClean="0">
+                <a:solidFill>
+                  <a:srgbClr val="FF0000"/>
+                </a:solidFill>
+              </a:rPr>
+              <a:t>我们</a:t>
+            </a:r>
+            <a:r>
+              <a:rPr lang="zh-CN" altLang="en-US" sz="2800" dirty="0" smtClean="0"/>
+              <a:t>若</a:t>
+            </a:r>
+            <a:r>
+              <a:rPr lang="zh-CN" altLang="en-US" sz="2800" dirty="0" smtClean="0">
+                <a:solidFill>
+                  <a:srgbClr val="FF0000"/>
+                </a:solidFill>
+              </a:rPr>
+              <a:t>能</a:t>
+            </a:r>
+            <a:r>
+              <a:rPr lang="zh-CN" altLang="en-US" sz="2800" dirty="0" smtClean="0"/>
+              <a:t>忍耐</a:t>
+            </a:r>
+            <a:r>
+              <a:rPr lang="zh-CN" altLang="en-US" sz="2800" dirty="0" smtClean="0">
+                <a:solidFill>
+                  <a:srgbClr val="FF0000"/>
+                </a:solidFill>
+              </a:rPr>
+              <a:t>，也必和他一同作王；我们</a:t>
+            </a:r>
+            <a:r>
+              <a:rPr lang="zh-CN" altLang="en-US" sz="2800" dirty="0" smtClean="0"/>
+              <a:t>若不认</a:t>
+            </a:r>
+            <a:r>
+              <a:rPr lang="zh-CN" altLang="en-US" sz="2800" dirty="0" smtClean="0">
+                <a:solidFill>
+                  <a:srgbClr val="FF0000"/>
+                </a:solidFill>
+              </a:rPr>
+              <a:t>他，他也必不认我们。</a:t>
+            </a:r>
+            <a:endParaRPr lang="en-US" altLang="zh-CN" sz="2800" dirty="0" smtClean="0">
+              <a:solidFill>
+                <a:srgbClr val="FF0000"/>
+              </a:solidFill>
+            </a:endParaRPr>
+          </a:p>
+          <a:p>
+            <a:pPr marL="514350" indent="-514350">
+              <a:buNone/>
+            </a:pPr>
+            <a:r>
+              <a:rPr lang="en-US" altLang="zh-CN" sz="2000" dirty="0" smtClean="0">
+                <a:solidFill>
+                  <a:srgbClr val="FF0000"/>
+                </a:solidFill>
+              </a:rPr>
+              <a:t>13</a:t>
+            </a:r>
+            <a:r>
+              <a:rPr lang="en-US" altLang="zh-CN" sz="2800" dirty="0" smtClean="0">
+                <a:solidFill>
+                  <a:srgbClr val="FF0000"/>
+                </a:solidFill>
+              </a:rPr>
+              <a:t> </a:t>
+            </a:r>
+            <a:r>
+              <a:rPr lang="zh-CN" altLang="en-US" sz="2800" dirty="0" smtClean="0">
+                <a:solidFill>
+                  <a:srgbClr val="FF0000"/>
+                </a:solidFill>
+              </a:rPr>
+              <a:t>我们</a:t>
+            </a:r>
+            <a:r>
+              <a:rPr lang="zh-CN" altLang="en-US" sz="2800" dirty="0" smtClean="0"/>
+              <a:t>纵然失信</a:t>
+            </a:r>
+            <a:r>
+              <a:rPr lang="zh-CN" altLang="en-US" sz="2800" dirty="0" smtClean="0">
+                <a:solidFill>
+                  <a:srgbClr val="FF0000"/>
+                </a:solidFill>
+              </a:rPr>
+              <a:t>，他仍是可信的，因为他不能背乎自己。”</a:t>
+            </a:r>
+            <a:endParaRPr lang="en-US" altLang="zh-CN" sz="2800" dirty="0" smtClean="0">
+              <a:solidFill>
+                <a:srgbClr val="FF0000"/>
+              </a:solidFill>
+            </a:endParaRPr>
+          </a:p>
+          <a:p>
+            <a:pPr marL="514350" indent="-514350">
+              <a:buNone/>
+            </a:pPr>
+            <a:r>
+              <a:rPr lang="en-US" altLang="zh-CN" sz="2000" dirty="0" smtClean="0">
+                <a:solidFill>
+                  <a:srgbClr val="FF0000"/>
+                </a:solidFill>
+              </a:rPr>
+              <a:t>14</a:t>
+            </a:r>
+            <a:r>
+              <a:rPr lang="en-US" altLang="zh-CN" sz="2800" dirty="0" smtClean="0">
+                <a:solidFill>
+                  <a:srgbClr val="FF0000"/>
+                </a:solidFill>
+              </a:rPr>
+              <a:t> </a:t>
+            </a:r>
+            <a:r>
+              <a:rPr lang="zh-CN" altLang="en-US" sz="2800" dirty="0" smtClean="0">
+                <a:solidFill>
+                  <a:srgbClr val="FF0000"/>
+                </a:solidFill>
+              </a:rPr>
+              <a:t>你要使众人回想这些事</a:t>
+            </a:r>
+            <a:r>
+              <a:rPr lang="en-US" altLang="zh-CN" sz="2800" dirty="0" smtClean="0">
                 <a:solidFill>
                   <a:srgbClr val="FF0000"/>
                 </a:solidFill>
               </a:rPr>
               <a:t>…</a:t>
             </a:r>
-            <a:r>
-              <a:rPr lang="zh-CN" altLang="en-US" dirty="0" smtClean="0">
-                <a:solidFill>
-                  <a:srgbClr val="FF0000"/>
-                </a:solidFill>
-              </a:rPr>
-              <a:t>他要将自己的百姓从罪恶里救出来。</a:t>
-            </a:r>
-            <a:endParaRPr lang="en-US" altLang="zh-CN" dirty="0" smtClean="0">
-              <a:solidFill>
-                <a:srgbClr val="FF0000"/>
-              </a:solidFill>
-            </a:endParaRPr>
-          </a:p>
-          <a:p>
-            <a:pPr lvl="1"/>
-            <a:r>
-              <a:rPr lang="en-US" altLang="zh-CN" dirty="0" smtClean="0"/>
-              <a:t>b</a:t>
-            </a:r>
-            <a:r>
-              <a:rPr lang="zh-CN" altLang="en-US" dirty="0" smtClean="0"/>
-              <a:t>）弥赛亚预言已应验</a:t>
-            </a:r>
-          </a:p>
-          <a:p>
-            <a:pPr lvl="2"/>
-            <a:r>
-              <a:rPr lang="zh-CN" altLang="en-US" dirty="0" smtClean="0"/>
-              <a:t>耶稣基督在肉身上是大卫的后裔，祂以人的身份来成就旧约的预言，祂是真有其人。</a:t>
-            </a:r>
+          </a:p>
+          <a:p>
             <a:endParaRPr lang="en-US" altLang="zh-CN" dirty="0" smtClean="0"/>
           </a:p>
           <a:p>
@@ -24629,7 +24646,7 @@
     </p:spTree>
     <p:extLst>
       <p:ext uri="{BB962C8B-B14F-4D97-AF65-F5344CB8AC3E}">
-        <p14:creationId xmlns="" xmlns:p14="http://schemas.microsoft.com/office/powerpoint/2010/main" val="602482599"/>
+        <p14:creationId xmlns:p14="http://schemas.microsoft.com/office/powerpoint/2010/main" xmlns="" val="602482599"/>
       </p:ext>
     </p:extLst>
   </p:cSld>
@@ -24637,7 +24654,7 @@
     <a:masterClrMapping/>
   </p:clrMapOvr>
   <mc:AlternateContent xmlns:mc="http://schemas.openxmlformats.org/markup-compatibility/2006">
-    <mc:Choice xmlns="" xmlns:p14="http://schemas.microsoft.com/office/powerpoint/2010/main" Requires="p14">
+    <mc:Choice xmlns:p14="http://schemas.microsoft.com/office/powerpoint/2010/main" xmlns="" Requires="p14">
       <p:transition p14:dur="10"/>
     </mc:Choice>
     <mc:Fallback>
@@ -24698,26 +24715,34 @@
               <a:t>3.</a:t>
             </a:r>
             <a:r>
-              <a:rPr lang="zh-CN" altLang="en-US" sz="3600" dirty="0" smtClean="0"/>
-              <a:t>谨记福音内容与提醒福音果效</a:t>
-            </a:r>
-            <a:r>
-              <a:rPr lang="zh-CN" altLang="en-US" sz="2000" dirty="0" smtClean="0">
+              <a:rPr lang="zh-CN" altLang="en-US" sz="3600" dirty="0" smtClean="0">
+                <a:ea typeface="宋体" charset="-122"/>
+              </a:rPr>
+              <a:t>福音带给我们成长的盼望</a:t>
+            </a:r>
+            <a:r>
+              <a:rPr lang="zh-CN" altLang="en-US" sz="3200" dirty="0" smtClean="0">
                 <a:ea typeface="宋体" charset="-122"/>
               </a:rPr>
               <a:t>（</a:t>
             </a:r>
             <a:r>
-              <a:rPr lang="en-US" altLang="zh-CN" sz="2000" dirty="0" smtClean="0">
+              <a:rPr lang="en-US" altLang="zh-CN" sz="3200" dirty="0" smtClean="0">
                 <a:ea typeface="宋体" charset="-122"/>
               </a:rPr>
               <a:t>v8-14</a:t>
             </a:r>
             <a:r>
-              <a:rPr lang="zh-CN" altLang="en-US" sz="2000" dirty="0" smtClean="0">
+              <a:rPr lang="zh-CN" altLang="en-US" sz="3200" dirty="0" smtClean="0">
                 <a:ea typeface="宋体" charset="-122"/>
               </a:rPr>
-              <a:t>） </a:t>
+              <a:t>）</a:t>
+            </a:r>
+            <a:r>
+              <a:rPr lang="zh-CN" altLang="en-US" sz="3600" dirty="0" smtClean="0">
+                <a:ea typeface="宋体" charset="-122"/>
+              </a:rPr>
+              <a:t> </a:t>
             </a:r>
             <a:endParaRPr lang="en-US" altLang="zh-CN" sz="3600" dirty="0">
               <a:ea typeface="宋体" charset="-122"/>
@@ -24748,202 +24773,112 @@
             <a:pPr>
               <a:buNone/>
             </a:pPr>
-            <a:r>
-              <a:rPr lang="en-US" altLang="zh-CN" sz="2000" dirty="0" smtClean="0">
-                <a:solidFill>
-                  <a:srgbClr val="FF0000"/>
-                </a:solidFill>
-              </a:rPr>
-              <a:t>9  </a:t>
-            </a:r>
-            <a:r>
-              <a:rPr lang="zh-CN" altLang="en-US" sz="2800" dirty="0" smtClean="0">
-                <a:solidFill>
-                  <a:srgbClr val="FF0000"/>
-                </a:solidFill>
-              </a:rPr>
-              <a:t>我为这福音受苦难，甚至被捆绑，像犯人一样；然而，神的道却不被捆绑。</a:t>
-            </a:r>
-            <a:endParaRPr lang="en-US" altLang="zh-CN" sz="2800" dirty="0" smtClean="0">
+            <a:endParaRPr lang="en-US" altLang="zh-CN" sz="2000" dirty="0" smtClean="0">
               <a:solidFill>
                 <a:srgbClr val="FF0000"/>
               </a:solidFill>
             </a:endParaRPr>
           </a:p>
           <a:p>
-            <a:pPr marL="514350" indent="-514350">
-              <a:buNone/>
-            </a:pPr>
-            <a:r>
-              <a:rPr lang="en-US" altLang="zh-CN" sz="2000" dirty="0" smtClean="0">
-                <a:solidFill>
-                  <a:srgbClr val="FF0000"/>
-                </a:solidFill>
-              </a:rPr>
-              <a:t>10</a:t>
-            </a:r>
-            <a:r>
-              <a:rPr lang="en-US" altLang="zh-CN" sz="2800" dirty="0" smtClean="0">
-                <a:solidFill>
-                  <a:srgbClr val="FF0000"/>
-                </a:solidFill>
-              </a:rPr>
+            <a:r>
+              <a:rPr lang="en-US" altLang="zh-CN" dirty="0" smtClean="0"/>
+              <a:t>3.2.  </a:t>
+            </a:r>
+            <a:r>
+              <a:rPr lang="zh-CN" altLang="en-US" dirty="0" smtClean="0"/>
+              <a:t>福音</a:t>
+            </a:r>
+            <a:r>
+              <a:rPr lang="zh-CN" altLang="en-US" dirty="0" smtClean="0"/>
+              <a:t>带</a:t>
+            </a:r>
+            <a:r>
+              <a:rPr lang="zh-CN" altLang="en-US" dirty="0" smtClean="0"/>
+              <a:t>出的盼望</a:t>
+            </a:r>
+            <a:r>
+              <a:rPr lang="zh-CN" altLang="en-US" dirty="0" smtClean="0"/>
               <a:t> </a:t>
             </a:r>
             <a:r>
-              <a:rPr lang="zh-CN" altLang="en-US" sz="2800" dirty="0" smtClean="0">
-                <a:solidFill>
-                  <a:srgbClr val="FF0000"/>
-                </a:solidFill>
-              </a:rPr>
-              <a:t>我所以我为选民凡事忍耐，叫他们也可以得着那在基督耶稣里的救恩和永远的荣耀。</a:t>
-            </a:r>
-            <a:endParaRPr lang="en-US" altLang="zh-CN" sz="2800" dirty="0" smtClean="0">
+              <a:rPr lang="zh-CN" altLang="en-US" dirty="0" smtClean="0"/>
+              <a:t>（</a:t>
+            </a:r>
+            <a:r>
+              <a:rPr lang="en-US" altLang="zh-CN" dirty="0" smtClean="0"/>
+              <a:t>v9-13</a:t>
+            </a:r>
+            <a:r>
+              <a:rPr lang="zh-CN" altLang="en-US" dirty="0" smtClean="0"/>
+              <a:t>） </a:t>
+            </a:r>
+            <a:endParaRPr lang="en-US" altLang="zh-CN" dirty="0" smtClean="0"/>
+          </a:p>
+          <a:p>
+            <a:pPr lvl="1"/>
+            <a:r>
+              <a:rPr lang="en-US" altLang="zh-CN" dirty="0" smtClean="0"/>
+              <a:t>a</a:t>
+            </a:r>
+            <a:r>
+              <a:rPr lang="zh-CN" altLang="en-US" dirty="0" smtClean="0"/>
+              <a:t>）福音不被捆绑（</a:t>
+            </a:r>
+            <a:r>
+              <a:rPr lang="en-US" altLang="zh-CN" dirty="0" smtClean="0"/>
+              <a:t>v9-10</a:t>
+            </a:r>
+            <a:r>
+              <a:rPr lang="zh-CN" altLang="en-US" dirty="0" smtClean="0"/>
+              <a:t>）</a:t>
+            </a:r>
+            <a:endParaRPr lang="en-US" altLang="zh-CN" sz="2000" dirty="0" smtClean="0"/>
+          </a:p>
+          <a:p>
+            <a:pPr lvl="2"/>
+            <a:r>
+              <a:rPr lang="zh-CN" altLang="en-US" dirty="0" smtClean="0"/>
+              <a:t>在腓立比书当中，保罗也说他虽然被关在监狱里面，但无论如何，基督的道总被传开了。人可以被关住被限制，但福音关不住，不被限制。</a:t>
+            </a:r>
+            <a:endParaRPr lang="en-US" altLang="zh-CN" dirty="0" smtClean="0">
               <a:solidFill>
                 <a:srgbClr val="FF0000"/>
               </a:solidFill>
             </a:endParaRPr>
           </a:p>
           <a:p>
-            <a:pPr marL="514350" indent="-514350">
-              <a:buNone/>
-            </a:pPr>
-            <a:r>
-              <a:rPr lang="en-US" altLang="zh-CN" sz="2000" dirty="0" smtClean="0">
-                <a:solidFill>
-                  <a:srgbClr val="FF0000"/>
-                </a:solidFill>
-              </a:rPr>
-              <a:t>11</a:t>
-            </a:r>
-            <a:r>
-              <a:rPr lang="en-US" altLang="zh-CN" sz="2800" dirty="0" smtClean="0">
-                <a:solidFill>
-                  <a:srgbClr val="FF0000"/>
-                </a:solidFill>
-              </a:rPr>
-              <a:t> </a:t>
-            </a:r>
-            <a:r>
-              <a:rPr lang="zh-CN" altLang="en-US" sz="2800" dirty="0" smtClean="0">
-                <a:solidFill>
-                  <a:srgbClr val="FF0000"/>
-                </a:solidFill>
-              </a:rPr>
-              <a:t>有可信的话说：“我们若与基督同死，也必与他同活；</a:t>
-            </a:r>
-            <a:endParaRPr lang="en-US" altLang="zh-CN" sz="2800" dirty="0" smtClean="0">
-              <a:solidFill>
-                <a:srgbClr val="FF0000"/>
-              </a:solidFill>
-            </a:endParaRPr>
-          </a:p>
-          <a:p>
-            <a:pPr marL="514350" indent="-514350">
-              <a:buNone/>
-            </a:pPr>
-            <a:r>
-              <a:rPr lang="en-US" altLang="zh-CN" sz="2000" dirty="0" smtClean="0">
-                <a:solidFill>
-                  <a:srgbClr val="FF0000"/>
-                </a:solidFill>
-              </a:rPr>
-              <a:t>12</a:t>
-            </a:r>
-            <a:r>
-              <a:rPr lang="en-US" altLang="zh-CN" sz="2800" dirty="0" smtClean="0">
-                <a:solidFill>
-                  <a:srgbClr val="FF0000"/>
-                </a:solidFill>
-              </a:rPr>
-              <a:t> </a:t>
-            </a:r>
-            <a:r>
-              <a:rPr lang="zh-CN" altLang="en-US" sz="2800" dirty="0" smtClean="0">
-                <a:solidFill>
-                  <a:srgbClr val="FF0000"/>
-                </a:solidFill>
-              </a:rPr>
-              <a:t>我们若能忍耐，也必和他一同作王；我们若不认他，他也必不认我们。</a:t>
-            </a:r>
-            <a:endParaRPr lang="en-US" altLang="zh-CN" sz="2800" dirty="0" smtClean="0">
-              <a:solidFill>
-                <a:srgbClr val="FF0000"/>
-              </a:solidFill>
-            </a:endParaRPr>
-          </a:p>
-          <a:p>
-            <a:pPr marL="514350" indent="-514350">
-              <a:buNone/>
-            </a:pPr>
-            <a:r>
-              <a:rPr lang="en-US" altLang="zh-CN" sz="2000" dirty="0" smtClean="0">
-                <a:solidFill>
-                  <a:srgbClr val="FF0000"/>
-                </a:solidFill>
-              </a:rPr>
-              <a:t>13</a:t>
-            </a:r>
-            <a:r>
-              <a:rPr lang="en-US" altLang="zh-CN" sz="2800" dirty="0" smtClean="0">
-                <a:solidFill>
-                  <a:srgbClr val="FF0000"/>
-                </a:solidFill>
-              </a:rPr>
-              <a:t> </a:t>
-            </a:r>
-            <a:r>
-              <a:rPr lang="zh-CN" altLang="en-US" sz="2800" dirty="0" smtClean="0">
-                <a:solidFill>
-                  <a:srgbClr val="FF0000"/>
-                </a:solidFill>
-              </a:rPr>
-              <a:t>我们纵然失信，他仍是可信的，因为他不能背乎自己。”</a:t>
-            </a:r>
-            <a:endParaRPr lang="en-US" altLang="zh-CN" sz="2800" dirty="0" smtClean="0">
-              <a:solidFill>
-                <a:srgbClr val="FF0000"/>
-              </a:solidFill>
-            </a:endParaRPr>
-          </a:p>
-          <a:p>
-            <a:pPr marL="514350" indent="-514350">
-              <a:buNone/>
-            </a:pPr>
-            <a:r>
-              <a:rPr lang="en-US" altLang="zh-CN" sz="2000" dirty="0" smtClean="0">
-                <a:solidFill>
-                  <a:srgbClr val="FF0000"/>
-                </a:solidFill>
-              </a:rPr>
-              <a:t>14</a:t>
-            </a:r>
-            <a:r>
-              <a:rPr lang="en-US" altLang="zh-CN" sz="2800" dirty="0" smtClean="0">
-                <a:solidFill>
-                  <a:srgbClr val="FF0000"/>
-                </a:solidFill>
-              </a:rPr>
-              <a:t> </a:t>
-            </a:r>
-            <a:r>
-              <a:rPr lang="zh-CN" altLang="en-US" sz="2800" dirty="0" smtClean="0">
-                <a:solidFill>
-                  <a:srgbClr val="FF0000"/>
-                </a:solidFill>
-              </a:rPr>
-              <a:t>你要使众人回想这些事</a:t>
-            </a:r>
-            <a:r>
-              <a:rPr lang="en-US" altLang="zh-CN" sz="2800" dirty="0" smtClean="0">
-                <a:solidFill>
-                  <a:srgbClr val="FF0000"/>
-                </a:solidFill>
-              </a:rPr>
-              <a:t>…</a:t>
-            </a:r>
-          </a:p>
-          <a:p>
+            <a:pPr lvl="1"/>
+            <a:r>
+              <a:rPr lang="en-US" altLang="zh-CN" dirty="0" smtClean="0"/>
+              <a:t>b</a:t>
+            </a:r>
+            <a:r>
+              <a:rPr lang="zh-CN" altLang="en-US" dirty="0" smtClean="0"/>
+              <a:t>）复活</a:t>
+            </a:r>
+            <a:r>
+              <a:rPr lang="zh-CN" altLang="en-US" dirty="0" smtClean="0"/>
+              <a:t>与做</a:t>
+            </a:r>
+            <a:r>
+              <a:rPr lang="zh-CN" altLang="en-US" dirty="0" smtClean="0"/>
+              <a:t>王的盼望（</a:t>
+            </a:r>
+            <a:r>
+              <a:rPr lang="en-US" altLang="zh-CN" dirty="0" smtClean="0"/>
+              <a:t>v11-13</a:t>
+            </a:r>
+            <a:r>
+              <a:rPr lang="zh-CN" altLang="en-US" dirty="0" smtClean="0"/>
+              <a:t>）</a:t>
+            </a:r>
+          </a:p>
+          <a:p>
+            <a:pPr lvl="2"/>
+            <a:r>
+              <a:rPr lang="zh-CN" altLang="en-US" dirty="0" smtClean="0"/>
+              <a:t>我们和基督是同死、同活的，祂既然已经活过来了，我们也能够活过来。神应许我们，能忍耐就能与基督一同作王。</a:t>
+            </a:r>
             <a:endParaRPr lang="en-US" altLang="zh-CN" dirty="0" smtClean="0"/>
           </a:p>
           <a:p>
@@ -24961,7 +24896,7 @@
     </p:spTree>
     <p:extLst>
       <p:ext uri="{BB962C8B-B14F-4D97-AF65-F5344CB8AC3E}">
-        <p14:creationId xmlns="" xmlns:p14="http://schemas.microsoft.com/office/powerpoint/2010/main" val="602482599"/>
+        <p14:creationId xmlns:p14="http://schemas.microsoft.com/office/powerpoint/2010/main" xmlns="" val="602482599"/>
       </p:ext>
     </p:extLst>
   </p:cSld>
@@ -24969,7 +24904,7 @@
     <a:masterClrMapping/>
   </p:clrMapOvr>
   <mc:AlternateContent xmlns:mc="http://schemas.openxmlformats.org/markup-compatibility/2006">
-    <mc:Choice xmlns="" xmlns:p14="http://schemas.microsoft.com/office/powerpoint/2010/main" Requires="p14">
+    <mc:Choice xmlns:p14="http://schemas.microsoft.com/office/powerpoint/2010/main" xmlns="" Requires="p14">
       <p:transition p14:dur="10"/>
     </mc:Choice>
     <mc:Fallback>
@@ -25013,43 +24948,16 @@
             <p:ph type="title"/>
           </p:nvPr>
         </p:nvSpPr>
-        <p:spPr>
-          <a:xfrm>
-            <a:off x="142844" y="238125"/>
-            <a:ext cx="7715304" cy="868363"/>
-          </a:xfrm>
-        </p:spPr>
+        <p:spPr/>
         <p:txBody>
           <a:bodyPr/>
           <a:lstStyle/>
           <a:p>
             <a:r>
-              <a:rPr lang="en-US" altLang="zh-CN" sz="3600" dirty="0" smtClean="0">
+              <a:rPr lang="zh-CN" altLang="en-US" dirty="0" smtClean="0">
                 <a:ea typeface="宋体" charset="-122"/>
               </a:rPr>
-              <a:t>3.</a:t>
-            </a:r>
-            <a:r>
-              <a:rPr lang="zh-CN" altLang="en-US" sz="3600" dirty="0" smtClean="0"/>
-              <a:t>谨记福音内容与提醒福音果效</a:t>
-            </a:r>
-            <a:r>
-              <a:rPr lang="zh-CN" altLang="en-US" sz="2000" dirty="0" smtClean="0">
-                <a:ea typeface="宋体" charset="-122"/>
-              </a:rPr>
-              <a:t>（</a:t>
-            </a:r>
-            <a:r>
-              <a:rPr lang="en-US" altLang="zh-CN" sz="2000" dirty="0" smtClean="0">
-                <a:ea typeface="宋体" charset="-122"/>
-              </a:rPr>
-              <a:t>v8-14</a:t>
-            </a:r>
-            <a:r>
-              <a:rPr lang="zh-CN" altLang="en-US" sz="2000" dirty="0" smtClean="0">
-                <a:ea typeface="宋体" charset="-122"/>
-              </a:rPr>
-              <a:t>） </a:t>
+              <a:t>总结应用</a:t>
             </a:r>
             <a:endParaRPr lang="en-US" altLang="zh-CN" sz="3600" dirty="0">
               <a:ea typeface="宋体" charset="-122"/>
@@ -25069,117 +24977,191 @@
         </p:nvSpPr>
         <p:spPr>
           <a:xfrm>
-            <a:off x="685800" y="1285860"/>
-            <a:ext cx="7467600" cy="5072098"/>
+            <a:off x="685800" y="1357298"/>
+            <a:ext cx="7467600" cy="4880014"/>
           </a:xfrm>
         </p:spPr>
         <p:txBody>
           <a:bodyPr/>
           <a:lstStyle/>
           <a:p>
-            <a:pPr>
-              <a:buNone/>
-            </a:pPr>
+            <a:pPr lvl="1"/>
+            <a:r>
+              <a:rPr lang="zh-CN" altLang="en-US" sz="2400" dirty="0" smtClean="0"/>
+              <a:t>回顾：保罗迫切盼望提摩太能够快速成长起来，继承保罗的使命。保罗的这份期盼，也代表神对我们的期望。这次我们分享</a:t>
+            </a:r>
+            <a:r>
+              <a:rPr lang="zh-CN" altLang="en-US" sz="2400" dirty="0" smtClean="0"/>
+              <a:t>了以下三点：</a:t>
+            </a:r>
+            <a:endParaRPr lang="en-US" altLang="zh-CN" sz="2400" dirty="0" smtClean="0"/>
+          </a:p>
+          <a:p>
+            <a:pPr lvl="2"/>
+            <a:r>
+              <a:rPr lang="en-US" altLang="zh-CN" sz="2000" dirty="0" smtClean="0"/>
+              <a:t>1</a:t>
+            </a:r>
+            <a:r>
+              <a:rPr lang="zh-CN" altLang="en-US" sz="2000" dirty="0" smtClean="0"/>
+              <a:t>）</a:t>
+            </a:r>
+            <a:r>
+              <a:rPr lang="zh-CN" altLang="en-US" sz="2000" dirty="0" smtClean="0">
+                <a:solidFill>
+                  <a:srgbClr val="0070C0"/>
+                </a:solidFill>
+              </a:rPr>
+              <a:t>被</a:t>
+            </a:r>
+            <a:r>
+              <a:rPr lang="zh-CN" altLang="en-US" sz="2000" dirty="0" smtClean="0">
+                <a:solidFill>
+                  <a:srgbClr val="0070C0"/>
+                </a:solidFill>
+              </a:rPr>
+              <a:t>主刚强得着成长的</a:t>
+            </a:r>
+            <a:r>
+              <a:rPr lang="zh-CN" altLang="en-US" sz="2000" dirty="0" smtClean="0">
+                <a:solidFill>
+                  <a:srgbClr val="0070C0"/>
+                </a:solidFill>
+              </a:rPr>
+              <a:t>动力</a:t>
+            </a:r>
             <a:endParaRPr lang="en-US" altLang="zh-CN" sz="2000" dirty="0" smtClean="0">
               <a:solidFill>
-                <a:srgbClr val="FF0000"/>
+                <a:srgbClr val="0070C0"/>
               </a:solidFill>
             </a:endParaRPr>
           </a:p>
           <a:p>
-            <a:r>
-              <a:rPr lang="en-US" altLang="zh-CN" dirty="0" smtClean="0"/>
-              <a:t>3.2.  </a:t>
-            </a:r>
-            <a:r>
-              <a:rPr lang="zh-CN" altLang="en-US" dirty="0" smtClean="0"/>
-              <a:t>福音的果效 （</a:t>
-            </a:r>
-            <a:r>
-              <a:rPr lang="en-US" altLang="zh-CN" dirty="0" smtClean="0"/>
-              <a:t>v9-13</a:t>
-            </a:r>
-            <a:r>
-              <a:rPr lang="zh-CN" altLang="en-US" dirty="0" smtClean="0"/>
-              <a:t>） </a:t>
-            </a:r>
-            <a:endParaRPr lang="en-US" altLang="zh-CN" dirty="0" smtClean="0"/>
-          </a:p>
-          <a:p>
-            <a:pPr lvl="1"/>
-            <a:r>
-              <a:rPr lang="en-US" altLang="zh-CN" dirty="0" smtClean="0"/>
-              <a:t>a</a:t>
-            </a:r>
-            <a:r>
-              <a:rPr lang="zh-CN" altLang="en-US" dirty="0" smtClean="0"/>
-              <a:t>）福音不被捆绑（</a:t>
-            </a:r>
-            <a:r>
-              <a:rPr lang="en-US" altLang="zh-CN" dirty="0" smtClean="0"/>
-              <a:t>v9-10</a:t>
-            </a:r>
-            <a:r>
-              <a:rPr lang="zh-CN" altLang="en-US" dirty="0" smtClean="0"/>
-              <a:t>）</a:t>
-            </a:r>
-            <a:endParaRPr lang="en-US" altLang="zh-CN" sz="2000" dirty="0" smtClean="0"/>
-          </a:p>
-          <a:p>
             <a:pPr lvl="2"/>
             <a:r>
-              <a:rPr lang="zh-CN" altLang="en-US" dirty="0" smtClean="0"/>
-              <a:t>在腓立比书当中，保罗也说他虽然被关在监狱里面，但无论如何，基督的道总被传开了。人可以被关住被限制，但福音关不住，不被限制。</a:t>
-            </a:r>
-            <a:endParaRPr lang="en-US" altLang="zh-CN" dirty="0" smtClean="0">
+              <a:rPr lang="en-US" altLang="zh-CN" sz="2000" dirty="0" smtClean="0">
+                <a:solidFill>
+                  <a:srgbClr val="0070C0"/>
+                </a:solidFill>
+              </a:rPr>
+              <a:t>2</a:t>
+            </a:r>
+            <a:r>
+              <a:rPr lang="zh-CN" altLang="en-US" sz="2000" dirty="0" smtClean="0">
+                <a:solidFill>
+                  <a:srgbClr val="0070C0"/>
+                </a:solidFill>
+              </a:rPr>
+              <a:t>）靠神的话胜过成长的</a:t>
+            </a:r>
+            <a:r>
+              <a:rPr lang="zh-CN" altLang="en-US" sz="2000" dirty="0" smtClean="0">
+                <a:solidFill>
+                  <a:srgbClr val="0070C0"/>
+                </a:solidFill>
+              </a:rPr>
+              <a:t>苦难</a:t>
+            </a:r>
+            <a:endParaRPr lang="en-US" altLang="zh-CN" sz="2000" dirty="0" smtClean="0">
               <a:solidFill>
-                <a:srgbClr val="FF0000"/>
+                <a:srgbClr val="0070C0"/>
               </a:solidFill>
             </a:endParaRPr>
           </a:p>
           <a:p>
+            <a:pPr lvl="2"/>
+            <a:r>
+              <a:rPr lang="en-US" altLang="zh-CN" sz="2000" dirty="0" smtClean="0">
+                <a:solidFill>
+                  <a:srgbClr val="0070C0"/>
+                </a:solidFill>
+              </a:rPr>
+              <a:t>3</a:t>
+            </a:r>
+            <a:r>
+              <a:rPr lang="zh-CN" altLang="en-US" sz="2000" dirty="0" smtClean="0">
+                <a:solidFill>
+                  <a:srgbClr val="0070C0"/>
+                </a:solidFill>
+              </a:rPr>
+              <a:t>）福音带给我们成长的盼望</a:t>
+            </a:r>
+            <a:endParaRPr lang="en-US" altLang="zh-CN" sz="2000" dirty="0" smtClean="0">
+              <a:solidFill>
+                <a:srgbClr val="0070C0"/>
+              </a:solidFill>
+            </a:endParaRPr>
+          </a:p>
+          <a:p>
             <a:pPr lvl="1"/>
             <a:r>
-              <a:rPr lang="en-US" altLang="zh-CN" dirty="0" smtClean="0"/>
-              <a:t>b</a:t>
-            </a:r>
-            <a:r>
-              <a:rPr lang="zh-CN" altLang="en-US" dirty="0" smtClean="0"/>
-              <a:t>）同死同活与做王（</a:t>
-            </a:r>
-            <a:r>
-              <a:rPr lang="en-US" altLang="zh-CN" dirty="0" smtClean="0"/>
-              <a:t>v11-13</a:t>
-            </a:r>
-            <a:r>
-              <a:rPr lang="zh-CN" altLang="en-US" dirty="0" smtClean="0"/>
-              <a:t>）</a:t>
-            </a:r>
+              <a:rPr lang="zh-CN" altLang="en-US" sz="2400" dirty="0" smtClean="0"/>
+              <a:t>应用</a:t>
+            </a:r>
+            <a:r>
+              <a:rPr lang="zh-CN" altLang="en-US" sz="2400" dirty="0" smtClean="0"/>
+              <a:t>和反思：</a:t>
+            </a:r>
+            <a:endParaRPr lang="en-US" altLang="zh-CN" sz="2400" dirty="0"/>
           </a:p>
           <a:p>
             <a:pPr lvl="2"/>
             <a:r>
-              <a:rPr lang="zh-CN" altLang="en-US" dirty="0" smtClean="0"/>
-              <a:t>我们和基督是同死、同活的，祂既然已经活过来了，我们也能够活过来。神应许我们，能忍耐就能与基督一同作王。</a:t>
-            </a:r>
-            <a:endParaRPr lang="en-US" altLang="zh-CN" dirty="0" smtClean="0"/>
+              <a:rPr lang="en-US" altLang="zh-CN" sz="2000" dirty="0" smtClean="0"/>
+              <a:t>1</a:t>
+            </a:r>
+            <a:r>
+              <a:rPr lang="zh-CN" altLang="en-US" sz="2000" dirty="0" smtClean="0"/>
+              <a:t>）做事的</a:t>
+            </a:r>
+            <a:r>
+              <a:rPr lang="en-US" altLang="zh-CN" sz="2000" dirty="0" smtClean="0"/>
+              <a:t>3</a:t>
+            </a:r>
+            <a:r>
+              <a:rPr lang="zh-CN" altLang="en-US" sz="2000" dirty="0" smtClean="0"/>
+              <a:t>种境界：自己做事、带人做事、教人带人，我们各人属于哪一种？</a:t>
+            </a:r>
           </a:p>
           <a:p>
             <a:pPr lvl="2"/>
-            <a:endParaRPr lang="en-US" altLang="zh-CN" dirty="0" smtClean="0"/>
-          </a:p>
-          <a:p>
-            <a:pPr lvl="1">
-              <a:buNone/>
-            </a:pPr>
-            <a:endParaRPr lang="en-US" altLang="zh-CN" dirty="0" smtClean="0"/>
+            <a:r>
+              <a:rPr lang="en-US" altLang="zh-CN" sz="2000" dirty="0" smtClean="0"/>
+              <a:t>2</a:t>
+            </a:r>
+            <a:r>
+              <a:rPr lang="zh-CN" altLang="en-US" sz="2000" dirty="0" smtClean="0"/>
+              <a:t>）思考我的舒适区在哪里？我愿意为了属灵生命的成长走出舒适区吗？</a:t>
+            </a:r>
+          </a:p>
+          <a:p>
+            <a:pPr lvl="2"/>
+            <a:r>
+              <a:rPr lang="en-US" altLang="zh-CN" sz="2000" dirty="0" smtClean="0"/>
+              <a:t>3</a:t>
+            </a:r>
+            <a:r>
+              <a:rPr lang="zh-CN" altLang="en-US" sz="2000" dirty="0" smtClean="0"/>
+              <a:t>）福音在我身上发生了什么果效</a:t>
+            </a:r>
+            <a:r>
+              <a:rPr lang="zh-CN" altLang="en-US" sz="2000" dirty="0" smtClean="0"/>
+              <a:t>？对将来属灵生命成长有怎样的憧憬？</a:t>
+            </a:r>
+            <a:endParaRPr lang="en-US" altLang="zh-CN" dirty="0"/>
+          </a:p>
+          <a:p>
+            <a:pPr lvl="2"/>
+            <a:endParaRPr lang="en-US" altLang="zh-CN" sz="2000" dirty="0">
+              <a:ea typeface="宋体" charset="-122"/>
+            </a:endParaRPr>
           </a:p>
         </p:txBody>
       </p:sp>
     </p:spTree>
     <p:extLst>
       <p:ext uri="{BB962C8B-B14F-4D97-AF65-F5344CB8AC3E}">
-        <p14:creationId xmlns="" xmlns:p14="http://schemas.microsoft.com/office/powerpoint/2010/main" val="602482599"/>
+        <p14:creationId xmlns:p14="http://schemas.microsoft.com/office/powerpoint/2010/main" xmlns="" val="274900122"/>
       </p:ext>
     </p:extLst>
   </p:cSld>
@@ -25187,7 +25169,7 @@
     <a:masterClrMapping/>
   </p:clrMapOvr>
   <mc:AlternateContent xmlns:mc="http://schemas.openxmlformats.org/markup-compatibility/2006">
-    <mc:Choice xmlns="" xmlns:p14="http://schemas.microsoft.com/office/powerpoint/2010/main" Requires="p14">
+    <mc:Choice xmlns:p14="http://schemas.microsoft.com/office/powerpoint/2010/main" xmlns="" Requires="p14">
       <p:transition p14:dur="10"/>
     </mc:Choice>
     <mc:Fallback>
@@ -25223,198 +25205,6 @@
       </p:grpSpPr>
       <p:sp>
         <p:nvSpPr>
-          <p:cNvPr id="8194" name="Rectangle 2"/>
-          <p:cNvSpPr>
-            <a:spLocks noGrp="1" noChangeArrowheads="1"/>
-          </p:cNvSpPr>
-          <p:nvPr>
-            <p:ph type="title"/>
-          </p:nvPr>
-        </p:nvSpPr>
-        <p:spPr/>
-        <p:txBody>
-          <a:bodyPr/>
-          <a:lstStyle/>
-          <a:p>
-            <a:r>
-              <a:rPr lang="zh-CN" altLang="en-US" dirty="0" smtClean="0">
-                <a:ea typeface="宋体" charset="-122"/>
-              </a:rPr>
-              <a:t>总结应用</a:t>
-            </a:r>
-            <a:endParaRPr lang="en-US" altLang="zh-CN" sz="3600" dirty="0">
-              <a:ea typeface="宋体" charset="-122"/>
-            </a:endParaRPr>
-          </a:p>
-        </p:txBody>
-      </p:sp>
-      <p:sp>
-        <p:nvSpPr>
-          <p:cNvPr id="8195" name="Rectangle 3"/>
-          <p:cNvSpPr>
-            <a:spLocks noGrp="1" noChangeArrowheads="1"/>
-          </p:cNvSpPr>
-          <p:nvPr>
-            <p:ph type="body" sz="half" idx="1"/>
-          </p:nvPr>
-        </p:nvSpPr>
-        <p:spPr>
-          <a:xfrm>
-            <a:off x="685800" y="1357298"/>
-            <a:ext cx="7467600" cy="4880014"/>
-          </a:xfrm>
-        </p:spPr>
-        <p:txBody>
-          <a:bodyPr/>
-          <a:lstStyle/>
-          <a:p>
-            <a:pPr lvl="1"/>
-            <a:r>
-              <a:rPr lang="zh-CN" altLang="en-US" sz="2400" dirty="0" smtClean="0"/>
-              <a:t>回顾：保罗迫切盼望提摩太能够快速成长起来，继承保罗的使命。保罗的这份期盼，也代表神对我们的期望。这次我们分享了三对命令动词短语：</a:t>
-            </a:r>
-          </a:p>
-          <a:p>
-            <a:pPr lvl="1"/>
-            <a:r>
-              <a:rPr lang="en-US" altLang="zh-CN" sz="2400" dirty="0" smtClean="0"/>
-              <a:t>1</a:t>
-            </a:r>
-            <a:r>
-              <a:rPr lang="zh-CN" altLang="en-US" sz="2400" dirty="0" smtClean="0"/>
-              <a:t>）得着刚强与传递教训</a:t>
-            </a:r>
-            <a:endParaRPr lang="en-US" altLang="zh-CN" sz="2400" dirty="0" smtClean="0"/>
-          </a:p>
-          <a:p>
-            <a:pPr lvl="1"/>
-            <a:r>
-              <a:rPr lang="en-US" altLang="zh-CN" sz="2400" dirty="0" smtClean="0"/>
-              <a:t>2</a:t>
-            </a:r>
-            <a:r>
-              <a:rPr lang="zh-CN" altLang="en-US" sz="2400" dirty="0" smtClean="0"/>
-              <a:t>）同受苦难与同领话语</a:t>
-            </a:r>
-            <a:endParaRPr lang="en-US" altLang="zh-CN" sz="2400" dirty="0" smtClean="0"/>
-          </a:p>
-          <a:p>
-            <a:pPr lvl="1"/>
-            <a:r>
-              <a:rPr lang="en-US" altLang="zh-CN" sz="2400" dirty="0" smtClean="0"/>
-              <a:t>3</a:t>
-            </a:r>
-            <a:r>
-              <a:rPr lang="zh-CN" altLang="en-US" sz="2400" dirty="0" smtClean="0"/>
-              <a:t>）谨记福音内容与提醒福音果效</a:t>
-            </a:r>
-            <a:endParaRPr lang="en-US" altLang="zh-CN" sz="2400" dirty="0" smtClean="0"/>
-          </a:p>
-          <a:p>
-            <a:pPr lvl="1"/>
-            <a:r>
-              <a:rPr lang="zh-CN" altLang="en-US" sz="2400" dirty="0" smtClean="0"/>
-              <a:t>应用和反思：</a:t>
-            </a:r>
-            <a:endParaRPr lang="en-US" altLang="zh-CN" sz="2400" dirty="0"/>
-          </a:p>
-          <a:p>
-            <a:pPr lvl="2"/>
-            <a:r>
-              <a:rPr lang="en-US" altLang="zh-CN" dirty="0" smtClean="0"/>
-              <a:t>1</a:t>
-            </a:r>
-            <a:r>
-              <a:rPr lang="zh-CN" altLang="en-US" dirty="0" smtClean="0"/>
-              <a:t>）做事的</a:t>
-            </a:r>
-            <a:r>
-              <a:rPr lang="en-US" altLang="zh-CN" dirty="0" smtClean="0"/>
-              <a:t>3</a:t>
-            </a:r>
-            <a:r>
-              <a:rPr lang="zh-CN" altLang="en-US" dirty="0" smtClean="0"/>
-              <a:t>种境界：自己做事、带人做事、教人带人，我们各人属于哪一种？</a:t>
-            </a:r>
-          </a:p>
-          <a:p>
-            <a:pPr lvl="2"/>
-            <a:r>
-              <a:rPr lang="en-US" altLang="zh-CN" dirty="0" smtClean="0"/>
-              <a:t>2</a:t>
-            </a:r>
-            <a:r>
-              <a:rPr lang="zh-CN" altLang="en-US" dirty="0" smtClean="0"/>
-              <a:t>）思考我的舒适区在哪里？我愿意为了属灵生命的成长走出舒适区吗？</a:t>
-            </a:r>
-          </a:p>
-          <a:p>
-            <a:pPr lvl="2"/>
-            <a:r>
-              <a:rPr lang="en-US" altLang="zh-CN" dirty="0" smtClean="0"/>
-              <a:t>3</a:t>
-            </a:r>
-            <a:r>
-              <a:rPr lang="zh-CN" altLang="en-US" dirty="0" smtClean="0"/>
-              <a:t>）福音在我身上发生了什么果效？</a:t>
-            </a:r>
-            <a:endParaRPr lang="en-US" altLang="zh-CN" dirty="0"/>
-          </a:p>
-          <a:p>
-            <a:pPr lvl="2"/>
-            <a:endParaRPr lang="en-US" altLang="zh-CN" sz="2000" dirty="0">
-              <a:ea typeface="宋体" charset="-122"/>
-            </a:endParaRPr>
-          </a:p>
-        </p:txBody>
-      </p:sp>
-    </p:spTree>
-    <p:extLst>
-      <p:ext uri="{BB962C8B-B14F-4D97-AF65-F5344CB8AC3E}">
-        <p14:creationId xmlns="" xmlns:p14="http://schemas.microsoft.com/office/powerpoint/2010/main" val="274900122"/>
-      </p:ext>
-    </p:extLst>
-  </p:cSld>
-  <p:clrMapOvr>
-    <a:masterClrMapping/>
-  </p:clrMapOvr>
-  <mc:AlternateContent xmlns:mc="http://schemas.openxmlformats.org/markup-compatibility/2006">
-    <mc:Choice xmlns="" xmlns:p14="http://schemas.microsoft.com/office/powerpoint/2010/main" Requires="p14">
-      <p:transition p14:dur="10"/>
-    </mc:Choice>
-    <mc:Fallback>
-      <p:transition/>
-    </mc:Fallback>
-  </mc:AlternateContent>
-  <p:timing>
-    <p:tnLst>
-      <p:par>
-        <p:cTn id="1" dur="indefinite" restart="never" nodeType="tmRoot"/>
-      </p:par>
-    </p:tnLst>
-  </p:timing>
-</p:sld>
-</file>
-
-<file path=ppt/slides/slide14.xml><?xml version="1.0" encoding="utf-8"?>
-<p:sld xmlns:a="http://schemas.openxmlformats.org/drawingml/2006/main" xmlns:r="http://schemas.openxmlformats.org/officeDocument/2006/relationships" xmlns:p="http://schemas.openxmlformats.org/presentationml/2006/main">
-  <p:cSld>
-    <p:spTree>
-      <p:nvGrpSpPr>
-        <p:cNvPr id="1" name=""/>
-        <p:cNvGrpSpPr/>
-        <p:nvPr/>
-      </p:nvGrpSpPr>
-      <p:grpSpPr>
-        <a:xfrm>
-          <a:off x="0" y="0"/>
-          <a:ext cx="0" cy="0"/>
-          <a:chOff x="0" y="0"/>
-          <a:chExt cx="0" cy="0"/>
-        </a:xfrm>
-      </p:grpSpPr>
-      <p:sp>
-        <p:nvSpPr>
           <p:cNvPr id="38916" name="Rectangle 4"/>
           <p:cNvSpPr>
             <a:spLocks noGrp="1" noChangeArrowheads="1"/>
@@ -25493,7 +25283,7 @@
     <a:masterClrMapping/>
   </p:clrMapOvr>
   <mc:AlternateContent xmlns:mc="http://schemas.openxmlformats.org/markup-compatibility/2006">
-    <mc:Choice xmlns="" xmlns:p14="http://schemas.microsoft.com/office/powerpoint/2010/main" Requires="p14">
+    <mc:Choice xmlns:p14="http://schemas.microsoft.com/office/powerpoint/2010/main" xmlns="" Requires="p14">
       <p:transition p14:dur="10"/>
     </mc:Choice>
     <mc:Fallback>
@@ -25576,7 +25366,11 @@
           <a:p>
             <a:r>
               <a:rPr lang="zh-CN" altLang="en-US" dirty="0" smtClean="0"/>
-              <a:t>我的成长</a:t>
+              <a:t>孩子</a:t>
+            </a:r>
+            <a:r>
+              <a:rPr lang="zh-CN" altLang="en-US" dirty="0" smtClean="0"/>
+              <a:t>成长</a:t>
             </a:r>
             <a:endParaRPr lang="en-US" altLang="zh-CN" dirty="0" smtClean="0"/>
           </a:p>
@@ -25584,14 +25378,26 @@
             <a:pPr lvl="1"/>
             <a:r>
               <a:rPr lang="zh-CN" altLang="en-US" sz="2400" dirty="0" smtClean="0"/>
-              <a:t>在座的没有一位是看着我长大的，但有不少属灵长辈是看着我的属灵生命长大的。</a:t>
+              <a:t>刚出生时长得特别快，后来变慢</a:t>
+            </a:r>
+            <a:r>
+              <a:rPr lang="zh-CN" altLang="en-US" sz="2400" dirty="0" smtClean="0"/>
+              <a:t>，全家</a:t>
+            </a:r>
+            <a:r>
+              <a:rPr lang="zh-CN" altLang="en-US" sz="2400" dirty="0" smtClean="0"/>
+              <a:t>人着急</a:t>
             </a:r>
             <a:endParaRPr lang="en-US" altLang="zh-CN" sz="2400" dirty="0" smtClean="0"/>
           </a:p>
           <a:p>
             <a:r>
               <a:rPr lang="zh-CN" altLang="en-US" dirty="0" smtClean="0"/>
-              <a:t>孩子成长</a:t>
+              <a:t>属</a:t>
+            </a:r>
+            <a:r>
+              <a:rPr lang="zh-CN" altLang="en-US" dirty="0" smtClean="0"/>
+              <a:t>灵生命成长</a:t>
             </a:r>
             <a:endParaRPr lang="en-US" altLang="zh-CN" dirty="0" smtClean="0"/>
           </a:p>
@@ -25599,30 +25405,23 @@
             <a:pPr lvl="1"/>
             <a:r>
               <a:rPr lang="zh-CN" altLang="en-US" sz="2400" dirty="0" smtClean="0"/>
-              <a:t>今天正好</a:t>
-            </a:r>
-            <a:r>
-              <a:rPr lang="en-US" altLang="zh-CN" sz="2400" dirty="0" smtClean="0"/>
-              <a:t>7</a:t>
+              <a:t>刚信主时成长很快，慢慢原地踏步。我们</a:t>
             </a:r>
             <a:r>
               <a:rPr lang="zh-CN" altLang="en-US" sz="2400" dirty="0" smtClean="0"/>
-              <a:t>个月大，最近体重身高长得有些慢，全家人都有些着急。</a:t>
-            </a:r>
-            <a:endParaRPr lang="en-US" altLang="zh-CN" sz="2400" dirty="0" smtClean="0"/>
-          </a:p>
-          <a:p>
-            <a:r>
-              <a:rPr lang="zh-CN" altLang="en-US" dirty="0" smtClean="0"/>
-              <a:t>我们的属灵生命成长</a:t>
-            </a:r>
-            <a:endParaRPr lang="en-US" altLang="zh-CN" dirty="0" smtClean="0"/>
-          </a:p>
-          <a:p>
-            <a:pPr lvl="1"/>
+              <a:t>的属灵生命</a:t>
+            </a:r>
             <a:r>
               <a:rPr lang="zh-CN" altLang="en-US" sz="2400" dirty="0" smtClean="0"/>
-              <a:t>我们的属灵生命是不是也会遇到停滞不前的状况？我们选择任凭这种状态持续下去还是努力寻求改变？</a:t>
+              <a:t>是不是处在停滞不前</a:t>
+            </a:r>
+            <a:r>
+              <a:rPr lang="zh-CN" altLang="en-US" sz="2400" dirty="0" smtClean="0"/>
+              <a:t>的状况？我们选择任凭这种状态持续下去还是努力寻求改变</a:t>
+            </a:r>
+            <a:r>
+              <a:rPr lang="zh-CN" altLang="en-US" sz="2400" dirty="0" smtClean="0"/>
+              <a:t>？天父为我们着急！</a:t>
             </a:r>
             <a:endParaRPr lang="en-US" altLang="zh-CN" sz="2000" dirty="0">
               <a:ea typeface="宋体" charset="-122"/>
@@ -25636,7 +25435,7 @@
     <a:masterClrMapping/>
   </p:clrMapOvr>
   <mc:AlternateContent xmlns:mc="http://schemas.openxmlformats.org/markup-compatibility/2006">
-    <mc:Choice xmlns="" xmlns:p14="http://schemas.microsoft.com/office/powerpoint/2010/main" Requires="p14">
+    <mc:Choice xmlns:p14="http://schemas.microsoft.com/office/powerpoint/2010/main" xmlns="" Requires="p14">
       <p:transition p14:dur="10"/>
     </mc:Choice>
     <mc:Fallback>
@@ -25726,15 +25525,15 @@
           <a:p>
             <a:pPr lvl="1"/>
             <a:r>
-              <a:rPr lang="zh-CN" altLang="en-US" dirty="0" smtClean="0"/>
+              <a:rPr lang="zh-CN" altLang="en-US" sz="2400" dirty="0" smtClean="0"/>
               <a:t>最后一封书信</a:t>
             </a:r>
-            <a:endParaRPr lang="en-US" altLang="zh-CN" dirty="0" smtClean="0"/>
+            <a:endParaRPr lang="en-US" altLang="zh-CN" sz="2400" dirty="0" smtClean="0"/>
           </a:p>
           <a:p>
             <a:pPr lvl="1"/>
             <a:r>
-              <a:rPr lang="zh-CN" altLang="en-US" dirty="0" smtClean="0"/>
+              <a:rPr lang="zh-CN" altLang="en-US" sz="2400" dirty="0" smtClean="0"/>
               <a:t>写给提摩太个人</a:t>
             </a:r>
             <a:endParaRPr lang="en-US" altLang="zh-CN" dirty="0" smtClean="0"/>
@@ -25749,16 +25548,24 @@
           <a:p>
             <a:pPr lvl="1"/>
             <a:r>
-              <a:rPr lang="zh-CN" altLang="en-US" dirty="0" smtClean="0"/>
+              <a:rPr lang="zh-CN" altLang="en-US" sz="2400" dirty="0" smtClean="0"/>
               <a:t>上文，在提摩太后书第一章，生命传承的要素，包括如神的生命、属神的心志、得神的恩赐</a:t>
             </a:r>
-            <a:endParaRPr lang="en-US" altLang="zh-CN" dirty="0" smtClean="0"/>
+            <a:endParaRPr lang="en-US" altLang="zh-CN" sz="2400" dirty="0" smtClean="0"/>
           </a:p>
           <a:p>
             <a:pPr lvl="1"/>
             <a:r>
-              <a:rPr lang="zh-CN" altLang="en-US" dirty="0" smtClean="0"/>
-              <a:t>下文第三章，保罗提醒提摩太如何面对末世的危难</a:t>
+              <a:rPr lang="zh-CN" altLang="en-US" sz="2400" dirty="0" smtClean="0"/>
+              <a:t>下文</a:t>
+            </a:r>
+            <a:r>
+              <a:rPr lang="zh-CN" altLang="en-US" sz="2400" dirty="0" smtClean="0"/>
+              <a:t>第二章后半部分，生命成长起来以后学习如何为主</a:t>
+            </a:r>
+            <a:r>
+              <a:rPr lang="zh-CN" altLang="en-US" sz="2400" dirty="0" smtClean="0"/>
+              <a:t>做无愧的工人</a:t>
             </a:r>
             <a:endParaRPr lang="en-US" altLang="zh-CN" sz="2000" dirty="0" smtClean="0">
               <a:ea typeface="宋体" charset="-122"/>
@@ -25775,7 +25582,7 @@
     </p:spTree>
     <p:extLst>
       <p:ext uri="{BB962C8B-B14F-4D97-AF65-F5344CB8AC3E}">
-        <p14:creationId xmlns="" xmlns:p14="http://schemas.microsoft.com/office/powerpoint/2010/main" val="2916621134"/>
+        <p14:creationId xmlns:p14="http://schemas.microsoft.com/office/powerpoint/2010/main" xmlns="" val="2916621134"/>
       </p:ext>
     </p:extLst>
   </p:cSld>
@@ -25783,7 +25590,7 @@
     <a:masterClrMapping/>
   </p:clrMapOvr>
   <mc:AlternateContent xmlns:mc="http://schemas.openxmlformats.org/markup-compatibility/2006">
-    <mc:Choice xmlns="" xmlns:p14="http://schemas.microsoft.com/office/powerpoint/2010/main" Requires="p14">
+    <mc:Choice xmlns:p14="http://schemas.microsoft.com/office/powerpoint/2010/main" xmlns="" Requires="p14">
       <p:transition p14:dur="10"/>
     </mc:Choice>
     <mc:Fallback>
@@ -25827,18 +25634,47 @@
             <p:ph type="title"/>
           </p:nvPr>
         </p:nvSpPr>
-        <p:spPr/>
+        <p:spPr>
+          <a:xfrm>
+            <a:off x="457200" y="238125"/>
+            <a:ext cx="7043758" cy="868363"/>
+          </a:xfrm>
+        </p:spPr>
         <p:txBody>
           <a:bodyPr/>
           <a:lstStyle/>
           <a:p>
             <a:r>
-              <a:rPr lang="zh-CN" altLang="en-US" dirty="0">
+              <a:rPr lang="en-US" altLang="zh-CN" sz="3600" dirty="0" smtClean="0">
                 <a:ea typeface="宋体" charset="-122"/>
               </a:rPr>
-              <a:t>引言</a:t>
-            </a:r>
-            <a:endParaRPr lang="en-US" altLang="zh-CN" dirty="0">
+              <a:t>1.</a:t>
+            </a:r>
+            <a:r>
+              <a:rPr lang="zh-CN" altLang="en-US" sz="3600" dirty="0" smtClean="0">
+                <a:ea typeface="宋体" charset="-122"/>
+              </a:rPr>
+              <a:t>被主刚强得着成长的动力</a:t>
+            </a:r>
+            <a:r>
+              <a:rPr lang="zh-CN" altLang="en-US" sz="3200" dirty="0" smtClean="0">
+                <a:ea typeface="宋体" charset="-122"/>
+              </a:rPr>
+              <a:t>（</a:t>
+            </a:r>
+            <a:r>
+              <a:rPr lang="en-US" altLang="zh-CN" sz="3200" dirty="0" smtClean="0">
+                <a:ea typeface="宋体" charset="-122"/>
+              </a:rPr>
+              <a:t>v1-2</a:t>
+            </a:r>
+            <a:r>
+              <a:rPr lang="zh-CN" altLang="en-US" sz="3200" dirty="0" smtClean="0">
+                <a:ea typeface="宋体" charset="-122"/>
+              </a:rPr>
+              <a:t>） </a:t>
+            </a:r>
+            <a:endParaRPr lang="en-US" altLang="zh-CN" sz="4000" dirty="0">
               <a:ea typeface="宋体" charset="-122"/>
             </a:endParaRPr>
           </a:p>
@@ -25856,17 +25692,75 @@
         </p:nvSpPr>
         <p:spPr>
           <a:xfrm>
-            <a:off x="685800" y="1817688"/>
-            <a:ext cx="7467600" cy="4563640"/>
+            <a:off x="685800" y="1285860"/>
+            <a:ext cx="7467600" cy="5072098"/>
           </a:xfrm>
         </p:spPr>
         <p:txBody>
           <a:bodyPr/>
           <a:lstStyle/>
           <a:p>
+            <a:pPr>
+              <a:buNone/>
+            </a:pPr>
+            <a:r>
+              <a:rPr lang="en-US" altLang="zh-CN" sz="2000" dirty="0" smtClean="0">
+                <a:solidFill>
+                  <a:srgbClr val="FF0000"/>
+                </a:solidFill>
+              </a:rPr>
+              <a:t>1</a:t>
+            </a:r>
+            <a:r>
+              <a:rPr lang="en-US" altLang="zh-CN" dirty="0" smtClean="0">
+                <a:solidFill>
+                  <a:srgbClr val="FF0000"/>
+                </a:solidFill>
+              </a:rPr>
+              <a:t> </a:t>
+            </a:r>
+            <a:r>
+              <a:rPr lang="zh-CN" altLang="en-US" sz="2800" dirty="0" smtClean="0">
+                <a:solidFill>
+                  <a:srgbClr val="FF0000"/>
+                </a:solidFill>
+              </a:rPr>
+              <a:t>我儿啊，你要在基督耶稣的恩典上</a:t>
+            </a:r>
+            <a:r>
+              <a:rPr lang="zh-CN" altLang="en-US" sz="2800" dirty="0" smtClean="0"/>
+              <a:t>刚强</a:t>
+            </a:r>
+            <a:r>
+              <a:rPr lang="zh-CN" altLang="en-US" sz="2800" dirty="0" smtClean="0">
+                <a:solidFill>
+                  <a:srgbClr val="FF0000"/>
+                </a:solidFill>
+              </a:rPr>
+              <a:t>起来。</a:t>
+            </a:r>
+            <a:endParaRPr lang="en-US" altLang="zh-CN" dirty="0" smtClean="0">
+              <a:solidFill>
+                <a:srgbClr val="FF0000"/>
+              </a:solidFill>
+            </a:endParaRPr>
+          </a:p>
+          <a:p>
+            <a:r>
+              <a:rPr lang="en-US" altLang="zh-CN" dirty="0" smtClean="0"/>
+              <a:t>1.1.  </a:t>
+            </a:r>
             <a:r>
               <a:rPr lang="zh-CN" altLang="en-US" dirty="0" smtClean="0"/>
-              <a:t>特点</a:t>
+              <a:t>刚强的内涵（</a:t>
+            </a:r>
+            <a:r>
+              <a:rPr lang="en-US" altLang="zh-CN" dirty="0" smtClean="0"/>
+              <a:t>v1</a:t>
+            </a:r>
+            <a:r>
+              <a:rPr lang="zh-CN" altLang="en-US" dirty="0" smtClean="0"/>
+              <a:t>）  </a:t>
             </a:r>
             <a:endParaRPr lang="en-US" altLang="zh-CN" dirty="0" smtClean="0"/>
           </a:p>
@@ -25874,94 +25768,154 @@
             <a:pPr lvl="1"/>
             <a:r>
               <a:rPr lang="en-US" altLang="zh-CN" dirty="0" smtClean="0"/>
-              <a:t>11</a:t>
+              <a:t>a</a:t>
             </a:r>
             <a:r>
               <a:rPr lang="zh-CN" altLang="en-US" dirty="0" smtClean="0"/>
-              <a:t>个命令语气的动词</a:t>
+              <a:t>）现在</a:t>
+            </a:r>
+            <a:r>
+              <a:rPr lang="zh-CN" altLang="en-US" dirty="0" smtClean="0"/>
+              <a:t>式 </a:t>
+            </a:r>
+            <a:r>
+              <a:rPr lang="en-US" altLang="zh-CN" dirty="0" smtClean="0"/>
+              <a:t>(</a:t>
+            </a:r>
+            <a:r>
+              <a:rPr lang="en-US" altLang="zh-CN" dirty="0" err="1" smtClean="0"/>
+              <a:t>ing</a:t>
+            </a:r>
+            <a:r>
+              <a:rPr lang="en-US" altLang="zh-CN" dirty="0" smtClean="0"/>
+              <a:t>)</a:t>
+            </a:r>
+            <a:endParaRPr lang="en-US" altLang="zh-CN" sz="2000" dirty="0" smtClean="0"/>
+          </a:p>
+          <a:p>
+            <a:pPr lvl="2"/>
+            <a:r>
+              <a:rPr lang="zh-CN" altLang="en-US" dirty="0" smtClean="0"/>
+              <a:t>现在式的动词有一个特性，就是要常态性的维持这个状态。不是一次刚强，而是常常刚强。</a:t>
             </a:r>
             <a:endParaRPr lang="en-US" altLang="zh-CN" dirty="0" smtClean="0"/>
           </a:p>
           <a:p>
             <a:pPr lvl="1"/>
             <a:r>
+              <a:rPr lang="en-US" altLang="zh-CN" dirty="0" smtClean="0"/>
+              <a:t>b</a:t>
+            </a:r>
+            <a:r>
               <a:rPr lang="zh-CN" altLang="en-US" dirty="0" smtClean="0"/>
-              <a:t>跟属灵生命的成长有关</a:t>
+              <a:t>）</a:t>
+            </a:r>
+            <a:r>
+              <a:rPr lang="zh-CN" altLang="en-US" dirty="0" smtClean="0"/>
+              <a:t>被动式 </a:t>
+            </a:r>
+            <a:r>
+              <a:rPr lang="en-US" altLang="zh-CN" dirty="0" smtClean="0"/>
+              <a:t>(</a:t>
+            </a:r>
+            <a:r>
+              <a:rPr lang="en-US" altLang="zh-CN" dirty="0" err="1" smtClean="0"/>
+              <a:t>ed</a:t>
+            </a:r>
+            <a:r>
+              <a:rPr lang="en-US" altLang="zh-CN" dirty="0" smtClean="0"/>
+              <a:t>)</a:t>
+            </a:r>
+            <a:endParaRPr lang="zh-CN" altLang="en-US" dirty="0" smtClean="0"/>
+          </a:p>
+          <a:p>
+            <a:pPr lvl="2"/>
+            <a:r>
+              <a:rPr lang="en-US" altLang="zh-CN" dirty="0" smtClean="0">
+                <a:solidFill>
+                  <a:srgbClr val="FF0000"/>
+                </a:solidFill>
+              </a:rPr>
+              <a:t>[</a:t>
+            </a:r>
+            <a:r>
+              <a:rPr lang="zh-CN" altLang="en-US" dirty="0" smtClean="0">
+                <a:solidFill>
+                  <a:srgbClr val="FF0000"/>
+                </a:solidFill>
+              </a:rPr>
+              <a:t>罗</a:t>
+            </a:r>
+            <a:r>
+              <a:rPr lang="en-US" dirty="0" smtClean="0">
+                <a:solidFill>
+                  <a:srgbClr val="FF0000"/>
+                </a:solidFill>
+              </a:rPr>
+              <a:t>7:18]  </a:t>
+            </a:r>
+            <a:r>
+              <a:rPr lang="zh-CN" altLang="en-US" dirty="0" smtClean="0">
+                <a:solidFill>
+                  <a:srgbClr val="FF0000"/>
+                </a:solidFill>
+              </a:rPr>
+              <a:t>立志为善由得我，只是行出来由不得我。</a:t>
+            </a:r>
+            <a:endParaRPr lang="en-US" altLang="zh-CN" dirty="0" smtClean="0">
+              <a:solidFill>
+                <a:srgbClr val="FF0000"/>
+              </a:solidFill>
+            </a:endParaRPr>
+          </a:p>
+          <a:p>
+            <a:pPr lvl="1"/>
+            <a:r>
+              <a:rPr lang="en-US" altLang="zh-CN" dirty="0" smtClean="0"/>
+              <a:t>c</a:t>
+            </a:r>
+            <a:r>
+              <a:rPr lang="zh-CN" altLang="en-US" dirty="0" smtClean="0"/>
+              <a:t>）</a:t>
+            </a:r>
+            <a:r>
+              <a:rPr lang="zh-CN" altLang="en-US" dirty="0" smtClean="0"/>
+              <a:t>命令式 </a:t>
+            </a:r>
+            <a:r>
+              <a:rPr lang="en-US" altLang="zh-CN" dirty="0" smtClean="0"/>
+              <a:t>(to)</a:t>
+            </a:r>
+            <a:endParaRPr lang="zh-CN" altLang="en-US" dirty="0" smtClean="0"/>
+          </a:p>
+          <a:p>
+            <a:pPr lvl="2"/>
+            <a:r>
+              <a:rPr lang="zh-CN" altLang="en-US" dirty="0" smtClean="0"/>
+              <a:t>软弱时，要去刚强，要去找耶稣基督。保罗命令提摩太，不是建议。</a:t>
             </a:r>
             <a:endParaRPr lang="en-US" altLang="zh-CN" dirty="0" smtClean="0"/>
           </a:p>
           <a:p>
-            <a:pPr lvl="1"/>
-            <a:r>
-              <a:rPr lang="zh-CN" altLang="en-US" dirty="0" smtClean="0"/>
-              <a:t>两两一组，分成六组</a:t>
-            </a:r>
+            <a:pPr lvl="1">
+              <a:buNone/>
+            </a:pPr>
             <a:endParaRPr lang="en-US" altLang="zh-CN" dirty="0" smtClean="0"/>
-          </a:p>
-          <a:p>
-            <a:r>
-              <a:rPr lang="zh-CN" altLang="en-US" dirty="0" smtClean="0"/>
-              <a:t>分段</a:t>
-            </a:r>
-            <a:endParaRPr lang="en-US" altLang="zh-CN" dirty="0" smtClean="0"/>
-          </a:p>
-          <a:p>
-            <a:pPr lvl="1"/>
-            <a:r>
-              <a:rPr lang="en-US" altLang="zh-CN" dirty="0" smtClean="0"/>
-              <a:t>v1-14   </a:t>
-            </a:r>
-            <a:r>
-              <a:rPr lang="zh-CN" altLang="en-US" dirty="0" smtClean="0"/>
-              <a:t>属灵生命成长的必要因素的前</a:t>
-            </a:r>
-            <a:r>
-              <a:rPr lang="en-US" altLang="zh-CN" dirty="0" smtClean="0"/>
-              <a:t>6</a:t>
-            </a:r>
-            <a:r>
-              <a:rPr lang="zh-CN" altLang="en-US" dirty="0" smtClean="0"/>
-              <a:t>个</a:t>
-            </a:r>
-            <a:endParaRPr lang="en-US" altLang="zh-CN" dirty="0" smtClean="0"/>
-          </a:p>
-          <a:p>
-            <a:pPr lvl="1"/>
-            <a:r>
-              <a:rPr lang="en-US" altLang="zh-CN" dirty="0" smtClean="0"/>
-              <a:t>v15-26 </a:t>
-            </a:r>
-            <a:r>
-              <a:rPr lang="zh-CN" altLang="en-US" dirty="0" smtClean="0"/>
-              <a:t>后</a:t>
-            </a:r>
-            <a:r>
-              <a:rPr lang="en-US" altLang="zh-CN" dirty="0" smtClean="0"/>
-              <a:t>5</a:t>
-            </a:r>
-            <a:r>
-              <a:rPr lang="zh-CN" altLang="en-US" dirty="0" smtClean="0"/>
-              <a:t>个必要因素</a:t>
-            </a:r>
-            <a:endParaRPr lang="en-US" altLang="zh-CN" sz="2000" dirty="0" smtClean="0">
-              <a:ea typeface="宋体" charset="-122"/>
-            </a:endParaRPr>
-          </a:p>
-          <a:p>
-            <a:pPr lvl="1"/>
-            <a:endParaRPr lang="en-US" altLang="zh-CN" sz="2000" dirty="0">
-              <a:ea typeface="宋体" charset="-122"/>
-            </a:endParaRPr>
           </a:p>
         </p:txBody>
       </p:sp>
     </p:spTree>
+    <p:extLst>
+      <p:ext uri="{BB962C8B-B14F-4D97-AF65-F5344CB8AC3E}">
+        <p14:creationId xmlns:p14="http://schemas.microsoft.com/office/powerpoint/2010/main" xmlns="" val="602482599"/>
+      </p:ext>
+    </p:extLst>
   </p:cSld>
   <p:clrMapOvr>
     <a:masterClrMapping/>
   </p:clrMapOvr>
   <mc:AlternateContent xmlns:mc="http://schemas.openxmlformats.org/markup-compatibility/2006">
-    <mc:Choice xmlns="" xmlns:p14="http://schemas.microsoft.com/office/powerpoint/2010/main" Requires="p14">
+    <mc:Choice xmlns:p14="http://schemas.microsoft.com/office/powerpoint/2010/main" xmlns="" Requires="p14">
       <p:transition p14:dur="10"/>
     </mc:Choice>
     <mc:Fallback>
@@ -26016,16 +25970,16 @@
           <a:lstStyle/>
           <a:p>
             <a:r>
-              <a:rPr lang="en-US" altLang="zh-CN" sz="4000" dirty="0" smtClean="0">
+              <a:rPr lang="en-US" altLang="zh-CN" sz="3600" dirty="0" smtClean="0">
                 <a:ea typeface="宋体" charset="-122"/>
               </a:rPr>
               <a:t>1.</a:t>
             </a:r>
             <a:r>
-              <a:rPr lang="zh-CN" altLang="en-US" sz="4000" dirty="0" smtClean="0">
+              <a:rPr lang="zh-CN" altLang="en-US" sz="3600" dirty="0" smtClean="0">
                 <a:ea typeface="宋体" charset="-122"/>
               </a:rPr>
-              <a:t>得着刚强与传递教训</a:t>
+              <a:t>被主刚强得着成长的动力</a:t>
             </a:r>
             <a:r>
               <a:rPr lang="zh-CN" altLang="en-US" sz="3200" dirty="0" smtClean="0">
@@ -26096,11 +26050,11 @@
                   <a:srgbClr val="FF0000"/>
                 </a:solidFill>
               </a:rPr>
-              <a:t>我儿啊，你要在基督耶稣的恩典上</a:t>
+              <a:t>我儿啊，你要</a:t>
             </a:r>
             <a:r>
               <a:rPr lang="zh-CN" altLang="en-US" sz="2800" dirty="0" smtClean="0"/>
-              <a:t>刚强</a:t>
+              <a:t>在基督耶稣的恩典上</a:t>
             </a:r>
             <a:r>
               <a:rPr lang="zh-CN" altLang="en-US" sz="2800" dirty="0" smtClean="0">
@@ -26108,7 +26062,7 @@
                   <a:srgbClr val="FF0000"/>
                 </a:solidFill>
               </a:rPr>
-              <a:t>起来。</a:t>
+              <a:t>刚强起来。</a:t>
             </a:r>
             <a:endParaRPr lang="en-US" altLang="zh-CN" dirty="0" smtClean="0">
               <a:solidFill>
@@ -26119,11 +26073,11 @@
           <a:p>
             <a:r>
               <a:rPr lang="en-US" altLang="zh-CN" dirty="0" smtClean="0"/>
-              <a:t>1.1.  </a:t>
+              <a:t>1.2.  </a:t>
             </a:r>
             <a:r>
               <a:rPr lang="zh-CN" altLang="en-US" dirty="0" smtClean="0"/>
-              <a:t>刚强的内涵（</a:t>
+              <a:t>如何可以刚强 （</a:t>
             </a:r>
             <a:r>
               <a:rPr lang="en-US" altLang="zh-CN" dirty="0" smtClean="0"/>
@@ -26131,7 +26085,7 @@
             </a:r>
             <a:r>
               <a:rPr lang="zh-CN" altLang="en-US" dirty="0" smtClean="0"/>
-              <a:t>）  </a:t>
+              <a:t>） </a:t>
             </a:r>
             <a:endParaRPr lang="en-US" altLang="zh-CN" dirty="0" smtClean="0"/>
           </a:p>
@@ -26143,11 +26097,7 @@
             </a:r>
             <a:r>
               <a:rPr lang="zh-CN" altLang="en-US" dirty="0" smtClean="0"/>
-              <a:t>）现在式 </a:t>
-            </a:r>
-            <a:r>
-              <a:rPr lang="en-US" altLang="zh-CN" dirty="0" err="1" smtClean="0"/>
-              <a:t>ing</a:t>
+              <a:t>）耶稣基督的恩典</a:t>
             </a:r>
             <a:endParaRPr lang="en-US" altLang="zh-CN" sz="2000" dirty="0" smtClean="0"/>
           </a:p>
@@ -26155,7 +26105,7 @@
             <a:pPr lvl="2"/>
             <a:r>
               <a:rPr lang="zh-CN" altLang="en-US" dirty="0" smtClean="0"/>
-              <a:t>现在式的动词有一个特性，就是要常态性的维持这个状态。不是一次刚强，而是常常刚强。</a:t>
+              <a:t>这里强调的，不是耶稣基督加力量，而是在软弱中被主接纳。祂愿意扶持我们刚强起来。</a:t>
             </a:r>
             <a:endParaRPr lang="en-US" altLang="zh-CN" dirty="0" smtClean="0"/>
           </a:p>
@@ -26167,7 +26117,26 @@
             </a:r>
             <a:r>
               <a:rPr lang="zh-CN" altLang="en-US" dirty="0" smtClean="0"/>
-              <a:t>）被动式</a:t>
+              <a:t>）彼得被刚强的例子</a:t>
+            </a:r>
+          </a:p>
+          <a:p>
+            <a:pPr lvl="2"/>
+            <a:r>
+              <a:rPr lang="zh-CN" altLang="en-US" dirty="0" smtClean="0"/>
+              <a:t>彼得三次不认主，耶稣基督看他一眼并不是责备他，而是赦免他，怕他软弱不再站起来 。</a:t>
+            </a:r>
+            <a:endParaRPr lang="en-US" altLang="zh-CN" dirty="0" smtClean="0"/>
+          </a:p>
+          <a:p>
+            <a:pPr lvl="1"/>
+            <a:r>
+              <a:rPr lang="en-US" altLang="zh-CN" dirty="0" smtClean="0"/>
+              <a:t>c</a:t>
+            </a:r>
+            <a:r>
+              <a:rPr lang="zh-CN" altLang="en-US" dirty="0" smtClean="0"/>
+              <a:t>）保罗被刚强的例子</a:t>
             </a:r>
           </a:p>
           <a:p>
@@ -26186,7 +26155,15 @@
                   <a:srgbClr val="FF0000"/>
                 </a:solidFill>
               </a:rPr>
-              <a:t>罗</a:t>
+              <a:t>林后</a:t>
+            </a:r>
+            <a:r>
+              <a:rPr lang="en-US" altLang="zh-CN" dirty="0" smtClean="0">
+                <a:solidFill>
+                  <a:srgbClr val="FF0000"/>
+                </a:solidFill>
+              </a:rPr>
+              <a:t>12</a:t>
             </a:r>
             <a:r>
               <a:rPr lang="en-US" dirty="0" smtClean="0">
@@ -26194,7 +26171,7 @@
                   <a:srgbClr val="FF0000"/>
                 </a:solidFill>
               </a:rPr>
-              <a:t>7:18]  </a:t>
+              <a:t>:9-10]  </a:t>
             </a:r>
             <a:r>
               <a:rPr lang="zh-CN" altLang="en-US" dirty="0" smtClean="0">
@@ -26202,7 +26179,23 @@
                   <a:srgbClr val="FF0000"/>
                 </a:solidFill>
               </a:rPr>
-              <a:t>立志为善由得我，只是行出来由不得我。</a:t>
+              <a:t>我的能力是在人的软弱上显得完全 </a:t>
+            </a:r>
+            <a:r>
+              <a:rPr lang="en-US" dirty="0" smtClean="0">
+                <a:solidFill>
+                  <a:srgbClr val="FF0000"/>
+                </a:solidFill>
+              </a:rPr>
+              <a:t>… </a:t>
+            </a:r>
+            <a:r>
+              <a:rPr lang="zh-CN" altLang="en-US" dirty="0" smtClean="0">
+                <a:solidFill>
+                  <a:srgbClr val="FF0000"/>
+                </a:solidFill>
+              </a:rPr>
+              <a:t>我什么时候软弱，什么时候就刚强了。</a:t>
             </a:r>
             <a:endParaRPr lang="en-US" altLang="zh-CN" dirty="0" smtClean="0">
               <a:solidFill>
@@ -26211,21 +26204,10 @@
             </a:endParaRPr>
           </a:p>
           <a:p>
-            <a:pPr lvl="1"/>
-            <a:r>
-              <a:rPr lang="en-US" altLang="zh-CN" dirty="0" smtClean="0"/>
-              <a:t>c</a:t>
-            </a:r>
+            <a:pPr lvl="2"/>
             <a:r>
               <a:rPr lang="zh-CN" altLang="en-US" dirty="0" smtClean="0"/>
-              <a:t>）命令式</a:t>
-            </a:r>
-          </a:p>
-          <a:p>
-            <a:pPr lvl="2"/>
-            <a:r>
-              <a:rPr lang="zh-CN" altLang="en-US" dirty="0" smtClean="0"/>
-              <a:t>软弱时，要去刚强，要去找耶稣基督。保罗命令提摩太，不是建议。</a:t>
+              <a:t>。</a:t>
             </a:r>
             <a:endParaRPr lang="en-US" altLang="zh-CN" dirty="0" smtClean="0"/>
           </a:p>
@@ -26240,7 +26222,7 @@
     </p:spTree>
     <p:extLst>
       <p:ext uri="{BB962C8B-B14F-4D97-AF65-F5344CB8AC3E}">
-        <p14:creationId xmlns="" xmlns:p14="http://schemas.microsoft.com/office/powerpoint/2010/main" val="602482599"/>
+        <p14:creationId xmlns:p14="http://schemas.microsoft.com/office/powerpoint/2010/main" xmlns="" val="602482599"/>
       </p:ext>
     </p:extLst>
   </p:cSld>
@@ -26248,7 +26230,7 @@
     <a:masterClrMapping/>
   </p:clrMapOvr>
   <mc:AlternateContent xmlns:mc="http://schemas.openxmlformats.org/markup-compatibility/2006">
-    <mc:Choice xmlns="" xmlns:p14="http://schemas.microsoft.com/office/powerpoint/2010/main" Requires="p14">
+    <mc:Choice xmlns:p14="http://schemas.microsoft.com/office/powerpoint/2010/main" xmlns="" Requires="p14">
       <p:transition p14:dur="10"/>
     </mc:Choice>
     <mc:Fallback>
@@ -26303,16 +26285,16 @@
           <a:lstStyle/>
           <a:p>
             <a:r>
-              <a:rPr lang="en-US" altLang="zh-CN" sz="4000" dirty="0" smtClean="0">
+              <a:rPr lang="en-US" altLang="zh-CN" sz="3600" dirty="0" smtClean="0">
                 <a:ea typeface="宋体" charset="-122"/>
               </a:rPr>
               <a:t>1.</a:t>
             </a:r>
             <a:r>
-              <a:rPr lang="zh-CN" altLang="en-US" sz="4000" dirty="0" smtClean="0">
+              <a:rPr lang="zh-CN" altLang="en-US" sz="3600" dirty="0" smtClean="0">
                 <a:ea typeface="宋体" charset="-122"/>
               </a:rPr>
-              <a:t>得着刚强与传递教训</a:t>
+              <a:t>被主刚强得着成长的动力</a:t>
             </a:r>
             <a:r>
               <a:rPr lang="zh-CN" altLang="en-US" sz="3200" dirty="0" smtClean="0">
@@ -26367,35 +26349,27 @@
                   <a:srgbClr val="FF0000"/>
                 </a:solidFill>
               </a:rPr>
-              <a:t>1</a:t>
-            </a:r>
-            <a:r>
-              <a:rPr lang="en-US" altLang="zh-CN" dirty="0" smtClean="0">
+              <a:t>2    </a:t>
+            </a:r>
+            <a:r>
+              <a:rPr lang="zh-CN" altLang="en-US" dirty="0" smtClean="0">
                 <a:solidFill>
                   <a:srgbClr val="FF0000"/>
                 </a:solidFill>
               </a:rPr>
-              <a:t> </a:t>
-            </a:r>
-            <a:r>
-              <a:rPr lang="zh-CN" altLang="en-US" sz="2800" dirty="0" smtClean="0">
+              <a:t>你在许多见证人面前听见我所教训的，也要</a:t>
+            </a:r>
+            <a:r>
+              <a:rPr lang="zh-CN" altLang="en-US" dirty="0" smtClean="0"/>
+              <a:t>交托</a:t>
+            </a:r>
+            <a:r>
+              <a:rPr lang="zh-CN" altLang="en-US" dirty="0" smtClean="0">
                 <a:solidFill>
                   <a:srgbClr val="FF0000"/>
                 </a:solidFill>
               </a:rPr>
-              <a:t>我儿啊，你要</a:t>
-            </a:r>
-            <a:r>
-              <a:rPr lang="zh-CN" altLang="en-US" sz="2800" dirty="0" smtClean="0"/>
-              <a:t>在基督耶稣的恩典上</a:t>
-            </a:r>
-            <a:r>
-              <a:rPr lang="zh-CN" altLang="en-US" sz="2800" dirty="0" smtClean="0">
-                <a:solidFill>
-                  <a:srgbClr val="FF0000"/>
-                </a:solidFill>
-              </a:rPr>
-              <a:t>刚强起来。</a:t>
+              <a:t>那忠心能教导别人的人。</a:t>
             </a:r>
             <a:endParaRPr lang="en-US" altLang="zh-CN" dirty="0" smtClean="0">
               <a:solidFill>
@@ -26406,15 +26380,15 @@
           <a:p>
             <a:r>
               <a:rPr lang="en-US" altLang="zh-CN" dirty="0" smtClean="0"/>
-              <a:t>1.2.  </a:t>
+              <a:t>1.3. </a:t>
             </a:r>
             <a:r>
               <a:rPr lang="zh-CN" altLang="en-US" dirty="0" smtClean="0"/>
-              <a:t>如何可以刚强 （</a:t>
+              <a:t>刚强的结果是传递教训（</a:t>
             </a:r>
             <a:r>
               <a:rPr lang="en-US" altLang="zh-CN" dirty="0" smtClean="0"/>
-              <a:t>v1</a:t>
+              <a:t>v2</a:t>
             </a:r>
             <a:r>
               <a:rPr lang="zh-CN" altLang="en-US" dirty="0" smtClean="0"/>
@@ -26430,7 +26404,23 @@
             </a:r>
             <a:r>
               <a:rPr lang="zh-CN" altLang="en-US" dirty="0" smtClean="0"/>
-              <a:t>）耶稣基督的恩典</a:t>
+              <a:t>）四代 </a:t>
+            </a:r>
+            <a:r>
+              <a:rPr lang="en-US" altLang="zh-CN" dirty="0" smtClean="0"/>
+              <a:t>or </a:t>
+            </a:r>
+            <a:r>
+              <a:rPr lang="zh-CN" altLang="en-US" dirty="0" smtClean="0"/>
+              <a:t>五代 </a:t>
+            </a:r>
+            <a:r>
+              <a:rPr lang="en-US" altLang="zh-CN" dirty="0" smtClean="0"/>
+              <a:t>or </a:t>
+            </a:r>
+            <a:r>
+              <a:rPr lang="zh-CN" altLang="en-US" dirty="0" smtClean="0"/>
+              <a:t>无限代 </a:t>
             </a:r>
             <a:endParaRPr lang="en-US" altLang="zh-CN" sz="2000" dirty="0" smtClean="0"/>
           </a:p>
@@ -26438,7 +26428,7 @@
             <a:pPr lvl="2"/>
             <a:r>
               <a:rPr lang="zh-CN" altLang="en-US" dirty="0" smtClean="0"/>
-              <a:t>这里强调的，不是耶稣基督加力量，而是在软弱中被主接纳。祂愿意扶持我们刚强起来。</a:t>
+              <a:t>保罗第一代，提摩太第二代，第三是忠心能教导别人的人，第四就是那个被教导的人。算上耶稣基督共五代。一代传一代，产生无限多代。</a:t>
             </a:r>
             <a:endParaRPr lang="en-US" altLang="zh-CN" dirty="0" smtClean="0"/>
           </a:p>
@@ -26450,14 +26440,42 @@
             </a:r>
             <a:r>
               <a:rPr lang="zh-CN" altLang="en-US" dirty="0" smtClean="0"/>
-              <a:t>）彼得被刚强的例子</a:t>
+              <a:t>）做事的</a:t>
+            </a:r>
+            <a:r>
+              <a:rPr lang="en-US" altLang="zh-CN" dirty="0" smtClean="0"/>
+              <a:t>3</a:t>
+            </a:r>
+            <a:r>
+              <a:rPr lang="zh-CN" altLang="en-US" dirty="0" smtClean="0"/>
+              <a:t>种境界</a:t>
             </a:r>
           </a:p>
           <a:p>
             <a:pPr lvl="2"/>
             <a:r>
+              <a:rPr lang="en-US" altLang="zh-CN" dirty="0" smtClean="0"/>
+              <a:t>1</a:t>
+            </a:r>
+            <a:r>
               <a:rPr lang="zh-CN" altLang="en-US" dirty="0" smtClean="0"/>
-              <a:t>彼得三次不认主，耶稣基督看他一眼并不是责备他，而是赦免他，怕他软弱不再站起来 。</a:t>
+              <a:t>）自己做事；</a:t>
+            </a:r>
+            <a:r>
+              <a:rPr lang="en-US" altLang="zh-CN" dirty="0" smtClean="0"/>
+              <a:t>2</a:t>
+            </a:r>
+            <a:r>
+              <a:rPr lang="zh-CN" altLang="en-US" dirty="0" smtClean="0"/>
+              <a:t>）带人做事；</a:t>
+            </a:r>
+            <a:r>
+              <a:rPr lang="en-US" altLang="zh-CN" dirty="0" smtClean="0"/>
+              <a:t>3</a:t>
+            </a:r>
+            <a:r>
+              <a:rPr lang="zh-CN" altLang="en-US" dirty="0" smtClean="0"/>
+              <a:t>）教人带人；</a:t>
             </a:r>
             <a:endParaRPr lang="en-US" altLang="zh-CN" dirty="0" smtClean="0"/>
           </a:p>
@@ -26469,7 +26487,7 @@
             </a:r>
             <a:r>
               <a:rPr lang="zh-CN" altLang="en-US" dirty="0" smtClean="0"/>
-              <a:t>）保罗被刚强的例子</a:t>
+              <a:t>）交托的内容</a:t>
             </a:r>
           </a:p>
           <a:p>
@@ -26488,7 +26506,7 @@
                   <a:srgbClr val="FF0000"/>
                 </a:solidFill>
               </a:rPr>
-              <a:t>林后</a:t>
+              <a:t>提后</a:t>
             </a:r>
             <a:r>
               <a:rPr lang="en-US" altLang="zh-CN" dirty="0" smtClean="0">
@@ -26496,7 +26514,7 @@
                   <a:srgbClr val="FF0000"/>
                 </a:solidFill>
               </a:rPr>
-              <a:t>12</a:t>
+              <a:t>1</a:t>
             </a:r>
             <a:r>
               <a:rPr lang="en-US" dirty="0" smtClean="0">
@@ -26504,7 +26522,7 @@
                   <a:srgbClr val="FF0000"/>
                 </a:solidFill>
               </a:rPr>
-              <a:t>:9-10]  </a:t>
+              <a:t>:14]  </a:t>
             </a:r>
             <a:r>
               <a:rPr lang="zh-CN" altLang="en-US" dirty="0" smtClean="0">
@@ -26512,42 +26530,16 @@
                   <a:srgbClr val="FF0000"/>
                 </a:solidFill>
               </a:rPr>
-              <a:t>我的能力是在人的软弱上显得完全 </a:t>
-            </a:r>
-            <a:r>
-              <a:rPr lang="en-US" dirty="0" smtClean="0">
+              <a:t>从前所交托你的善道 </a:t>
+            </a:r>
+            <a:r>
+              <a:rPr lang="en-US" altLang="zh-CN" dirty="0" smtClean="0">
                 <a:solidFill>
                   <a:srgbClr val="FF0000"/>
                 </a:solidFill>
               </a:rPr>
-              <a:t>… </a:t>
-            </a:r>
-            <a:r>
-              <a:rPr lang="zh-CN" altLang="en-US" dirty="0" smtClean="0">
-                <a:solidFill>
-                  <a:srgbClr val="FF0000"/>
-                </a:solidFill>
-              </a:rPr>
-              <a:t>我什么时候软弱，什么时候就刚强了。</a:t>
-            </a:r>
-            <a:endParaRPr lang="en-US" altLang="zh-CN" dirty="0" smtClean="0">
-              <a:solidFill>
-                <a:srgbClr val="FF0000"/>
-              </a:solidFill>
-            </a:endParaRPr>
-          </a:p>
-          <a:p>
-            <a:pPr lvl="2"/>
-            <a:r>
-              <a:rPr lang="zh-CN" altLang="en-US" dirty="0" smtClean="0"/>
-              <a:t>。</a:t>
-            </a:r>
-            <a:endParaRPr lang="en-US" altLang="zh-CN" dirty="0" smtClean="0"/>
-          </a:p>
-          <a:p>
-            <a:pPr lvl="1">
-              <a:buNone/>
-            </a:pPr>
+              <a:t>…</a:t>
+            </a:r>
             <a:endParaRPr lang="en-US" altLang="zh-CN" dirty="0" smtClean="0"/>
           </a:p>
         </p:txBody>
@@ -26555,7 +26547,7 @@
     </p:spTree>
     <p:extLst>
       <p:ext uri="{BB962C8B-B14F-4D97-AF65-F5344CB8AC3E}">
-        <p14:creationId xmlns="" xmlns:p14="http://schemas.microsoft.com/office/powerpoint/2010/main" val="602482599"/>
+        <p14:creationId xmlns:p14="http://schemas.microsoft.com/office/powerpoint/2010/main" xmlns="" val="602482599"/>
       </p:ext>
     </p:extLst>
   </p:cSld>
@@ -26563,7 +26555,7 @@
     <a:masterClrMapping/>
   </p:clrMapOvr>
   <mc:AlternateContent xmlns:mc="http://schemas.openxmlformats.org/markup-compatibility/2006">
-    <mc:Choice xmlns="" xmlns:p14="http://schemas.microsoft.com/office/powerpoint/2010/main" Requires="p14">
+    <mc:Choice xmlns:p14="http://schemas.microsoft.com/office/powerpoint/2010/main" xmlns="" Requires="p14">
       <p:transition p14:dur="10"/>
     </mc:Choice>
     <mc:Fallback>
@@ -26618,16 +26610,22 @@
           <a:lstStyle/>
           <a:p>
             <a:r>
-              <a:rPr lang="en-US" altLang="zh-CN" sz="4000" dirty="0" smtClean="0">
+              <a:rPr lang="en-US" altLang="zh-CN" sz="3600" dirty="0" smtClean="0">
                 <a:ea typeface="宋体" charset="-122"/>
               </a:rPr>
-              <a:t>1.</a:t>
-            </a:r>
-            <a:r>
-              <a:rPr lang="zh-CN" altLang="en-US" sz="4000" dirty="0" smtClean="0">
+              <a:t>2</a:t>
+            </a:r>
+            <a:r>
+              <a:rPr lang="en-US" altLang="zh-CN" sz="3600" dirty="0" smtClean="0">
                 <a:ea typeface="宋体" charset="-122"/>
               </a:rPr>
-              <a:t>得着刚强与传递教训</a:t>
+              <a:t>.</a:t>
+            </a:r>
+            <a:r>
+              <a:rPr lang="zh-CN" altLang="en-US" sz="3600" dirty="0" smtClean="0">
+                <a:ea typeface="宋体" charset="-122"/>
+              </a:rPr>
+              <a:t>靠神的话胜过成长的苦难</a:t>
             </a:r>
             <a:r>
               <a:rPr lang="zh-CN" altLang="en-US" sz="3200" dirty="0" smtClean="0">
@@ -26639,7 +26637,7 @@
               <a:rPr lang="en-US" altLang="zh-CN" sz="3200" dirty="0" smtClean="0">
                 <a:ea typeface="宋体" charset="-122"/>
               </a:rPr>
-              <a:t>v1-2</a:t>
+              <a:t>v3-7</a:t>
             </a:r>
             <a:r>
               <a:rPr lang="zh-CN" altLang="en-US" sz="3200" dirty="0" smtClean="0">
@@ -26682,7 +26680,7 @@
                   <a:srgbClr val="FF0000"/>
                 </a:solidFill>
               </a:rPr>
-              <a:t>2    </a:t>
+              <a:t>3    </a:t>
             </a:r>
             <a:r>
               <a:rPr lang="zh-CN" altLang="en-US" dirty="0" smtClean="0">
@@ -26690,11 +26688,11 @@
                   <a:srgbClr val="FF0000"/>
                 </a:solidFill>
               </a:rPr>
-              <a:t>你在许多见证人面前听见我所教训的，也要</a:t>
+              <a:t>你要和我</a:t>
             </a:r>
             <a:r>
               <a:rPr lang="zh-CN" altLang="en-US" dirty="0" smtClean="0"/>
-              <a:t>交托</a:t>
+              <a:t>同受苦难</a:t>
             </a:r>
             <a:r>
               <a:rPr lang="zh-CN" altLang="en-US" dirty="0" smtClean="0">
@@ -26702,7 +26700,15 @@
                   <a:srgbClr val="FF0000"/>
                 </a:solidFill>
               </a:rPr>
-              <a:t>那忠心能教导别人的人。</a:t>
+              <a:t>，好像基督耶稣的精兵</a:t>
+            </a:r>
+            <a:r>
+              <a:rPr lang="zh-CN" altLang="en-US" sz="2800" dirty="0" smtClean="0">
+                <a:solidFill>
+                  <a:srgbClr val="FF0000"/>
+                </a:solidFill>
+              </a:rPr>
+              <a:t>。</a:t>
             </a:r>
             <a:endParaRPr lang="en-US" altLang="zh-CN" dirty="0" smtClean="0">
               <a:solidFill>
@@ -26713,15 +26719,23 @@
           <a:p>
             <a:r>
               <a:rPr lang="en-US" altLang="zh-CN" dirty="0" smtClean="0"/>
-              <a:t>1.3. </a:t>
+              <a:t>2.1.  </a:t>
             </a:r>
             <a:r>
               <a:rPr lang="zh-CN" altLang="en-US" dirty="0" smtClean="0"/>
-              <a:t>传递教训交托善道（</a:t>
+              <a:t>成长路上必有</a:t>
+            </a:r>
+            <a:r>
+              <a:rPr lang="zh-CN" altLang="en-US" dirty="0" smtClean="0"/>
+              <a:t>苦难 </a:t>
+            </a:r>
+            <a:r>
+              <a:rPr lang="zh-CN" altLang="en-US" dirty="0" smtClean="0"/>
+              <a:t>（</a:t>
             </a:r>
             <a:r>
               <a:rPr lang="en-US" altLang="zh-CN" dirty="0" smtClean="0"/>
-              <a:t>v2</a:t>
+              <a:t>v3</a:t>
             </a:r>
             <a:r>
               <a:rPr lang="zh-CN" altLang="en-US" dirty="0" smtClean="0"/>
@@ -26737,31 +26751,15 @@
             </a:r>
             <a:r>
               <a:rPr lang="zh-CN" altLang="en-US" dirty="0" smtClean="0"/>
-              <a:t>）四代 </a:t>
-            </a:r>
-            <a:r>
-              <a:rPr lang="en-US" altLang="zh-CN" dirty="0" smtClean="0"/>
-              <a:t>or </a:t>
-            </a:r>
+              <a:t>）外在的苦</a:t>
+            </a:r>
+            <a:endParaRPr lang="en-US" altLang="zh-CN" sz="2000" dirty="0" smtClean="0"/>
+          </a:p>
+          <a:p>
+            <a:pPr lvl="2"/>
             <a:r>
               <a:rPr lang="zh-CN" altLang="en-US" dirty="0" smtClean="0"/>
-              <a:t>五代 </a:t>
-            </a:r>
-            <a:r>
-              <a:rPr lang="en-US" altLang="zh-CN" dirty="0" smtClean="0"/>
-              <a:t>or </a:t>
-            </a:r>
-            <a:r>
-              <a:rPr lang="zh-CN" altLang="en-US" dirty="0" smtClean="0"/>
-              <a:t>无限代 </a:t>
-            </a:r>
-            <a:endParaRPr lang="en-US" altLang="zh-CN" sz="2000" dirty="0" smtClean="0"/>
-          </a:p>
-          <a:p>
-            <a:pPr lvl="2"/>
-            <a:r>
-              <a:rPr lang="zh-CN" altLang="en-US" dirty="0" smtClean="0"/>
-              <a:t>保罗第一代，提摩太第二代，第三是忠心能教导别人的人，第四就是那个被教导的人。算上耶稣基督共五代。一代传一代，产生无限多代。</a:t>
+              <a:t>这里强调的，不是耶稣基督加力量，而是在软弱中被主接纳。祂愿意扶持我们刚强起来。</a:t>
             </a:r>
             <a:endParaRPr lang="en-US" altLang="zh-CN" dirty="0" smtClean="0"/>
           </a:p>
@@ -26773,42 +26771,22 @@
             </a:r>
             <a:r>
               <a:rPr lang="zh-CN" altLang="en-US" dirty="0" smtClean="0"/>
-              <a:t>）做事的</a:t>
-            </a:r>
-            <a:r>
-              <a:rPr lang="en-US" altLang="zh-CN" dirty="0" smtClean="0"/>
-              <a:t>3</a:t>
-            </a:r>
+              <a:t>）内心的苦</a:t>
+            </a:r>
+          </a:p>
+          <a:p>
+            <a:pPr lvl="2"/>
             <a:r>
               <a:rPr lang="zh-CN" altLang="en-US" dirty="0" smtClean="0"/>
-              <a:t>种境界</a:t>
-            </a:r>
+              <a:t>家人没有信主，很难相信；</a:t>
+            </a:r>
+            <a:endParaRPr lang="en-US" altLang="zh-CN" dirty="0" smtClean="0"/>
           </a:p>
           <a:p>
             <a:pPr lvl="2"/>
             <a:r>
-              <a:rPr lang="en-US" altLang="zh-CN" dirty="0" smtClean="0"/>
-              <a:t>1</a:t>
-            </a:r>
-            <a:r>
               <a:rPr lang="zh-CN" altLang="en-US" dirty="0" smtClean="0"/>
-              <a:t>）自己做事；</a:t>
-            </a:r>
-            <a:r>
-              <a:rPr lang="en-US" altLang="zh-CN" dirty="0" smtClean="0"/>
-              <a:t>2</a:t>
-            </a:r>
-            <a:r>
-              <a:rPr lang="zh-CN" altLang="en-US" dirty="0" smtClean="0"/>
-              <a:t>）带人做事；</a:t>
-            </a:r>
-            <a:r>
-              <a:rPr lang="en-US" altLang="zh-CN" dirty="0" smtClean="0"/>
-              <a:t>3</a:t>
-            </a:r>
-            <a:r>
-              <a:rPr lang="zh-CN" altLang="en-US" dirty="0" smtClean="0"/>
-              <a:t>）教人带人；</a:t>
+              <a:t>羊群成长缓慢，用尽力气也不长。</a:t>
             </a:r>
             <a:endParaRPr lang="en-US" altLang="zh-CN" dirty="0" smtClean="0"/>
           </a:p>
@@ -26820,59 +26798,22 @@
             </a:r>
             <a:r>
               <a:rPr lang="zh-CN" altLang="en-US" dirty="0" smtClean="0"/>
-              <a:t>）交托的内容</a:t>
-            </a:r>
+              <a:t>） 例子，父母的决志与洗礼（未受）</a:t>
+            </a:r>
+            <a:endParaRPr lang="en-US" altLang="zh-CN" dirty="0" smtClean="0">
+              <a:solidFill>
+                <a:srgbClr val="FF0000"/>
+              </a:solidFill>
+            </a:endParaRPr>
           </a:p>
           <a:p>
             <a:pPr lvl="2"/>
-            <a:r>
-              <a:rPr lang="en-US" altLang="zh-CN" dirty="0" smtClean="0">
-                <a:solidFill>
-                  <a:srgbClr val="FF0000"/>
-                </a:solidFill>
-              </a:rPr>
-              <a:t>[</a:t>
-            </a:r>
-            <a:r>
-              <a:rPr lang="zh-CN" altLang="en-US" dirty="0" smtClean="0">
-                <a:solidFill>
-                  <a:srgbClr val="FF0000"/>
-                </a:solidFill>
-              </a:rPr>
-              <a:t>提后</a:t>
-            </a:r>
-            <a:r>
-              <a:rPr lang="en-US" altLang="zh-CN" dirty="0" smtClean="0">
-                <a:solidFill>
-                  <a:srgbClr val="FF0000"/>
-                </a:solidFill>
-              </a:rPr>
-              <a:t>1</a:t>
-            </a:r>
-            <a:r>
-              <a:rPr lang="en-US" dirty="0" smtClean="0">
-                <a:solidFill>
-                  <a:srgbClr val="FF0000"/>
-                </a:solidFill>
-              </a:rPr>
-              <a:t>:14]  </a:t>
-            </a:r>
-            <a:r>
-              <a:rPr lang="zh-CN" altLang="en-US" dirty="0" smtClean="0">
-                <a:solidFill>
-                  <a:srgbClr val="FF0000"/>
-                </a:solidFill>
-              </a:rPr>
-              <a:t>从前所交托你的善道 </a:t>
-            </a:r>
-            <a:r>
-              <a:rPr lang="en-US" altLang="zh-CN" smtClean="0">
-                <a:solidFill>
-                  <a:srgbClr val="FF0000"/>
-                </a:solidFill>
-              </a:rPr>
-              <a:t>…</a:t>
-            </a:r>
+            <a:endParaRPr lang="en-US" altLang="zh-CN" dirty="0" smtClean="0"/>
+          </a:p>
+          <a:p>
+            <a:pPr lvl="1">
+              <a:buNone/>
+            </a:pPr>
             <a:endParaRPr lang="en-US" altLang="zh-CN" dirty="0" smtClean="0"/>
           </a:p>
         </p:txBody>
@@ -26880,7 +26821,7 @@
     </p:spTree>
     <p:extLst>
       <p:ext uri="{BB962C8B-B14F-4D97-AF65-F5344CB8AC3E}">
-        <p14:creationId xmlns="" xmlns:p14="http://schemas.microsoft.com/office/powerpoint/2010/main" val="602482599"/>
+        <p14:creationId xmlns:p14="http://schemas.microsoft.com/office/powerpoint/2010/main" xmlns="" val="602482599"/>
       </p:ext>
     </p:extLst>
   </p:cSld>
@@ -26888,7 +26829,7 @@
     <a:masterClrMapping/>
   </p:clrMapOvr>
   <mc:AlternateContent xmlns:mc="http://schemas.openxmlformats.org/markup-compatibility/2006">
-    <mc:Choice xmlns="" xmlns:p14="http://schemas.microsoft.com/office/powerpoint/2010/main" Requires="p14">
+    <mc:Choice xmlns:p14="http://schemas.microsoft.com/office/powerpoint/2010/main" xmlns="" Requires="p14">
       <p:transition p14:dur="10"/>
     </mc:Choice>
     <mc:Fallback>
@@ -26943,16 +26884,16 @@
           <a:lstStyle/>
           <a:p>
             <a:r>
-              <a:rPr lang="en-US" altLang="zh-CN" sz="4000" dirty="0" smtClean="0">
+              <a:rPr lang="en-US" altLang="zh-CN" sz="3600" dirty="0" smtClean="0">
                 <a:ea typeface="宋体" charset="-122"/>
               </a:rPr>
               <a:t>2.</a:t>
             </a:r>
             <a:r>
-              <a:rPr lang="zh-CN" altLang="en-US" sz="4000" dirty="0" smtClean="0">
+              <a:rPr lang="zh-CN" altLang="en-US" sz="3600" dirty="0" smtClean="0">
                 <a:ea typeface="宋体" charset="-122"/>
               </a:rPr>
-              <a:t>同受苦难与同领话语</a:t>
+              <a:t>靠神的话胜过成长的苦难</a:t>
             </a:r>
             <a:r>
               <a:rPr lang="zh-CN" altLang="en-US" sz="3200" dirty="0" smtClean="0">
@@ -27002,40 +26943,201 @@
               <a:buNone/>
             </a:pPr>
             <a:r>
-              <a:rPr lang="en-US" altLang="zh-CN" sz="2000" dirty="0" smtClean="0">
+              <a:rPr lang="en-US" altLang="zh-CN" sz="2400" dirty="0" smtClean="0">
                 <a:solidFill>
                   <a:srgbClr val="FF0000"/>
                 </a:solidFill>
               </a:rPr>
-              <a:t>3    </a:t>
-            </a:r>
-            <a:r>
-              <a:rPr lang="zh-CN" altLang="en-US" dirty="0" smtClean="0">
+              <a:t>4 </a:t>
+            </a:r>
+            <a:r>
+              <a:rPr lang="zh-CN" altLang="en-US" sz="2400" dirty="0" smtClean="0">
                 <a:solidFill>
                   <a:srgbClr val="FF0000"/>
                 </a:solidFill>
               </a:rPr>
-              <a:t>你要和我</a:t>
-            </a:r>
-            <a:r>
-              <a:rPr lang="zh-CN" altLang="en-US" dirty="0" smtClean="0"/>
-              <a:t>同受苦难</a:t>
-            </a:r>
-            <a:r>
-              <a:rPr lang="zh-CN" altLang="en-US" dirty="0" smtClean="0">
+              <a:t>凡在军中</a:t>
+            </a:r>
+            <a:r>
+              <a:rPr lang="zh-CN" altLang="en-US" sz="2400" dirty="0" smtClean="0"/>
+              <a:t>当兵的</a:t>
+            </a:r>
+            <a:r>
+              <a:rPr lang="zh-CN" altLang="en-US" sz="2400" dirty="0" smtClean="0">
                 <a:solidFill>
                   <a:srgbClr val="FF0000"/>
                 </a:solidFill>
               </a:rPr>
-              <a:t>，好像基督耶稣的精兵</a:t>
-            </a:r>
-            <a:r>
-              <a:rPr lang="zh-CN" altLang="en-US" sz="2800" dirty="0" smtClean="0">
+              <a:t>，不将世务缠身，好叫那招他当兵的人喜悦。</a:t>
+            </a:r>
+            <a:r>
+              <a:rPr lang="en-US" altLang="zh-CN" sz="2400" dirty="0" smtClean="0">
                 <a:solidFill>
                   <a:srgbClr val="FF0000"/>
                 </a:solidFill>
               </a:rPr>
-              <a:t>。</a:t>
+              <a:t>5</a:t>
+            </a:r>
+            <a:r>
+              <a:rPr lang="zh-CN" altLang="en-US" sz="2400" dirty="0" smtClean="0">
+                <a:solidFill>
+                  <a:srgbClr val="FF0000"/>
+                </a:solidFill>
+              </a:rPr>
+              <a:t>人若在场上比武，非</a:t>
+            </a:r>
+            <a:r>
+              <a:rPr lang="zh-CN" altLang="en-US" sz="2400" dirty="0" smtClean="0"/>
+              <a:t>按规矩</a:t>
+            </a:r>
+            <a:r>
+              <a:rPr lang="zh-CN" altLang="en-US" sz="2400" dirty="0" smtClean="0">
+                <a:solidFill>
+                  <a:srgbClr val="FF0000"/>
+                </a:solidFill>
+              </a:rPr>
+              <a:t>，就不能得冠冕。</a:t>
+            </a:r>
+            <a:r>
+              <a:rPr lang="en-US" altLang="zh-CN" sz="2400" dirty="0" smtClean="0">
+                <a:solidFill>
+                  <a:srgbClr val="FF0000"/>
+                </a:solidFill>
+              </a:rPr>
+              <a:t>6</a:t>
+            </a:r>
+            <a:r>
+              <a:rPr lang="zh-CN" altLang="en-US" sz="2400" dirty="0" smtClean="0"/>
+              <a:t>劳力的农夫</a:t>
+            </a:r>
+            <a:r>
+              <a:rPr lang="zh-CN" altLang="en-US" sz="2400" dirty="0" smtClean="0">
+                <a:solidFill>
+                  <a:srgbClr val="FF0000"/>
+                </a:solidFill>
+              </a:rPr>
+              <a:t>理当先得粮食。 </a:t>
+            </a:r>
+            <a:r>
+              <a:rPr lang="en-US" altLang="zh-CN" sz="2400" dirty="0" smtClean="0">
+                <a:solidFill>
+                  <a:srgbClr val="FF0000"/>
+                </a:solidFill>
+              </a:rPr>
+              <a:t>7… </a:t>
+            </a:r>
+            <a:r>
+              <a:rPr lang="zh-CN" altLang="en-US" sz="2400" dirty="0" smtClean="0">
+                <a:solidFill>
+                  <a:srgbClr val="FF0000"/>
+                </a:solidFill>
+              </a:rPr>
+              <a:t>你要思想</a:t>
+            </a:r>
+            <a:r>
+              <a:rPr lang="en-US" altLang="zh-CN" sz="2400" dirty="0" smtClean="0">
+                <a:solidFill>
+                  <a:srgbClr val="FF0000"/>
+                </a:solidFill>
+              </a:rPr>
+              <a:t>…</a:t>
+            </a:r>
+          </a:p>
+          <a:p>
+            <a:r>
+              <a:rPr lang="en-US" altLang="zh-CN" dirty="0" smtClean="0"/>
+              <a:t>2.2.  </a:t>
+            </a:r>
+            <a:r>
+              <a:rPr lang="zh-CN" altLang="en-US" dirty="0" smtClean="0"/>
+              <a:t>如何得胜</a:t>
+            </a:r>
+            <a:r>
+              <a:rPr lang="en-US" altLang="zh-CN" dirty="0" smtClean="0"/>
+              <a:t>-</a:t>
+            </a:r>
+            <a:r>
+              <a:rPr lang="zh-CN" altLang="en-US" dirty="0" smtClean="0"/>
+              <a:t>思想</a:t>
+            </a:r>
+            <a:r>
+              <a:rPr lang="zh-CN" altLang="en-US" dirty="0" smtClean="0"/>
+              <a:t>三个比喻 （</a:t>
+            </a:r>
+            <a:r>
+              <a:rPr lang="en-US" altLang="zh-CN" dirty="0" smtClean="0"/>
+              <a:t>v4-7</a:t>
+            </a:r>
+            <a:r>
+              <a:rPr lang="zh-CN" altLang="en-US" dirty="0" smtClean="0"/>
+              <a:t>） </a:t>
+            </a:r>
+            <a:endParaRPr lang="en-US" altLang="zh-CN" dirty="0" smtClean="0"/>
+          </a:p>
+          <a:p>
+            <a:pPr lvl="1"/>
+            <a:r>
+              <a:rPr lang="en-US" altLang="zh-CN" dirty="0" smtClean="0"/>
+              <a:t>a</a:t>
+            </a:r>
+            <a:r>
+              <a:rPr lang="zh-CN" altLang="en-US" dirty="0" smtClean="0"/>
+              <a:t>）专一的军人</a:t>
+            </a:r>
+            <a:endParaRPr lang="en-US" altLang="zh-CN" sz="2000" dirty="0" smtClean="0"/>
+          </a:p>
+          <a:p>
+            <a:pPr lvl="2"/>
+            <a:r>
+              <a:rPr lang="zh-CN" altLang="en-US" dirty="0" smtClean="0"/>
+              <a:t>顺服是军人的天职</a:t>
+            </a:r>
+            <a:endParaRPr lang="en-US" altLang="zh-CN" dirty="0" smtClean="0"/>
+          </a:p>
+          <a:p>
+            <a:pPr lvl="2"/>
+            <a:r>
+              <a:rPr lang="zh-CN" altLang="en-US" dirty="0" smtClean="0"/>
+              <a:t>专心一致</a:t>
+            </a:r>
+            <a:endParaRPr lang="en-US" altLang="zh-CN" dirty="0" smtClean="0"/>
+          </a:p>
+          <a:p>
+            <a:pPr lvl="1"/>
+            <a:r>
+              <a:rPr lang="en-US" altLang="zh-CN" dirty="0" smtClean="0"/>
+              <a:t>b</a:t>
+            </a:r>
+            <a:r>
+              <a:rPr lang="zh-CN" altLang="en-US" dirty="0" smtClean="0"/>
+              <a:t>）规矩的选手</a:t>
+            </a:r>
+          </a:p>
+          <a:p>
+            <a:pPr lvl="2"/>
+            <a:r>
+              <a:rPr lang="zh-CN" altLang="en-US" dirty="0" smtClean="0"/>
+              <a:t>训练时有规矩，饮食体能技巧，获取参赛资格；</a:t>
+            </a:r>
+            <a:endParaRPr lang="en-US" altLang="zh-CN" dirty="0" smtClean="0"/>
+          </a:p>
+          <a:p>
+            <a:pPr lvl="2"/>
+            <a:r>
+              <a:rPr lang="zh-CN" altLang="en-US" dirty="0" smtClean="0"/>
+              <a:t>比赛时有规矩 ，遵守规则才有可能得冠冕。</a:t>
+            </a:r>
+            <a:endParaRPr lang="en-US" altLang="zh-CN" dirty="0" smtClean="0"/>
+          </a:p>
+          <a:p>
+            <a:pPr lvl="1"/>
+            <a:r>
+              <a:rPr lang="en-US" altLang="zh-CN" dirty="0" smtClean="0"/>
+              <a:t>c</a:t>
+            </a:r>
+            <a:r>
+              <a:rPr lang="zh-CN" altLang="en-US" dirty="0" smtClean="0"/>
+              <a:t>）劳力的农夫</a:t>
             </a:r>
             <a:endParaRPr lang="en-US" altLang="zh-CN" dirty="0" smtClean="0">
               <a:solidFill>
@@ -27044,96 +27146,6 @@
             </a:endParaRPr>
           </a:p>
           <a:p>
-            <a:r>
-              <a:rPr lang="en-US" altLang="zh-CN" dirty="0" smtClean="0"/>
-              <a:t>2.1.  </a:t>
-            </a:r>
-            <a:r>
-              <a:rPr lang="zh-CN" altLang="en-US" dirty="0" smtClean="0"/>
-              <a:t>同受苦难 （</a:t>
-            </a:r>
-            <a:r>
-              <a:rPr lang="en-US" altLang="zh-CN" dirty="0" smtClean="0"/>
-              <a:t>v3</a:t>
-            </a:r>
-            <a:r>
-              <a:rPr lang="zh-CN" altLang="en-US" dirty="0" smtClean="0"/>
-              <a:t>） </a:t>
-            </a:r>
-            <a:endParaRPr lang="en-US" altLang="zh-CN" dirty="0" smtClean="0"/>
-          </a:p>
-          <a:p>
-            <a:pPr lvl="1"/>
-            <a:r>
-              <a:rPr lang="en-US" altLang="zh-CN" dirty="0" smtClean="0"/>
-              <a:t>a</a:t>
-            </a:r>
-            <a:r>
-              <a:rPr lang="zh-CN" altLang="en-US" dirty="0" smtClean="0"/>
-              <a:t>）外在的苦</a:t>
-            </a:r>
-            <a:endParaRPr lang="en-US" altLang="zh-CN" sz="2000" dirty="0" smtClean="0"/>
-          </a:p>
-          <a:p>
-            <a:pPr lvl="2"/>
-            <a:r>
-              <a:rPr lang="zh-CN" altLang="en-US" dirty="0" smtClean="0"/>
-              <a:t>这里强调的，不是耶稣基督加力量，而是在软弱中被主接纳。祂愿意扶持我们刚强起来。</a:t>
-            </a:r>
-            <a:endParaRPr lang="en-US" altLang="zh-CN" dirty="0" smtClean="0"/>
-          </a:p>
-          <a:p>
-            <a:pPr lvl="1"/>
-            <a:r>
-              <a:rPr lang="en-US" altLang="zh-CN" dirty="0" smtClean="0"/>
-              <a:t>b</a:t>
-            </a:r>
-            <a:r>
-              <a:rPr lang="zh-CN" altLang="en-US" dirty="0" smtClean="0"/>
-              <a:t>）内心的苦</a:t>
-            </a:r>
-          </a:p>
-          <a:p>
-            <a:pPr lvl="2"/>
-            <a:r>
-              <a:rPr lang="zh-CN" altLang="en-US" dirty="0" smtClean="0"/>
-              <a:t>家人没有信主，很难相信；</a:t>
-            </a:r>
-            <a:endParaRPr lang="en-US" altLang="zh-CN" dirty="0" smtClean="0"/>
-          </a:p>
-          <a:p>
-            <a:pPr lvl="2"/>
-            <a:r>
-              <a:rPr lang="zh-CN" altLang="en-US" dirty="0" smtClean="0"/>
-              <a:t>羊群成长缓慢，用尽力气也</a:t>
-            </a:r>
-            <a:r>
-              <a:rPr lang="zh-CN" altLang="en-US" dirty="0" smtClean="0"/>
-              <a:t>不</a:t>
-            </a:r>
-            <a:r>
-              <a:rPr lang="zh-CN" altLang="en-US" dirty="0" smtClean="0"/>
-              <a:t>长。</a:t>
-            </a:r>
-            <a:endParaRPr lang="en-US" altLang="zh-CN" dirty="0" smtClean="0"/>
-          </a:p>
-          <a:p>
-            <a:pPr lvl="1"/>
-            <a:r>
-              <a:rPr lang="en-US" altLang="zh-CN" dirty="0" smtClean="0"/>
-              <a:t>c</a:t>
-            </a:r>
-            <a:r>
-              <a:rPr lang="zh-CN" altLang="en-US" dirty="0" smtClean="0"/>
-              <a:t>） 例子，父母的决志与洗礼（未受）</a:t>
-            </a:r>
-            <a:endParaRPr lang="en-US" altLang="zh-CN" dirty="0" smtClean="0">
-              <a:solidFill>
-                <a:srgbClr val="FF0000"/>
-              </a:solidFill>
-            </a:endParaRPr>
-          </a:p>
-          <a:p>
             <a:pPr lvl="2"/>
             <a:endParaRPr lang="en-US" altLang="zh-CN" dirty="0" smtClean="0"/>
           </a:p>
@@ -27148,7 +27160,7 @@
     </p:spTree>
     <p:extLst>
       <p:ext uri="{BB962C8B-B14F-4D97-AF65-F5344CB8AC3E}">
-        <p14:creationId xmlns="" xmlns:p14="http://schemas.microsoft.com/office/powerpoint/2010/main" val="602482599"/>
+        <p14:creationId xmlns:p14="http://schemas.microsoft.com/office/powerpoint/2010/main" xmlns="" val="602482599"/>
       </p:ext>
     </p:extLst>
   </p:cSld>
@@ -27156,7 +27168,7 @@
     <a:masterClrMapping/>
   </p:clrMapOvr>
   <mc:AlternateContent xmlns:mc="http://schemas.openxmlformats.org/markup-compatibility/2006">
-    <mc:Choice xmlns="" xmlns:p14="http://schemas.microsoft.com/office/powerpoint/2010/main" Requires="p14">
+    <mc:Choice xmlns:p14="http://schemas.microsoft.com/office/powerpoint/2010/main" xmlns="" Requires="p14">
       <p:transition p14:dur="10"/>
     </mc:Choice>
     <mc:Fallback>
@@ -27202,8 +27214,8 @@
         </p:nvSpPr>
         <p:spPr>
           <a:xfrm>
-            <a:off x="457200" y="238125"/>
-            <a:ext cx="7043758" cy="868363"/>
+            <a:off x="142844" y="238125"/>
+            <a:ext cx="7715304" cy="868363"/>
           </a:xfrm>
         </p:spPr>
         <p:txBody>
@@ -27211,16 +27223,16 @@
           <a:lstStyle/>
           <a:p>
             <a:r>
-              <a:rPr lang="en-US" altLang="zh-CN" sz="4000" dirty="0" smtClean="0">
+              <a:rPr lang="en-US" altLang="zh-CN" sz="3600" dirty="0" smtClean="0">
                 <a:ea typeface="宋体" charset="-122"/>
               </a:rPr>
-              <a:t>2.</a:t>
-            </a:r>
-            <a:r>
-              <a:rPr lang="zh-CN" altLang="en-US" sz="4000" dirty="0" smtClean="0">
+              <a:t>3.</a:t>
+            </a:r>
+            <a:r>
+              <a:rPr lang="zh-CN" altLang="en-US" sz="3600" dirty="0" smtClean="0">
                 <a:ea typeface="宋体" charset="-122"/>
               </a:rPr>
-              <a:t>同受苦难与同领话语</a:t>
+              <a:t>福音带给我们成长的盼望</a:t>
             </a:r>
             <a:r>
               <a:rPr lang="zh-CN" altLang="en-US" sz="3200" dirty="0" smtClean="0">
@@ -27232,15 +27244,21 @@
               <a:rPr lang="en-US" altLang="zh-CN" sz="3200" dirty="0" smtClean="0">
                 <a:ea typeface="宋体" charset="-122"/>
               </a:rPr>
-              <a:t>v3-7</a:t>
+              <a:t>v8-14</a:t>
             </a:r>
             <a:r>
               <a:rPr lang="zh-CN" altLang="en-US" sz="3200" dirty="0" smtClean="0">
                 <a:ea typeface="宋体" charset="-122"/>
               </a:rPr>
-              <a:t>） </a:t>
-            </a:r>
-            <a:endParaRPr lang="en-US" altLang="zh-CN" sz="4000" dirty="0">
+              <a:t>）</a:t>
+            </a:r>
+            <a:r>
+              <a:rPr lang="zh-CN" altLang="en-US" sz="3600" dirty="0" smtClean="0">
+                <a:ea typeface="宋体" charset="-122"/>
+              </a:rPr>
+              <a:t> </a:t>
+            </a:r>
+            <a:endParaRPr lang="en-US" altLang="zh-CN" sz="3600" dirty="0">
               <a:ea typeface="宋体" charset="-122"/>
             </a:endParaRPr>
           </a:p>
@@ -27270,189 +27288,127 @@
               <a:buNone/>
             </a:pPr>
             <a:r>
-              <a:rPr lang="en-US" altLang="zh-CN" sz="2400" dirty="0" smtClean="0">
+              <a:rPr lang="en-US" altLang="zh-CN" sz="2000" dirty="0" smtClean="0">
                 <a:solidFill>
                   <a:srgbClr val="FF0000"/>
                 </a:solidFill>
               </a:rPr>
-              <a:t>4 </a:t>
-            </a:r>
-            <a:r>
-              <a:rPr lang="zh-CN" altLang="en-US" sz="2400" dirty="0" smtClean="0">
+              <a:t>8  </a:t>
+            </a:r>
+            <a:r>
+              <a:rPr lang="zh-CN" altLang="en-US" sz="2800" dirty="0" smtClean="0">
                 <a:solidFill>
                   <a:srgbClr val="FF0000"/>
                 </a:solidFill>
               </a:rPr>
-              <a:t>凡在军中</a:t>
-            </a:r>
-            <a:r>
-              <a:rPr lang="zh-CN" altLang="en-US" sz="2400" dirty="0" smtClean="0"/>
-              <a:t>当兵的</a:t>
-            </a:r>
-            <a:r>
-              <a:rPr lang="zh-CN" altLang="en-US" sz="2400" dirty="0" smtClean="0">
+              <a:t>你要</a:t>
+            </a:r>
+            <a:r>
+              <a:rPr lang="zh-CN" altLang="en-US" sz="2800" dirty="0" smtClean="0"/>
+              <a:t>记念</a:t>
+            </a:r>
+            <a:r>
+              <a:rPr lang="zh-CN" altLang="en-US" sz="2800" dirty="0" smtClean="0">
                 <a:solidFill>
                   <a:srgbClr val="FF0000"/>
                 </a:solidFill>
               </a:rPr>
-              <a:t>，不将世务缠身，好叫那招他当兵的人喜悦。</a:t>
-            </a:r>
-            <a:r>
-              <a:rPr lang="en-US" altLang="zh-CN" sz="2400" dirty="0" smtClean="0">
+              <a:t>耶稣基督乃是大卫的后裔。他从死里复活，正合乎我所传的福音。</a:t>
+            </a:r>
+            <a:endParaRPr lang="en-US" altLang="zh-CN" dirty="0" smtClean="0">
+              <a:solidFill>
+                <a:srgbClr val="FF0000"/>
+              </a:solidFill>
+            </a:endParaRPr>
+          </a:p>
+          <a:p>
+            <a:r>
+              <a:rPr lang="en-US" altLang="zh-CN" dirty="0" smtClean="0"/>
+              <a:t>3.1.  </a:t>
+            </a:r>
+            <a:r>
+              <a:rPr lang="zh-CN" altLang="en-US" dirty="0" smtClean="0"/>
+              <a:t>福音的内容 （</a:t>
+            </a:r>
+            <a:r>
+              <a:rPr lang="en-US" altLang="zh-CN" dirty="0" smtClean="0"/>
+              <a:t>v8</a:t>
+            </a:r>
+            <a:r>
+              <a:rPr lang="zh-CN" altLang="en-US" dirty="0" smtClean="0"/>
+              <a:t>） </a:t>
+            </a:r>
+            <a:endParaRPr lang="en-US" altLang="zh-CN" dirty="0" smtClean="0"/>
+          </a:p>
+          <a:p>
+            <a:pPr lvl="1"/>
+            <a:r>
+              <a:rPr lang="en-US" altLang="zh-CN" dirty="0" smtClean="0"/>
+              <a:t>a</a:t>
+            </a:r>
+            <a:r>
+              <a:rPr lang="zh-CN" altLang="en-US" dirty="0" smtClean="0"/>
+              <a:t>）神的救恩已实现</a:t>
+            </a:r>
+            <a:endParaRPr lang="en-US" altLang="zh-CN" sz="2000" dirty="0" smtClean="0"/>
+          </a:p>
+          <a:p>
+            <a:pPr lvl="2"/>
+            <a:r>
+              <a:rPr lang="zh-CN" altLang="en-US" dirty="0" smtClean="0"/>
+              <a:t>神的儿子耶稣基督成为救赎，通过受死与复活实现了救赎。</a:t>
+            </a:r>
+            <a:endParaRPr lang="en-US" altLang="zh-CN" dirty="0" smtClean="0"/>
+          </a:p>
+          <a:p>
+            <a:pPr lvl="2"/>
+            <a:r>
+              <a:rPr lang="en-US" altLang="zh-CN" dirty="0" smtClean="0">
                 <a:solidFill>
                   <a:srgbClr val="FF0000"/>
                 </a:solidFill>
               </a:rPr>
-              <a:t>5</a:t>
-            </a:r>
-            <a:r>
-              <a:rPr lang="zh-CN" altLang="en-US" sz="2400" dirty="0" smtClean="0">
+              <a:t>[</a:t>
+            </a:r>
+            <a:r>
+              <a:rPr lang="zh-CN" altLang="en-US" dirty="0" smtClean="0">
                 <a:solidFill>
                   <a:srgbClr val="FF0000"/>
                 </a:solidFill>
               </a:rPr>
-              <a:t>人若在场上比武，非</a:t>
-            </a:r>
-            <a:r>
-              <a:rPr lang="zh-CN" altLang="en-US" sz="2400" dirty="0" smtClean="0"/>
-              <a:t>按规矩</a:t>
-            </a:r>
-            <a:r>
-              <a:rPr lang="zh-CN" altLang="en-US" sz="2400" dirty="0" smtClean="0">
+              <a:t>太</a:t>
+            </a:r>
+            <a:r>
+              <a:rPr lang="en-US" altLang="zh-CN" dirty="0" smtClean="0">
                 <a:solidFill>
                   <a:srgbClr val="FF0000"/>
                 </a:solidFill>
               </a:rPr>
-              <a:t>，就不能得冠冕。</a:t>
-            </a:r>
-            <a:r>
-              <a:rPr lang="en-US" altLang="zh-CN" sz="2400" dirty="0" smtClean="0">
+              <a:t>1:21] </a:t>
+            </a:r>
+            <a:r>
+              <a:rPr lang="zh-CN" altLang="en-US" dirty="0" smtClean="0">
                 <a:solidFill>
                   <a:srgbClr val="FF0000"/>
                 </a:solidFill>
               </a:rPr>
-              <a:t>6</a:t>
-            </a:r>
-            <a:r>
-              <a:rPr lang="zh-CN" altLang="en-US" sz="2400" dirty="0" smtClean="0"/>
-              <a:t>劳力的农夫</a:t>
-            </a:r>
-            <a:r>
-              <a:rPr lang="zh-CN" altLang="en-US" sz="2400" dirty="0" smtClean="0">
-                <a:solidFill>
-                  <a:srgbClr val="FF0000"/>
-                </a:solidFill>
-              </a:rPr>
-              <a:t>理当先得粮食。 </a:t>
-            </a:r>
-            <a:r>
-              <a:rPr lang="en-US" altLang="zh-CN" sz="2400" dirty="0" smtClean="0">
-                <a:solidFill>
-                  <a:srgbClr val="FF0000"/>
-                </a:solidFill>
-              </a:rPr>
-              <a:t>7… </a:t>
-            </a:r>
-            <a:r>
-              <a:rPr lang="zh-CN" altLang="en-US" sz="2400" dirty="0" smtClean="0">
-                <a:solidFill>
-                  <a:srgbClr val="FF0000"/>
-                </a:solidFill>
-              </a:rPr>
-              <a:t>你要思想</a:t>
-            </a:r>
-            <a:r>
-              <a:rPr lang="en-US" altLang="zh-CN" sz="2400" dirty="0" smtClean="0">
+              <a:t> </a:t>
+            </a:r>
+            <a:r>
+              <a:rPr lang="en-US" altLang="zh-CN" dirty="0" smtClean="0">
                 <a:solidFill>
                   <a:srgbClr val="FF0000"/>
                 </a:solidFill>
               </a:rPr>
               <a:t>…</a:t>
             </a:r>
-          </a:p>
-          <a:p>
-            <a:r>
-              <a:rPr lang="en-US" altLang="zh-CN" dirty="0" smtClean="0"/>
-              <a:t>2.2.  </a:t>
-            </a:r>
-            <a:r>
-              <a:rPr lang="zh-CN" altLang="en-US" dirty="0" smtClean="0"/>
-              <a:t>思想三个比喻 （</a:t>
-            </a:r>
-            <a:r>
-              <a:rPr lang="en-US" altLang="zh-CN" dirty="0" smtClean="0"/>
-              <a:t>v4-7</a:t>
-            </a:r>
-            <a:r>
-              <a:rPr lang="zh-CN" altLang="en-US" dirty="0" smtClean="0"/>
-              <a:t>） </a:t>
-            </a:r>
-            <a:endParaRPr lang="en-US" altLang="zh-CN" dirty="0" smtClean="0"/>
-          </a:p>
-          <a:p>
-            <a:pPr lvl="1"/>
-            <a:r>
-              <a:rPr lang="en-US" altLang="zh-CN" dirty="0" smtClean="0"/>
-              <a:t>a</a:t>
-            </a:r>
-            <a:r>
-              <a:rPr lang="zh-CN" altLang="en-US" dirty="0" smtClean="0"/>
-              <a:t>）专一的军人</a:t>
-            </a:r>
-            <a:endParaRPr lang="en-US" altLang="zh-CN" sz="2000" dirty="0" smtClean="0"/>
-          </a:p>
-          <a:p>
-            <a:pPr lvl="2"/>
-            <a:r>
-              <a:rPr lang="zh-CN" altLang="en-US" dirty="0" smtClean="0"/>
-              <a:t>顺服是军人的天职</a:t>
-            </a:r>
-            <a:endParaRPr lang="en-US" altLang="zh-CN" dirty="0" smtClean="0"/>
-          </a:p>
-          <a:p>
-            <a:pPr lvl="2"/>
-            <a:r>
-              <a:rPr lang="zh-CN" altLang="en-US" dirty="0" smtClean="0"/>
-              <a:t>专心一致</a:t>
-            </a:r>
-            <a:endParaRPr lang="en-US" altLang="zh-CN" dirty="0" smtClean="0"/>
-          </a:p>
-          <a:p>
-            <a:pPr lvl="1"/>
-            <a:r>
-              <a:rPr lang="en-US" altLang="zh-CN" dirty="0" smtClean="0"/>
-              <a:t>b</a:t>
-            </a:r>
-            <a:r>
-              <a:rPr lang="zh-CN" altLang="en-US" dirty="0" smtClean="0"/>
-              <a:t>）规矩的选手</a:t>
-            </a:r>
-          </a:p>
-          <a:p>
-            <a:pPr lvl="2"/>
-            <a:r>
-              <a:rPr lang="zh-CN" altLang="en-US" dirty="0" smtClean="0"/>
-              <a:t>训练时有规矩，饮食体能技巧，获取参赛资格；</a:t>
-            </a:r>
-            <a:endParaRPr lang="en-US" altLang="zh-CN" dirty="0" smtClean="0"/>
-          </a:p>
-          <a:p>
-            <a:pPr lvl="2"/>
-            <a:r>
-              <a:rPr lang="zh-CN" altLang="en-US" dirty="0" smtClean="0"/>
-              <a:t>比赛时有规矩 ，遵守规则才有可能得冠冕。</a:t>
-            </a:r>
-            <a:endParaRPr lang="en-US" altLang="zh-CN" dirty="0" smtClean="0"/>
-          </a:p>
-          <a:p>
-            <a:pPr lvl="1"/>
-            <a:r>
-              <a:rPr lang="en-US" altLang="zh-CN" dirty="0" smtClean="0"/>
-              <a:t>c</a:t>
-            </a:r>
-            <a:r>
-              <a:rPr lang="zh-CN" altLang="en-US" dirty="0" smtClean="0"/>
-              <a:t>）劳力的农夫</a:t>
+            <a:r>
+              <a:rPr lang="zh-CN" altLang="en-US" dirty="0" smtClean="0">
+                <a:solidFill>
+                  <a:srgbClr val="FF0000"/>
+                </a:solidFill>
+              </a:rPr>
+              <a:t>他要将自己的百姓从罪恶里救出来。</a:t>
             </a:r>
             <a:endParaRPr lang="en-US" altLang="zh-CN" dirty="0" smtClean="0">
               <a:solidFill>
@@ -27461,6 +27417,25 @@
             </a:endParaRPr>
           </a:p>
           <a:p>
+            <a:pPr lvl="1"/>
+            <a:r>
+              <a:rPr lang="en-US" altLang="zh-CN" dirty="0" smtClean="0"/>
+              <a:t>b</a:t>
+            </a:r>
+            <a:r>
+              <a:rPr lang="zh-CN" altLang="en-US" dirty="0" smtClean="0"/>
+              <a:t>）弥赛亚预言已应验</a:t>
+            </a:r>
+          </a:p>
+          <a:p>
+            <a:pPr lvl="2"/>
+            <a:r>
+              <a:rPr lang="zh-CN" altLang="en-US" dirty="0" smtClean="0"/>
+              <a:t>耶稣基督在肉身上是大卫的后裔，祂以人的身份来成就旧约的预言，祂是真有其人。</a:t>
+            </a:r>
+            <a:endParaRPr lang="en-US" altLang="zh-CN" dirty="0" smtClean="0"/>
+          </a:p>
+          <a:p>
             <a:pPr lvl="2"/>
             <a:endParaRPr lang="en-US" altLang="zh-CN" dirty="0" smtClean="0"/>
           </a:p>
@@ -27475,7 +27450,7 @@
     </p:spTree>
     <p:extLst>
       <p:ext uri="{BB962C8B-B14F-4D97-AF65-F5344CB8AC3E}">
-        <p14:creationId xmlns="" xmlns:p14="http://schemas.microsoft.com/office/powerpoint/2010/main" val="602482599"/>
+        <p14:creationId xmlns:p14="http://schemas.microsoft.com/office/powerpoint/2010/main" xmlns="" val="602482599"/>
       </p:ext>
     </p:extLst>
   </p:cSld>
@@ -27483,7 +27458,7 @@
     <a:masterClrMapping/>
   </p:clrMapOvr>
   <mc:AlternateContent xmlns:mc="http://schemas.openxmlformats.org/markup-compatibility/2006">
-    <mc:Choice xmlns="" xmlns:p14="http://schemas.microsoft.com/office/powerpoint/2010/main" Requires="p14">
+    <mc:Choice xmlns:p14="http://schemas.microsoft.com/office/powerpoint/2010/main" xmlns="" Requires="p14">
       <p:transition p14:dur="10"/>
     </mc:Choice>
     <mc:Fallback>
